--- a/Rejtély.pptx
+++ b/Rejtély.pptx
@@ -4,18 +4,29 @@
   <p:sldMasterIdLst>
     <p:sldMasterId id="2147483648" r:id="rId1"/>
   </p:sldMasterIdLst>
+  <p:notesMasterIdLst>
+    <p:notesMasterId r:id="rId21"/>
+  </p:notesMasterIdLst>
   <p:sldIdLst>
     <p:sldId id="256" r:id="rId2"/>
     <p:sldId id="257" r:id="rId3"/>
     <p:sldId id="266" r:id="rId4"/>
-    <p:sldId id="263" r:id="rId5"/>
-    <p:sldId id="264" r:id="rId6"/>
-    <p:sldId id="265" r:id="rId7"/>
-    <p:sldId id="258" r:id="rId8"/>
-    <p:sldId id="259" r:id="rId9"/>
-    <p:sldId id="260" r:id="rId10"/>
-    <p:sldId id="261" r:id="rId11"/>
-    <p:sldId id="262" r:id="rId12"/>
+    <p:sldId id="267" r:id="rId5"/>
+    <p:sldId id="263" r:id="rId6"/>
+    <p:sldId id="268" r:id="rId7"/>
+    <p:sldId id="269" r:id="rId8"/>
+    <p:sldId id="264" r:id="rId9"/>
+    <p:sldId id="270" r:id="rId10"/>
+    <p:sldId id="258" r:id="rId11"/>
+    <p:sldId id="272" r:id="rId12"/>
+    <p:sldId id="271" r:id="rId13"/>
+    <p:sldId id="259" r:id="rId14"/>
+    <p:sldId id="273" r:id="rId15"/>
+    <p:sldId id="260" r:id="rId16"/>
+    <p:sldId id="274" r:id="rId17"/>
+    <p:sldId id="275" r:id="rId18"/>
+    <p:sldId id="261" r:id="rId19"/>
+    <p:sldId id="262" r:id="rId20"/>
   </p:sldIdLst>
   <p:sldSz cx="12192000" cy="6858000"/>
   <p:notesSz cx="6858000" cy="9144000"/>
@@ -114,7 +125,2717 @@
       </a:defRPr>
     </a:lvl9pPr>
   </p:defaultTextStyle>
+  <p:extLst>
+    <p:ext uri="{EFAFB233-063F-42B5-8137-9DF3F51BA10A}">
+      <p15:sldGuideLst xmlns:p15="http://schemas.microsoft.com/office/powerpoint/2012/main"/>
+    </p:ext>
+  </p:extLst>
 </p:presentation>
+</file>
+
+<file path=ppt/charts/chart1.xml><?xml version="1.0" encoding="utf-8"?>
+<c:chartSpace xmlns:c="http://schemas.openxmlformats.org/drawingml/2006/chart" xmlns:a="http://schemas.openxmlformats.org/drawingml/2006/main" xmlns:r="http://schemas.openxmlformats.org/officeDocument/2006/relationships" xmlns:c16r2="http://schemas.microsoft.com/office/drawing/2015/06/chart">
+  <c:date1904 val="0"/>
+  <c:lang val="hu-HU"/>
+  <c:roundedCorners val="0"/>
+  <mc:AlternateContent xmlns:mc="http://schemas.openxmlformats.org/markup-compatibility/2006">
+    <mc:Choice xmlns:c14="http://schemas.microsoft.com/office/drawing/2007/8/2/chart" Requires="c14">
+      <c14:style val="102"/>
+    </mc:Choice>
+    <mc:Fallback>
+      <c:style val="2"/>
+    </mc:Fallback>
+  </mc:AlternateContent>
+  <c:chart>
+    <c:title>
+      <c:tx>
+        <c:rich>
+          <a:bodyPr rot="0" spcFirstLastPara="1" vertOverflow="ellipsis" vert="horz" wrap="square" anchor="ctr" anchorCtr="1"/>
+          <a:lstStyle/>
+          <a:p>
+            <a:pPr>
+              <a:defRPr sz="3200" b="0" i="0" u="none" strike="noStrike" kern="1200" spc="0" baseline="0">
+                <a:solidFill>
+                  <a:schemeClr val="tx1">
+                    <a:lumMod val="65000"/>
+                    <a:lumOff val="35000"/>
+                  </a:schemeClr>
+                </a:solidFill>
+                <a:latin typeface="+mn-lt"/>
+                <a:ea typeface="+mn-ea"/>
+                <a:cs typeface="+mn-cs"/>
+              </a:defRPr>
+            </a:pPr>
+            <a:r>
+              <a:rPr lang="hu-HU" sz="3200"/>
+              <a:t>Értékcsökkenés 1 év alatt</a:t>
+            </a:r>
+            <a:endParaRPr lang="en-US" sz="3200"/>
+          </a:p>
+        </c:rich>
+      </c:tx>
+      <c:overlay val="0"/>
+      <c:spPr>
+        <a:noFill/>
+        <a:ln>
+          <a:noFill/>
+        </a:ln>
+        <a:effectLst/>
+      </c:spPr>
+    </c:title>
+    <c:autoTitleDeleted val="0"/>
+    <c:plotArea>
+      <c:layout>
+        <c:manualLayout>
+          <c:layoutTarget val="inner"/>
+          <c:xMode val="edge"/>
+          <c:yMode val="edge"/>
+          <c:x val="0.49609036370453691"/>
+          <c:y val="0.28602277355416778"/>
+          <c:w val="0.47326490438695162"/>
+          <c:h val="0.71397722644583217"/>
+        </c:manualLayout>
+      </c:layout>
+      <c:pieChart>
+        <c:varyColors val="1"/>
+        <c:ser>
+          <c:idx val="0"/>
+          <c:order val="0"/>
+          <c:tx>
+            <c:strRef>
+              <c:f>Munka1!$B$1</c:f>
+              <c:strCache>
+                <c:ptCount val="1"/>
+                <c:pt idx="0">
+                  <c:v>Eszköz bruttó értéke</c:v>
+                </c:pt>
+              </c:strCache>
+            </c:strRef>
+          </c:tx>
+          <c:dPt>
+            <c:idx val="0"/>
+            <c:bubble3D val="0"/>
+            <c:spPr>
+              <a:solidFill>
+                <a:srgbClr val="FF0000"/>
+              </a:solidFill>
+              <a:ln w="19050">
+                <a:solidFill>
+                  <a:schemeClr val="lt1"/>
+                </a:solidFill>
+              </a:ln>
+              <a:effectLst/>
+            </c:spPr>
+            <c:extLst>
+              <c:ext xmlns:c16="http://schemas.microsoft.com/office/drawing/2014/chart" uri="{C3380CC4-5D6E-409C-BE32-E72D297353CC}">
+                <c16:uniqueId val="{00000001-E91B-4784-9974-7C511E0E6E30}"/>
+              </c:ext>
+            </c:extLst>
+          </c:dPt>
+          <c:dPt>
+            <c:idx val="1"/>
+            <c:bubble3D val="0"/>
+            <c:spPr>
+              <a:solidFill>
+                <a:schemeClr val="accent2"/>
+              </a:solidFill>
+              <a:ln w="19050">
+                <a:solidFill>
+                  <a:schemeClr val="lt1"/>
+                </a:solidFill>
+              </a:ln>
+              <a:effectLst/>
+            </c:spPr>
+            <c:extLst>
+              <c:ext xmlns:c16="http://schemas.microsoft.com/office/drawing/2014/chart" uri="{C3380CC4-5D6E-409C-BE32-E72D297353CC}">
+                <c16:uniqueId val="{00000003-E91B-4784-9974-7C511E0E6E30}"/>
+              </c:ext>
+            </c:extLst>
+          </c:dPt>
+          <c:dPt>
+            <c:idx val="2"/>
+            <c:bubble3D val="0"/>
+            <c:spPr>
+              <a:solidFill>
+                <a:schemeClr val="accent3"/>
+              </a:solidFill>
+              <a:ln w="19050">
+                <a:solidFill>
+                  <a:schemeClr val="lt1"/>
+                </a:solidFill>
+              </a:ln>
+              <a:effectLst/>
+            </c:spPr>
+            <c:extLst>
+              <c:ext xmlns:c16="http://schemas.microsoft.com/office/drawing/2014/chart" uri="{C3380CC4-5D6E-409C-BE32-E72D297353CC}">
+                <c16:uniqueId val="{00000005-E91B-4784-9974-7C511E0E6E30}"/>
+              </c:ext>
+            </c:extLst>
+          </c:dPt>
+          <c:dPt>
+            <c:idx val="3"/>
+            <c:bubble3D val="0"/>
+            <c:spPr>
+              <a:solidFill>
+                <a:schemeClr val="accent4"/>
+              </a:solidFill>
+              <a:ln w="19050">
+                <a:solidFill>
+                  <a:schemeClr val="lt1"/>
+                </a:solidFill>
+              </a:ln>
+              <a:effectLst/>
+            </c:spPr>
+            <c:extLst>
+              <c:ext xmlns:c16="http://schemas.microsoft.com/office/drawing/2014/chart" uri="{C3380CC4-5D6E-409C-BE32-E72D297353CC}">
+                <c16:uniqueId val="{00000007-E91B-4784-9974-7C511E0E6E30}"/>
+              </c:ext>
+            </c:extLst>
+          </c:dPt>
+          <c:dLbls>
+            <c:dLbl>
+              <c:idx val="0"/>
+              <c:layout>
+                <c:manualLayout>
+                  <c:x val="-3.3862819170725048E-2"/>
+                  <c:y val="-0.20986498309332954"/>
+                </c:manualLayout>
+              </c:layout>
+              <c:tx>
+                <c:rich>
+                  <a:bodyPr rot="0" spcFirstLastPara="1" vertOverflow="clip" horzOverflow="clip" vert="horz" wrap="square" lIns="38100" tIns="19050" rIns="38100" bIns="19050" anchor="ctr" anchorCtr="1">
+                    <a:spAutoFit/>
+                  </a:bodyPr>
+                  <a:lstStyle/>
+                  <a:p>
+                    <a:pPr>
+                      <a:defRPr sz="1600" b="0" i="0" u="none" strike="noStrike" kern="1200" baseline="0">
+                        <a:solidFill>
+                          <a:schemeClr val="dk1">
+                            <a:lumMod val="65000"/>
+                            <a:lumOff val="35000"/>
+                          </a:schemeClr>
+                        </a:solidFill>
+                        <a:latin typeface="+mn-lt"/>
+                        <a:ea typeface="+mn-ea"/>
+                        <a:cs typeface="+mn-cs"/>
+                      </a:defRPr>
+                    </a:pPr>
+                    <a:fld id="{C885EE62-51E4-4C91-8D96-AABD82FF350F}" type="PERCENTAGE">
+                      <a:rPr lang="en-US" sz="1600" baseline="0"/>
+                      <a:pPr>
+                        <a:defRPr sz="1600" b="0" i="0" u="none" strike="noStrike" kern="1200" baseline="0">
+                          <a:solidFill>
+                            <a:schemeClr val="dk1">
+                              <a:lumMod val="65000"/>
+                              <a:lumOff val="35000"/>
+                            </a:schemeClr>
+                          </a:solidFill>
+                          <a:latin typeface="+mn-lt"/>
+                          <a:ea typeface="+mn-ea"/>
+                          <a:cs typeface="+mn-cs"/>
+                        </a:defRPr>
+                      </a:pPr>
+                      <a:t>[SZÁZALÉK]</a:t>
+                    </a:fld>
+                    <a:endParaRPr lang="hu-HU"/>
+                  </a:p>
+                </c:rich>
+              </c:tx>
+              <c:spPr>
+                <a:solidFill>
+                  <a:sysClr val="window" lastClr="FFFFFF"/>
+                </a:solidFill>
+                <a:ln w="9525" cap="flat" cmpd="sng" algn="ctr">
+                  <a:solidFill>
+                    <a:sysClr val="windowText" lastClr="000000">
+                      <a:lumMod val="25000"/>
+                      <a:lumOff val="75000"/>
+                    </a:sysClr>
+                  </a:solidFill>
+                  <a:prstDash val="solid"/>
+                  <a:round/>
+                  <a:headEnd type="none" w="med" len="med"/>
+                  <a:tailEnd type="none" w="med" len="med"/>
+                  <a:extLst>
+                    <a:ext uri="{C807C97D-BFC1-408E-A445-0C87EB9F89A2}">
+                      <ask:lineSketchStyleProps xmlns:ask="http://schemas.microsoft.com/office/drawing/2018/sketchyshapes" sd="0">
+                        <a:custGeom>
+                          <a:avLst/>
+                          <a:gdLst/>
+                          <a:ahLst/>
+                          <a:cxnLst/>
+                          <a:rect l="0" t="0" r="0" b="0"/>
+                          <a:pathLst/>
+                        </a:custGeom>
+                        <ask:type/>
+                      </ask:lineSketchStyleProps>
+                    </a:ext>
+                  </a:extLst>
+                </a:ln>
+                <a:effectLst/>
+              </c:spPr>
+              <c:dLblPos val="bestFit"/>
+              <c:showLegendKey val="0"/>
+              <c:showVal val="0"/>
+              <c:showCatName val="1"/>
+              <c:showSerName val="0"/>
+              <c:showPercent val="1"/>
+              <c:showBubbleSize val="0"/>
+              <c:extLst>
+                <c:ext xmlns:c15="http://schemas.microsoft.com/office/drawing/2012/chart" uri="{CE6537A1-D6FC-4f65-9D91-7224C49458BB}">
+                  <c15:spPr xmlns:c15="http://schemas.microsoft.com/office/drawing/2012/chart">
+                    <a:prstGeom prst="wedgeRectCallout">
+                      <a:avLst>
+                        <a:gd name="adj1" fmla="val -38288"/>
+                        <a:gd name="adj2" fmla="val 134153"/>
+                      </a:avLst>
+                    </a:prstGeom>
+                  </c15:spPr>
+                  <c15:dlblFieldTable/>
+                  <c15:showDataLabelsRange val="0"/>
+                </c:ext>
+                <c:ext xmlns:c16="http://schemas.microsoft.com/office/drawing/2014/chart" uri="{C3380CC4-5D6E-409C-BE32-E72D297353CC}">
+                  <c16:uniqueId val="{00000001-E91B-4784-9974-7C511E0E6E30}"/>
+                </c:ext>
+              </c:extLst>
+            </c:dLbl>
+            <c:dLbl>
+              <c:idx val="1"/>
+              <c:layout>
+                <c:manualLayout>
+                  <c:x val="-6.1993840365330129E-2"/>
+                  <c:y val="-0.10263491838294989"/>
+                </c:manualLayout>
+              </c:layout>
+              <c:tx>
+                <c:rich>
+                  <a:bodyPr rot="0" spcFirstLastPara="1" vertOverflow="clip" horzOverflow="clip" vert="horz" wrap="square" lIns="38100" tIns="19050" rIns="38100" bIns="19050" anchor="ctr" anchorCtr="1">
+                    <a:spAutoFit/>
+                  </a:bodyPr>
+                  <a:lstStyle/>
+                  <a:p>
+                    <a:pPr>
+                      <a:defRPr sz="1600" b="0" i="0" u="none" strike="noStrike" kern="1200" baseline="0">
+                        <a:solidFill>
+                          <a:schemeClr val="dk1">
+                            <a:lumMod val="65000"/>
+                            <a:lumOff val="35000"/>
+                          </a:schemeClr>
+                        </a:solidFill>
+                        <a:latin typeface="+mn-lt"/>
+                        <a:ea typeface="+mn-ea"/>
+                        <a:cs typeface="+mn-cs"/>
+                      </a:defRPr>
+                    </a:pPr>
+                    <a:fld id="{C0038736-6F83-4B60-845F-AD0F4E602F1E}" type="PERCENTAGE">
+                      <a:rPr lang="en-US" sz="1600" baseline="0"/>
+                      <a:pPr>
+                        <a:defRPr sz="1600" b="0" i="0" u="none" strike="noStrike" kern="1200" baseline="0">
+                          <a:solidFill>
+                            <a:schemeClr val="dk1">
+                              <a:lumMod val="65000"/>
+                              <a:lumOff val="35000"/>
+                            </a:schemeClr>
+                          </a:solidFill>
+                          <a:latin typeface="+mn-lt"/>
+                          <a:ea typeface="+mn-ea"/>
+                          <a:cs typeface="+mn-cs"/>
+                        </a:defRPr>
+                      </a:pPr>
+                      <a:t>[SZÁZALÉK]</a:t>
+                    </a:fld>
+                    <a:endParaRPr lang="hu-HU"/>
+                  </a:p>
+                </c:rich>
+              </c:tx>
+              <c:spPr>
+                <a:solidFill>
+                  <a:sysClr val="window" lastClr="FFFFFF"/>
+                </a:solidFill>
+                <a:ln w="9525" cap="flat" cmpd="sng" algn="ctr">
+                  <a:solidFill>
+                    <a:sysClr val="windowText" lastClr="000000">
+                      <a:lumMod val="25000"/>
+                      <a:lumOff val="75000"/>
+                    </a:sysClr>
+                  </a:solidFill>
+                  <a:prstDash val="solid"/>
+                  <a:round/>
+                  <a:headEnd type="none" w="med" len="med"/>
+                  <a:tailEnd type="none" w="med" len="med"/>
+                  <a:extLst>
+                    <a:ext uri="{C807C97D-BFC1-408E-A445-0C87EB9F89A2}">
+                      <ask:lineSketchStyleProps xmlns:ask="http://schemas.microsoft.com/office/drawing/2018/sketchyshapes" sd="0">
+                        <a:custGeom>
+                          <a:avLst/>
+                          <a:gdLst/>
+                          <a:ahLst/>
+                          <a:cxnLst/>
+                          <a:rect l="0" t="0" r="0" b="0"/>
+                          <a:pathLst/>
+                        </a:custGeom>
+                        <ask:type/>
+                      </ask:lineSketchStyleProps>
+                    </a:ext>
+                  </a:extLst>
+                </a:ln>
+                <a:effectLst/>
+              </c:spPr>
+              <c:dLblPos val="bestFit"/>
+              <c:showLegendKey val="0"/>
+              <c:showVal val="0"/>
+              <c:showCatName val="1"/>
+              <c:showSerName val="0"/>
+              <c:showPercent val="1"/>
+              <c:showBubbleSize val="0"/>
+              <c:extLst>
+                <c:ext xmlns:c15="http://schemas.microsoft.com/office/drawing/2012/chart" uri="{CE6537A1-D6FC-4f65-9D91-7224C49458BB}">
+                  <c15:spPr xmlns:c15="http://schemas.microsoft.com/office/drawing/2012/chart">
+                    <a:prstGeom prst="wedgeRectCallout">
+                      <a:avLst>
+                        <a:gd name="adj1" fmla="val 132709"/>
+                        <a:gd name="adj2" fmla="val -75643"/>
+                      </a:avLst>
+                    </a:prstGeom>
+                  </c15:spPr>
+                  <c15:dlblFieldTable/>
+                  <c15:showDataLabelsRange val="0"/>
+                </c:ext>
+                <c:ext xmlns:c16="http://schemas.microsoft.com/office/drawing/2014/chart" uri="{C3380CC4-5D6E-409C-BE32-E72D297353CC}">
+                  <c16:uniqueId val="{00000003-E91B-4784-9974-7C511E0E6E30}"/>
+                </c:ext>
+              </c:extLst>
+            </c:dLbl>
+            <c:dLbl>
+              <c:idx val="2"/>
+              <c:tx>
+                <c:rich>
+                  <a:bodyPr/>
+                  <a:lstStyle/>
+                  <a:p>
+                    <a:fld id="{BBEA1277-E4A8-498C-9461-6F80B4D68AAB}" type="PERCENTAGE">
+                      <a:rPr lang="en-US" baseline="0"/>
+                      <a:pPr/>
+                      <a:t>[SZÁZALÉK]</a:t>
+                    </a:fld>
+                    <a:endParaRPr lang="hu-HU"/>
+                  </a:p>
+                </c:rich>
+              </c:tx>
+              <c:dLblPos val="outEnd"/>
+              <c:showLegendKey val="0"/>
+              <c:showVal val="0"/>
+              <c:showCatName val="1"/>
+              <c:showSerName val="0"/>
+              <c:showPercent val="1"/>
+              <c:showBubbleSize val="0"/>
+              <c:extLst>
+                <c:ext xmlns:c15="http://schemas.microsoft.com/office/drawing/2012/chart" uri="{CE6537A1-D6FC-4f65-9D91-7224C49458BB}">
+                  <c15:dlblFieldTable/>
+                  <c15:showDataLabelsRange val="0"/>
+                </c:ext>
+                <c:ext xmlns:c16="http://schemas.microsoft.com/office/drawing/2014/chart" uri="{C3380CC4-5D6E-409C-BE32-E72D297353CC}">
+                  <c16:uniqueId val="{00000005-E91B-4784-9974-7C511E0E6E30}"/>
+                </c:ext>
+              </c:extLst>
+            </c:dLbl>
+            <c:dLbl>
+              <c:idx val="3"/>
+              <c:layout>
+                <c:manualLayout>
+                  <c:x val="5.2380952380952209E-2"/>
+                  <c:y val="-7.1839080459770152E-2"/>
+                </c:manualLayout>
+              </c:layout>
+              <c:tx>
+                <c:rich>
+                  <a:bodyPr/>
+                  <a:lstStyle/>
+                  <a:p>
+                    <a:fld id="{AC228D00-242B-4270-B7BC-BB920A62E9DC}" type="PERCENTAGE">
+                      <a:rPr lang="en-US" baseline="0"/>
+                      <a:pPr/>
+                      <a:t>[SZÁZALÉK]</a:t>
+                    </a:fld>
+                    <a:endParaRPr lang="hu-HU"/>
+                  </a:p>
+                </c:rich>
+              </c:tx>
+              <c:dLblPos val="bestFit"/>
+              <c:showLegendKey val="0"/>
+              <c:showVal val="0"/>
+              <c:showCatName val="1"/>
+              <c:showSerName val="0"/>
+              <c:showPercent val="1"/>
+              <c:showBubbleSize val="0"/>
+              <c:extLst>
+                <c:ext xmlns:c15="http://schemas.microsoft.com/office/drawing/2012/chart" uri="{CE6537A1-D6FC-4f65-9D91-7224C49458BB}">
+                  <c15:dlblFieldTable/>
+                  <c15:showDataLabelsRange val="0"/>
+                </c:ext>
+                <c:ext xmlns:c16="http://schemas.microsoft.com/office/drawing/2014/chart" uri="{C3380CC4-5D6E-409C-BE32-E72D297353CC}">
+                  <c16:uniqueId val="{00000007-E91B-4784-9974-7C511E0E6E30}"/>
+                </c:ext>
+              </c:extLst>
+            </c:dLbl>
+            <c:spPr>
+              <a:solidFill>
+                <a:sysClr val="window" lastClr="FFFFFF"/>
+              </a:solidFill>
+              <a:ln>
+                <a:solidFill>
+                  <a:sysClr val="windowText" lastClr="000000">
+                    <a:lumMod val="25000"/>
+                    <a:lumOff val="75000"/>
+                  </a:sysClr>
+                </a:solidFill>
+              </a:ln>
+              <a:effectLst/>
+            </c:spPr>
+            <c:txPr>
+              <a:bodyPr rot="0" spcFirstLastPara="1" vertOverflow="clip" horzOverflow="clip" vert="horz" wrap="square" lIns="38100" tIns="19050" rIns="38100" bIns="19050" anchor="ctr" anchorCtr="1">
+                <a:spAutoFit/>
+              </a:bodyPr>
+              <a:lstStyle/>
+              <a:p>
+                <a:pPr>
+                  <a:defRPr sz="1600" b="0" i="0" u="none" strike="noStrike" kern="1200" baseline="0">
+                    <a:solidFill>
+                      <a:schemeClr val="dk1">
+                        <a:lumMod val="65000"/>
+                        <a:lumOff val="35000"/>
+                      </a:schemeClr>
+                    </a:solidFill>
+                    <a:latin typeface="+mn-lt"/>
+                    <a:ea typeface="+mn-ea"/>
+                    <a:cs typeface="+mn-cs"/>
+                  </a:defRPr>
+                </a:pPr>
+                <a:endParaRPr lang="hu-HU"/>
+              </a:p>
+            </c:txPr>
+            <c:dLblPos val="outEnd"/>
+            <c:showLegendKey val="0"/>
+            <c:showVal val="0"/>
+            <c:showCatName val="1"/>
+            <c:showSerName val="0"/>
+            <c:showPercent val="1"/>
+            <c:showBubbleSize val="0"/>
+            <c:showLeaderLines val="0"/>
+            <c:extLst>
+              <c:ext xmlns:c15="http://schemas.microsoft.com/office/drawing/2012/chart" uri="{CE6537A1-D6FC-4f65-9D91-7224C49458BB}">
+                <c15:spPr xmlns:c15="http://schemas.microsoft.com/office/drawing/2012/chart">
+                  <a:prstGeom prst="wedgeRectCallout">
+                    <a:avLst/>
+                  </a:prstGeom>
+                </c15:spPr>
+              </c:ext>
+            </c:extLst>
+          </c:dLbls>
+          <c:cat>
+            <c:strRef>
+              <c:f>Munka1!$A$2:$A$5</c:f>
+              <c:strCache>
+                <c:ptCount val="4"/>
+                <c:pt idx="0">
+                  <c:v>Számítógépek (6db)</c:v>
+                </c:pt>
+                <c:pt idx="1">
+                  <c:v>Szerver</c:v>
+                </c:pt>
+                <c:pt idx="2">
+                  <c:v>Perifériák</c:v>
+                </c:pt>
+                <c:pt idx="3">
+                  <c:v>Egyéb elektronikai kiegészítők</c:v>
+                </c:pt>
+              </c:strCache>
+            </c:strRef>
+          </c:cat>
+          <c:val>
+            <c:numRef>
+              <c:f>Munka1!$B$2:$B$5</c:f>
+              <c:numCache>
+                <c:formatCode>"Ft"#,##0_);[Red]\("Ft"#,##0\)</c:formatCode>
+                <c:ptCount val="4"/>
+                <c:pt idx="0">
+                  <c:v>2000000</c:v>
+                </c:pt>
+                <c:pt idx="1">
+                  <c:v>1500000</c:v>
+                </c:pt>
+                <c:pt idx="2">
+                  <c:v>600000</c:v>
+                </c:pt>
+                <c:pt idx="3">
+                  <c:v>420000</c:v>
+                </c:pt>
+              </c:numCache>
+            </c:numRef>
+          </c:val>
+          <c:extLst>
+            <c:ext xmlns:c16="http://schemas.microsoft.com/office/drawing/2014/chart" uri="{C3380CC4-5D6E-409C-BE32-E72D297353CC}">
+              <c16:uniqueId val="{00000008-E91B-4784-9974-7C511E0E6E30}"/>
+            </c:ext>
+          </c:extLst>
+        </c:ser>
+        <c:ser>
+          <c:idx val="1"/>
+          <c:order val="1"/>
+          <c:tx>
+            <c:strRef>
+              <c:f>Munka1!$C$1</c:f>
+              <c:strCache>
+                <c:ptCount val="1"/>
+                <c:pt idx="0">
+                  <c:v>Értékcsökkenés 1év alatt</c:v>
+                </c:pt>
+              </c:strCache>
+            </c:strRef>
+          </c:tx>
+          <c:dPt>
+            <c:idx val="0"/>
+            <c:bubble3D val="0"/>
+            <c:spPr>
+              <a:solidFill>
+                <a:schemeClr val="accent1"/>
+              </a:solidFill>
+              <a:ln w="19050">
+                <a:solidFill>
+                  <a:schemeClr val="lt1"/>
+                </a:solidFill>
+              </a:ln>
+              <a:effectLst/>
+            </c:spPr>
+            <c:extLst>
+              <c:ext xmlns:c16="http://schemas.microsoft.com/office/drawing/2014/chart" uri="{C3380CC4-5D6E-409C-BE32-E72D297353CC}">
+                <c16:uniqueId val="{0000000A-E91B-4784-9974-7C511E0E6E30}"/>
+              </c:ext>
+            </c:extLst>
+          </c:dPt>
+          <c:dPt>
+            <c:idx val="1"/>
+            <c:bubble3D val="0"/>
+            <c:spPr>
+              <a:solidFill>
+                <a:schemeClr val="accent2"/>
+              </a:solidFill>
+              <a:ln w="19050">
+                <a:solidFill>
+                  <a:schemeClr val="lt1"/>
+                </a:solidFill>
+              </a:ln>
+              <a:effectLst/>
+            </c:spPr>
+            <c:extLst>
+              <c:ext xmlns:c16="http://schemas.microsoft.com/office/drawing/2014/chart" uri="{C3380CC4-5D6E-409C-BE32-E72D297353CC}">
+                <c16:uniqueId val="{0000000C-E91B-4784-9974-7C511E0E6E30}"/>
+              </c:ext>
+            </c:extLst>
+          </c:dPt>
+          <c:dPt>
+            <c:idx val="2"/>
+            <c:bubble3D val="0"/>
+            <c:spPr>
+              <a:solidFill>
+                <a:schemeClr val="accent3"/>
+              </a:solidFill>
+              <a:ln w="19050">
+                <a:solidFill>
+                  <a:schemeClr val="lt1"/>
+                </a:solidFill>
+              </a:ln>
+              <a:effectLst/>
+            </c:spPr>
+            <c:extLst>
+              <c:ext xmlns:c16="http://schemas.microsoft.com/office/drawing/2014/chart" uri="{C3380CC4-5D6E-409C-BE32-E72D297353CC}">
+                <c16:uniqueId val="{0000000E-E91B-4784-9974-7C511E0E6E30}"/>
+              </c:ext>
+            </c:extLst>
+          </c:dPt>
+          <c:dPt>
+            <c:idx val="3"/>
+            <c:bubble3D val="0"/>
+            <c:spPr>
+              <a:solidFill>
+                <a:schemeClr val="accent4"/>
+              </a:solidFill>
+              <a:ln w="19050">
+                <a:solidFill>
+                  <a:schemeClr val="lt1"/>
+                </a:solidFill>
+              </a:ln>
+              <a:effectLst/>
+            </c:spPr>
+            <c:extLst>
+              <c:ext xmlns:c16="http://schemas.microsoft.com/office/drawing/2014/chart" uri="{C3380CC4-5D6E-409C-BE32-E72D297353CC}">
+                <c16:uniqueId val="{00000010-E91B-4784-9974-7C511E0E6E30}"/>
+              </c:ext>
+            </c:extLst>
+          </c:dPt>
+          <c:cat>
+            <c:strRef>
+              <c:f>Munka1!$A$2:$A$5</c:f>
+              <c:strCache>
+                <c:ptCount val="4"/>
+                <c:pt idx="0">
+                  <c:v>Számítógépek (6db)</c:v>
+                </c:pt>
+                <c:pt idx="1">
+                  <c:v>Szerver</c:v>
+                </c:pt>
+                <c:pt idx="2">
+                  <c:v>Perifériák</c:v>
+                </c:pt>
+                <c:pt idx="3">
+                  <c:v>Egyéb elektronikai kiegészítők</c:v>
+                </c:pt>
+              </c:strCache>
+            </c:strRef>
+          </c:cat>
+          <c:val>
+            <c:numRef>
+              <c:f>Munka1!$C$2:$C$5</c:f>
+              <c:numCache>
+                <c:formatCode>"Ft"#,##0_);[Red]\("Ft"#,##0\)</c:formatCode>
+                <c:ptCount val="4"/>
+                <c:pt idx="0">
+                  <c:v>333333</c:v>
+                </c:pt>
+                <c:pt idx="1">
+                  <c:v>250000</c:v>
+                </c:pt>
+                <c:pt idx="2">
+                  <c:v>100000</c:v>
+                </c:pt>
+                <c:pt idx="3">
+                  <c:v>70000</c:v>
+                </c:pt>
+              </c:numCache>
+            </c:numRef>
+          </c:val>
+          <c:extLst>
+            <c:ext xmlns:c16="http://schemas.microsoft.com/office/drawing/2014/chart" uri="{C3380CC4-5D6E-409C-BE32-E72D297353CC}">
+              <c16:uniqueId val="{00000011-E91B-4784-9974-7C511E0E6E30}"/>
+            </c:ext>
+          </c:extLst>
+        </c:ser>
+        <c:dLbls>
+          <c:showLegendKey val="0"/>
+          <c:showVal val="0"/>
+          <c:showCatName val="0"/>
+          <c:showSerName val="0"/>
+          <c:showPercent val="0"/>
+          <c:showBubbleSize val="0"/>
+          <c:showLeaderLines val="0"/>
+        </c:dLbls>
+        <c:firstSliceAng val="0"/>
+      </c:pieChart>
+      <c:spPr>
+        <a:noFill/>
+        <a:ln>
+          <a:noFill/>
+        </a:ln>
+        <a:effectLst/>
+      </c:spPr>
+    </c:plotArea>
+    <c:legend>
+      <c:legendPos val="l"/>
+      <c:layout>
+        <c:manualLayout>
+          <c:xMode val="edge"/>
+          <c:yMode val="edge"/>
+          <c:x val="8.0206296488995691E-3"/>
+          <c:y val="0.41105281832269502"/>
+          <c:w val="0.37362398046166201"/>
+          <c:h val="0.40305212012528074"/>
+        </c:manualLayout>
+      </c:layout>
+      <c:overlay val="0"/>
+      <c:spPr>
+        <a:noFill/>
+        <a:ln>
+          <a:noFill/>
+        </a:ln>
+        <a:effectLst/>
+      </c:spPr>
+      <c:txPr>
+        <a:bodyPr rot="0" spcFirstLastPara="1" vertOverflow="ellipsis" vert="horz" wrap="square" anchor="ctr" anchorCtr="1"/>
+        <a:lstStyle/>
+        <a:p>
+          <a:pPr>
+            <a:defRPr sz="1800" b="0" i="0" u="none" strike="noStrike" kern="1200" baseline="0">
+              <a:solidFill>
+                <a:schemeClr val="tx1">
+                  <a:lumMod val="65000"/>
+                  <a:lumOff val="35000"/>
+                </a:schemeClr>
+              </a:solidFill>
+              <a:latin typeface="+mn-lt"/>
+              <a:ea typeface="+mn-ea"/>
+              <a:cs typeface="+mn-cs"/>
+            </a:defRPr>
+          </a:pPr>
+          <a:endParaRPr lang="hu-HU"/>
+        </a:p>
+      </c:txPr>
+    </c:legend>
+    <c:plotVisOnly val="1"/>
+    <c:dispBlanksAs val="gap"/>
+    <c:extLst>
+      <c:ext xmlns:c16r3="http://schemas.microsoft.com/office/drawing/2017/03/chart" uri="{56B9EC1D-385E-4148-901F-78D8002777C0}">
+        <c16r3:dataDisplayOptions16>
+          <c16r3:dispNaAsBlank val="1"/>
+        </c16r3:dataDisplayOptions16>
+      </c:ext>
+    </c:extLst>
+    <c:showDLblsOverMax val="0"/>
+  </c:chart>
+  <c:spPr>
+    <a:solidFill>
+      <a:schemeClr val="bg1"/>
+    </a:solidFill>
+    <a:ln w="9525" cap="flat" cmpd="sng" algn="ctr">
+      <a:solidFill>
+        <a:schemeClr val="tx1">
+          <a:lumMod val="15000"/>
+          <a:lumOff val="85000"/>
+        </a:schemeClr>
+      </a:solidFill>
+      <a:round/>
+    </a:ln>
+    <a:effectLst/>
+  </c:spPr>
+  <c:txPr>
+    <a:bodyPr/>
+    <a:lstStyle/>
+    <a:p>
+      <a:pPr>
+        <a:defRPr/>
+      </a:pPr>
+      <a:endParaRPr lang="hu-HU"/>
+    </a:p>
+  </c:txPr>
+  <c:externalData r:id="rId1">
+    <c:autoUpdate val="0"/>
+  </c:externalData>
+</c:chartSpace>
+</file>
+
+<file path=ppt/notesMasters/notesMaster1.xml><?xml version="1.0" encoding="utf-8"?>
+<p:notesMaster xmlns:a="http://schemas.openxmlformats.org/drawingml/2006/main" xmlns:r="http://schemas.openxmlformats.org/officeDocument/2006/relationships" xmlns:p="http://schemas.openxmlformats.org/presentationml/2006/main">
+  <p:cSld>
+    <p:bg>
+      <p:bgRef idx="1001">
+        <a:schemeClr val="bg1"/>
+      </p:bgRef>
+    </p:bg>
+    <p:spTree>
+      <p:nvGrpSpPr>
+        <p:cNvPr id="1" name=""/>
+        <p:cNvGrpSpPr/>
+        <p:nvPr/>
+      </p:nvGrpSpPr>
+      <p:grpSpPr>
+        <a:xfrm>
+          <a:off x="0" y="0"/>
+          <a:ext cx="0" cy="0"/>
+          <a:chOff x="0" y="0"/>
+          <a:chExt cx="0" cy="0"/>
+        </a:xfrm>
+      </p:grpSpPr>
+      <p:sp>
+        <p:nvSpPr>
+          <p:cNvPr id="2" name="Élőfej helye 1"/>
+          <p:cNvSpPr>
+            <a:spLocks noGrp="1"/>
+          </p:cNvSpPr>
+          <p:nvPr>
+            <p:ph type="hdr" sz="quarter"/>
+          </p:nvPr>
+        </p:nvSpPr>
+        <p:spPr>
+          <a:xfrm>
+            <a:off x="0" y="0"/>
+            <a:ext cx="2971800" cy="458788"/>
+          </a:xfrm>
+          <a:prstGeom prst="rect">
+            <a:avLst/>
+          </a:prstGeom>
+        </p:spPr>
+        <p:txBody>
+          <a:bodyPr vert="horz" lIns="91440" tIns="45720" rIns="91440" bIns="45720" rtlCol="0"/>
+          <a:lstStyle>
+            <a:lvl1pPr algn="l">
+              <a:defRPr sz="1200"/>
+            </a:lvl1pPr>
+          </a:lstStyle>
+          <a:p>
+            <a:endParaRPr lang="hu-HU"/>
+          </a:p>
+        </p:txBody>
+      </p:sp>
+      <p:sp>
+        <p:nvSpPr>
+          <p:cNvPr id="3" name="Dátum helye 2"/>
+          <p:cNvSpPr>
+            <a:spLocks noGrp="1"/>
+          </p:cNvSpPr>
+          <p:nvPr>
+            <p:ph type="dt" idx="1"/>
+          </p:nvPr>
+        </p:nvSpPr>
+        <p:spPr>
+          <a:xfrm>
+            <a:off x="3884613" y="0"/>
+            <a:ext cx="2971800" cy="458788"/>
+          </a:xfrm>
+          <a:prstGeom prst="rect">
+            <a:avLst/>
+          </a:prstGeom>
+        </p:spPr>
+        <p:txBody>
+          <a:bodyPr vert="horz" lIns="91440" tIns="45720" rIns="91440" bIns="45720" rtlCol="0"/>
+          <a:lstStyle>
+            <a:lvl1pPr algn="r">
+              <a:defRPr sz="1200"/>
+            </a:lvl1pPr>
+          </a:lstStyle>
+          <a:p>
+            <a:fld id="{675BA1AC-B074-4119-B09F-8B879FA88493}" type="datetimeFigureOut">
+              <a:rPr lang="hu-HU" smtClean="0"/>
+              <a:t>2023. 05. 08.</a:t>
+            </a:fld>
+            <a:endParaRPr lang="hu-HU"/>
+          </a:p>
+        </p:txBody>
+      </p:sp>
+      <p:sp>
+        <p:nvSpPr>
+          <p:cNvPr id="4" name="Diakép helye 3"/>
+          <p:cNvSpPr>
+            <a:spLocks noGrp="1" noRot="1" noChangeAspect="1"/>
+          </p:cNvSpPr>
+          <p:nvPr>
+            <p:ph type="sldImg" idx="2"/>
+          </p:nvPr>
+        </p:nvSpPr>
+        <p:spPr>
+          <a:xfrm>
+            <a:off x="685800" y="1143000"/>
+            <a:ext cx="5486400" cy="3086100"/>
+          </a:xfrm>
+          <a:prstGeom prst="rect">
+            <a:avLst/>
+          </a:prstGeom>
+          <a:noFill/>
+          <a:ln w="12700">
+            <a:solidFill>
+              <a:prstClr val="black"/>
+            </a:solidFill>
+          </a:ln>
+        </p:spPr>
+        <p:txBody>
+          <a:bodyPr vert="horz" lIns="91440" tIns="45720" rIns="91440" bIns="45720" rtlCol="0" anchor="ctr"/>
+          <a:lstStyle/>
+          <a:p>
+            <a:endParaRPr lang="hu-HU"/>
+          </a:p>
+        </p:txBody>
+      </p:sp>
+      <p:sp>
+        <p:nvSpPr>
+          <p:cNvPr id="5" name="Jegyzetek helye 4"/>
+          <p:cNvSpPr>
+            <a:spLocks noGrp="1"/>
+          </p:cNvSpPr>
+          <p:nvPr>
+            <p:ph type="body" sz="quarter" idx="3"/>
+          </p:nvPr>
+        </p:nvSpPr>
+        <p:spPr>
+          <a:xfrm>
+            <a:off x="685800" y="4400550"/>
+            <a:ext cx="5486400" cy="3600450"/>
+          </a:xfrm>
+          <a:prstGeom prst="rect">
+            <a:avLst/>
+          </a:prstGeom>
+        </p:spPr>
+        <p:txBody>
+          <a:bodyPr vert="horz" lIns="91440" tIns="45720" rIns="91440" bIns="45720" rtlCol="0"/>
+          <a:lstStyle/>
+          <a:p>
+            <a:pPr lvl="0"/>
+            <a:r>
+              <a:rPr lang="hu-HU"/>
+              <a:t>Mintaszöveg szerkesztése</a:t>
+            </a:r>
+          </a:p>
+          <a:p>
+            <a:pPr lvl="1"/>
+            <a:r>
+              <a:rPr lang="hu-HU"/>
+              <a:t>Második szint</a:t>
+            </a:r>
+          </a:p>
+          <a:p>
+            <a:pPr lvl="2"/>
+            <a:r>
+              <a:rPr lang="hu-HU"/>
+              <a:t>Harmadik szint</a:t>
+            </a:r>
+          </a:p>
+          <a:p>
+            <a:pPr lvl="3"/>
+            <a:r>
+              <a:rPr lang="hu-HU"/>
+              <a:t>Negyedik szint</a:t>
+            </a:r>
+          </a:p>
+          <a:p>
+            <a:pPr lvl="4"/>
+            <a:r>
+              <a:rPr lang="hu-HU"/>
+              <a:t>Ötödik szint</a:t>
+            </a:r>
+          </a:p>
+        </p:txBody>
+      </p:sp>
+      <p:sp>
+        <p:nvSpPr>
+          <p:cNvPr id="6" name="Élőláb helye 5"/>
+          <p:cNvSpPr>
+            <a:spLocks noGrp="1"/>
+          </p:cNvSpPr>
+          <p:nvPr>
+            <p:ph type="ftr" sz="quarter" idx="4"/>
+          </p:nvPr>
+        </p:nvSpPr>
+        <p:spPr>
+          <a:xfrm>
+            <a:off x="0" y="8685213"/>
+            <a:ext cx="2971800" cy="458787"/>
+          </a:xfrm>
+          <a:prstGeom prst="rect">
+            <a:avLst/>
+          </a:prstGeom>
+        </p:spPr>
+        <p:txBody>
+          <a:bodyPr vert="horz" lIns="91440" tIns="45720" rIns="91440" bIns="45720" rtlCol="0" anchor="b"/>
+          <a:lstStyle>
+            <a:lvl1pPr algn="l">
+              <a:defRPr sz="1200"/>
+            </a:lvl1pPr>
+          </a:lstStyle>
+          <a:p>
+            <a:endParaRPr lang="hu-HU"/>
+          </a:p>
+        </p:txBody>
+      </p:sp>
+      <p:sp>
+        <p:nvSpPr>
+          <p:cNvPr id="7" name="Dia számának helye 6"/>
+          <p:cNvSpPr>
+            <a:spLocks noGrp="1"/>
+          </p:cNvSpPr>
+          <p:nvPr>
+            <p:ph type="sldNum" sz="quarter" idx="5"/>
+          </p:nvPr>
+        </p:nvSpPr>
+        <p:spPr>
+          <a:xfrm>
+            <a:off x="3884613" y="8685213"/>
+            <a:ext cx="2971800" cy="458787"/>
+          </a:xfrm>
+          <a:prstGeom prst="rect">
+            <a:avLst/>
+          </a:prstGeom>
+        </p:spPr>
+        <p:txBody>
+          <a:bodyPr vert="horz" lIns="91440" tIns="45720" rIns="91440" bIns="45720" rtlCol="0" anchor="b"/>
+          <a:lstStyle>
+            <a:lvl1pPr algn="r">
+              <a:defRPr sz="1200"/>
+            </a:lvl1pPr>
+          </a:lstStyle>
+          <a:p>
+            <a:fld id="{74939ABF-8F6A-41FD-BB0D-6D9C20D72201}" type="slidenum">
+              <a:rPr lang="hu-HU" smtClean="0"/>
+              <a:t>‹#›</a:t>
+            </a:fld>
+            <a:endParaRPr lang="hu-HU"/>
+          </a:p>
+        </p:txBody>
+      </p:sp>
+    </p:spTree>
+    <p:extLst>
+      <p:ext uri="{BB962C8B-B14F-4D97-AF65-F5344CB8AC3E}">
+        <p14:creationId xmlns:p14="http://schemas.microsoft.com/office/powerpoint/2010/main" val="252436250"/>
+      </p:ext>
+    </p:extLst>
+  </p:cSld>
+  <p:clrMap bg1="lt1" tx1="dk1" bg2="lt2" tx2="dk2" accent1="accent1" accent2="accent2" accent3="accent3" accent4="accent4" accent5="accent5" accent6="accent6" hlink="hlink" folHlink="folHlink"/>
+  <p:notesStyle>
+    <a:lvl1pPr marL="0" algn="l" defTabSz="914400" rtl="0" eaLnBrk="1" latinLnBrk="0" hangingPunct="1">
+      <a:defRPr sz="1200" kern="1200">
+        <a:solidFill>
+          <a:schemeClr val="tx1"/>
+        </a:solidFill>
+        <a:latin typeface="+mn-lt"/>
+        <a:ea typeface="+mn-ea"/>
+        <a:cs typeface="+mn-cs"/>
+      </a:defRPr>
+    </a:lvl1pPr>
+    <a:lvl2pPr marL="457200" algn="l" defTabSz="914400" rtl="0" eaLnBrk="1" latinLnBrk="0" hangingPunct="1">
+      <a:defRPr sz="1200" kern="1200">
+        <a:solidFill>
+          <a:schemeClr val="tx1"/>
+        </a:solidFill>
+        <a:latin typeface="+mn-lt"/>
+        <a:ea typeface="+mn-ea"/>
+        <a:cs typeface="+mn-cs"/>
+      </a:defRPr>
+    </a:lvl2pPr>
+    <a:lvl3pPr marL="914400" algn="l" defTabSz="914400" rtl="0" eaLnBrk="1" latinLnBrk="0" hangingPunct="1">
+      <a:defRPr sz="1200" kern="1200">
+        <a:solidFill>
+          <a:schemeClr val="tx1"/>
+        </a:solidFill>
+        <a:latin typeface="+mn-lt"/>
+        <a:ea typeface="+mn-ea"/>
+        <a:cs typeface="+mn-cs"/>
+      </a:defRPr>
+    </a:lvl3pPr>
+    <a:lvl4pPr marL="1371600" algn="l" defTabSz="914400" rtl="0" eaLnBrk="1" latinLnBrk="0" hangingPunct="1">
+      <a:defRPr sz="1200" kern="1200">
+        <a:solidFill>
+          <a:schemeClr val="tx1"/>
+        </a:solidFill>
+        <a:latin typeface="+mn-lt"/>
+        <a:ea typeface="+mn-ea"/>
+        <a:cs typeface="+mn-cs"/>
+      </a:defRPr>
+    </a:lvl4pPr>
+    <a:lvl5pPr marL="1828800" algn="l" defTabSz="914400" rtl="0" eaLnBrk="1" latinLnBrk="0" hangingPunct="1">
+      <a:defRPr sz="1200" kern="1200">
+        <a:solidFill>
+          <a:schemeClr val="tx1"/>
+        </a:solidFill>
+        <a:latin typeface="+mn-lt"/>
+        <a:ea typeface="+mn-ea"/>
+        <a:cs typeface="+mn-cs"/>
+      </a:defRPr>
+    </a:lvl5pPr>
+    <a:lvl6pPr marL="2286000" algn="l" defTabSz="914400" rtl="0" eaLnBrk="1" latinLnBrk="0" hangingPunct="1">
+      <a:defRPr sz="1200" kern="1200">
+        <a:solidFill>
+          <a:schemeClr val="tx1"/>
+        </a:solidFill>
+        <a:latin typeface="+mn-lt"/>
+        <a:ea typeface="+mn-ea"/>
+        <a:cs typeface="+mn-cs"/>
+      </a:defRPr>
+    </a:lvl6pPr>
+    <a:lvl7pPr marL="2743200" algn="l" defTabSz="914400" rtl="0" eaLnBrk="1" latinLnBrk="0" hangingPunct="1">
+      <a:defRPr sz="1200" kern="1200">
+        <a:solidFill>
+          <a:schemeClr val="tx1"/>
+        </a:solidFill>
+        <a:latin typeface="+mn-lt"/>
+        <a:ea typeface="+mn-ea"/>
+        <a:cs typeface="+mn-cs"/>
+      </a:defRPr>
+    </a:lvl7pPr>
+    <a:lvl8pPr marL="3200400" algn="l" defTabSz="914400" rtl="0" eaLnBrk="1" latinLnBrk="0" hangingPunct="1">
+      <a:defRPr sz="1200" kern="1200">
+        <a:solidFill>
+          <a:schemeClr val="tx1"/>
+        </a:solidFill>
+        <a:latin typeface="+mn-lt"/>
+        <a:ea typeface="+mn-ea"/>
+        <a:cs typeface="+mn-cs"/>
+      </a:defRPr>
+    </a:lvl8pPr>
+    <a:lvl9pPr marL="3657600" algn="l" defTabSz="914400" rtl="0" eaLnBrk="1" latinLnBrk="0" hangingPunct="1">
+      <a:defRPr sz="1200" kern="1200">
+        <a:solidFill>
+          <a:schemeClr val="tx1"/>
+        </a:solidFill>
+        <a:latin typeface="+mn-lt"/>
+        <a:ea typeface="+mn-ea"/>
+        <a:cs typeface="+mn-cs"/>
+      </a:defRPr>
+    </a:lvl9pPr>
+  </p:notesStyle>
+</p:notesMaster>
+</file>
+
+<file path=ppt/notesSlides/notesSlide1.xml><?xml version="1.0" encoding="utf-8"?>
+<p:notes xmlns:a="http://schemas.openxmlformats.org/drawingml/2006/main" xmlns:r="http://schemas.openxmlformats.org/officeDocument/2006/relationships" xmlns:p="http://schemas.openxmlformats.org/presentationml/2006/main">
+  <p:cSld>
+    <p:spTree>
+      <p:nvGrpSpPr>
+        <p:cNvPr id="1" name=""/>
+        <p:cNvGrpSpPr/>
+        <p:nvPr/>
+      </p:nvGrpSpPr>
+      <p:grpSpPr>
+        <a:xfrm>
+          <a:off x="0" y="0"/>
+          <a:ext cx="0" cy="0"/>
+          <a:chOff x="0" y="0"/>
+          <a:chExt cx="0" cy="0"/>
+        </a:xfrm>
+      </p:grpSpPr>
+      <p:sp>
+        <p:nvSpPr>
+          <p:cNvPr id="2" name="Diakép helye 1"/>
+          <p:cNvSpPr>
+            <a:spLocks noGrp="1" noRot="1" noChangeAspect="1"/>
+          </p:cNvSpPr>
+          <p:nvPr>
+            <p:ph type="sldImg"/>
+          </p:nvPr>
+        </p:nvSpPr>
+        <p:spPr/>
+      </p:sp>
+      <p:sp>
+        <p:nvSpPr>
+          <p:cNvPr id="3" name="Jegyzetek helye 2"/>
+          <p:cNvSpPr>
+            <a:spLocks noGrp="1"/>
+          </p:cNvSpPr>
+          <p:nvPr>
+            <p:ph type="body" idx="1"/>
+          </p:nvPr>
+        </p:nvSpPr>
+        <p:spPr/>
+        <p:txBody>
+          <a:bodyPr/>
+          <a:lstStyle/>
+          <a:p>
+            <a:r>
+              <a:rPr lang="hu-HU" dirty="0"/>
+              <a:t>CSABA bemutatja, hogy mi a projekt</a:t>
+            </a:r>
+          </a:p>
+        </p:txBody>
+      </p:sp>
+      <p:sp>
+        <p:nvSpPr>
+          <p:cNvPr id="4" name="Dia számának helye 3"/>
+          <p:cNvSpPr>
+            <a:spLocks noGrp="1"/>
+          </p:cNvSpPr>
+          <p:nvPr>
+            <p:ph type="sldNum" sz="quarter" idx="5"/>
+          </p:nvPr>
+        </p:nvSpPr>
+        <p:spPr/>
+        <p:txBody>
+          <a:bodyPr/>
+          <a:lstStyle/>
+          <a:p>
+            <a:fld id="{74939ABF-8F6A-41FD-BB0D-6D9C20D72201}" type="slidenum">
+              <a:rPr lang="hu-HU" smtClean="0"/>
+              <a:t>1</a:t>
+            </a:fld>
+            <a:endParaRPr lang="hu-HU"/>
+          </a:p>
+        </p:txBody>
+      </p:sp>
+    </p:spTree>
+    <p:extLst>
+      <p:ext uri="{BB962C8B-B14F-4D97-AF65-F5344CB8AC3E}">
+        <p14:creationId xmlns:p14="http://schemas.microsoft.com/office/powerpoint/2010/main" val="678347384"/>
+      </p:ext>
+    </p:extLst>
+  </p:cSld>
+  <p:clrMapOvr>
+    <a:masterClrMapping/>
+  </p:clrMapOvr>
+</p:notes>
+</file>
+
+<file path=ppt/notesSlides/notesSlide10.xml><?xml version="1.0" encoding="utf-8"?>
+<p:notes xmlns:a="http://schemas.openxmlformats.org/drawingml/2006/main" xmlns:r="http://schemas.openxmlformats.org/officeDocument/2006/relationships" xmlns:p="http://schemas.openxmlformats.org/presentationml/2006/main">
+  <p:cSld>
+    <p:spTree>
+      <p:nvGrpSpPr>
+        <p:cNvPr id="1" name=""/>
+        <p:cNvGrpSpPr/>
+        <p:nvPr/>
+      </p:nvGrpSpPr>
+      <p:grpSpPr>
+        <a:xfrm>
+          <a:off x="0" y="0"/>
+          <a:ext cx="0" cy="0"/>
+          <a:chOff x="0" y="0"/>
+          <a:chExt cx="0" cy="0"/>
+        </a:xfrm>
+      </p:grpSpPr>
+      <p:sp>
+        <p:nvSpPr>
+          <p:cNvPr id="2" name="Diakép helye 1"/>
+          <p:cNvSpPr>
+            <a:spLocks noGrp="1" noRot="1" noChangeAspect="1"/>
+          </p:cNvSpPr>
+          <p:nvPr>
+            <p:ph type="sldImg"/>
+          </p:nvPr>
+        </p:nvSpPr>
+        <p:spPr/>
+      </p:sp>
+      <p:sp>
+        <p:nvSpPr>
+          <p:cNvPr id="3" name="Jegyzetek helye 2"/>
+          <p:cNvSpPr>
+            <a:spLocks noGrp="1"/>
+          </p:cNvSpPr>
+          <p:nvPr>
+            <p:ph type="body" idx="1"/>
+          </p:nvPr>
+        </p:nvSpPr>
+        <p:spPr/>
+        <p:txBody>
+          <a:bodyPr/>
+          <a:lstStyle/>
+          <a:p>
+            <a:r>
+              <a:rPr lang="hu-HU" dirty="0"/>
+              <a:t>PETI</a:t>
+            </a:r>
+          </a:p>
+        </p:txBody>
+      </p:sp>
+      <p:sp>
+        <p:nvSpPr>
+          <p:cNvPr id="4" name="Dia számának helye 3"/>
+          <p:cNvSpPr>
+            <a:spLocks noGrp="1"/>
+          </p:cNvSpPr>
+          <p:nvPr>
+            <p:ph type="sldNum" sz="quarter" idx="5"/>
+          </p:nvPr>
+        </p:nvSpPr>
+        <p:spPr/>
+        <p:txBody>
+          <a:bodyPr/>
+          <a:lstStyle/>
+          <a:p>
+            <a:fld id="{74939ABF-8F6A-41FD-BB0D-6D9C20D72201}" type="slidenum">
+              <a:rPr lang="hu-HU" smtClean="0"/>
+              <a:t>10</a:t>
+            </a:fld>
+            <a:endParaRPr lang="hu-HU"/>
+          </a:p>
+        </p:txBody>
+      </p:sp>
+    </p:spTree>
+    <p:extLst>
+      <p:ext uri="{BB962C8B-B14F-4D97-AF65-F5344CB8AC3E}">
+        <p14:creationId xmlns:p14="http://schemas.microsoft.com/office/powerpoint/2010/main" val="8374648"/>
+      </p:ext>
+    </p:extLst>
+  </p:cSld>
+  <p:clrMapOvr>
+    <a:masterClrMapping/>
+  </p:clrMapOvr>
+</p:notes>
+</file>
+
+<file path=ppt/notesSlides/notesSlide11.xml><?xml version="1.0" encoding="utf-8"?>
+<p:notes xmlns:a="http://schemas.openxmlformats.org/drawingml/2006/main" xmlns:r="http://schemas.openxmlformats.org/officeDocument/2006/relationships" xmlns:p="http://schemas.openxmlformats.org/presentationml/2006/main">
+  <p:cSld>
+    <p:spTree>
+      <p:nvGrpSpPr>
+        <p:cNvPr id="1" name=""/>
+        <p:cNvGrpSpPr/>
+        <p:nvPr/>
+      </p:nvGrpSpPr>
+      <p:grpSpPr>
+        <a:xfrm>
+          <a:off x="0" y="0"/>
+          <a:ext cx="0" cy="0"/>
+          <a:chOff x="0" y="0"/>
+          <a:chExt cx="0" cy="0"/>
+        </a:xfrm>
+      </p:grpSpPr>
+      <p:sp>
+        <p:nvSpPr>
+          <p:cNvPr id="2" name="Diakép helye 1"/>
+          <p:cNvSpPr>
+            <a:spLocks noGrp="1" noRot="1" noChangeAspect="1"/>
+          </p:cNvSpPr>
+          <p:nvPr>
+            <p:ph type="sldImg"/>
+          </p:nvPr>
+        </p:nvSpPr>
+        <p:spPr/>
+      </p:sp>
+      <p:sp>
+        <p:nvSpPr>
+          <p:cNvPr id="3" name="Jegyzetek helye 2"/>
+          <p:cNvSpPr>
+            <a:spLocks noGrp="1"/>
+          </p:cNvSpPr>
+          <p:nvPr>
+            <p:ph type="body" idx="1"/>
+          </p:nvPr>
+        </p:nvSpPr>
+        <p:spPr/>
+        <p:txBody>
+          <a:bodyPr/>
+          <a:lstStyle/>
+          <a:p>
+            <a:r>
+              <a:rPr lang="hu-HU" dirty="0"/>
+              <a:t>PETI</a:t>
+            </a:r>
+          </a:p>
+        </p:txBody>
+      </p:sp>
+      <p:sp>
+        <p:nvSpPr>
+          <p:cNvPr id="4" name="Dia számának helye 3"/>
+          <p:cNvSpPr>
+            <a:spLocks noGrp="1"/>
+          </p:cNvSpPr>
+          <p:nvPr>
+            <p:ph type="sldNum" sz="quarter" idx="5"/>
+          </p:nvPr>
+        </p:nvSpPr>
+        <p:spPr/>
+        <p:txBody>
+          <a:bodyPr/>
+          <a:lstStyle/>
+          <a:p>
+            <a:fld id="{74939ABF-8F6A-41FD-BB0D-6D9C20D72201}" type="slidenum">
+              <a:rPr lang="hu-HU" smtClean="0"/>
+              <a:t>11</a:t>
+            </a:fld>
+            <a:endParaRPr lang="hu-HU"/>
+          </a:p>
+        </p:txBody>
+      </p:sp>
+    </p:spTree>
+    <p:extLst>
+      <p:ext uri="{BB962C8B-B14F-4D97-AF65-F5344CB8AC3E}">
+        <p14:creationId xmlns:p14="http://schemas.microsoft.com/office/powerpoint/2010/main" val="2028656994"/>
+      </p:ext>
+    </p:extLst>
+  </p:cSld>
+  <p:clrMapOvr>
+    <a:masterClrMapping/>
+  </p:clrMapOvr>
+</p:notes>
+</file>
+
+<file path=ppt/notesSlides/notesSlide12.xml><?xml version="1.0" encoding="utf-8"?>
+<p:notes xmlns:a="http://schemas.openxmlformats.org/drawingml/2006/main" xmlns:r="http://schemas.openxmlformats.org/officeDocument/2006/relationships" xmlns:p="http://schemas.openxmlformats.org/presentationml/2006/main">
+  <p:cSld>
+    <p:spTree>
+      <p:nvGrpSpPr>
+        <p:cNvPr id="1" name=""/>
+        <p:cNvGrpSpPr/>
+        <p:nvPr/>
+      </p:nvGrpSpPr>
+      <p:grpSpPr>
+        <a:xfrm>
+          <a:off x="0" y="0"/>
+          <a:ext cx="0" cy="0"/>
+          <a:chOff x="0" y="0"/>
+          <a:chExt cx="0" cy="0"/>
+        </a:xfrm>
+      </p:grpSpPr>
+      <p:sp>
+        <p:nvSpPr>
+          <p:cNvPr id="2" name="Diakép helye 1"/>
+          <p:cNvSpPr>
+            <a:spLocks noGrp="1" noRot="1" noChangeAspect="1"/>
+          </p:cNvSpPr>
+          <p:nvPr>
+            <p:ph type="sldImg"/>
+          </p:nvPr>
+        </p:nvSpPr>
+        <p:spPr/>
+      </p:sp>
+      <p:sp>
+        <p:nvSpPr>
+          <p:cNvPr id="3" name="Jegyzetek helye 2"/>
+          <p:cNvSpPr>
+            <a:spLocks noGrp="1"/>
+          </p:cNvSpPr>
+          <p:nvPr>
+            <p:ph type="body" idx="1"/>
+          </p:nvPr>
+        </p:nvSpPr>
+        <p:spPr/>
+        <p:txBody>
+          <a:bodyPr/>
+          <a:lstStyle/>
+          <a:p>
+            <a:r>
+              <a:rPr lang="hu-HU" dirty="0"/>
+              <a:t>PETI</a:t>
+            </a:r>
+          </a:p>
+        </p:txBody>
+      </p:sp>
+      <p:sp>
+        <p:nvSpPr>
+          <p:cNvPr id="4" name="Dia számának helye 3"/>
+          <p:cNvSpPr>
+            <a:spLocks noGrp="1"/>
+          </p:cNvSpPr>
+          <p:nvPr>
+            <p:ph type="sldNum" sz="quarter" idx="5"/>
+          </p:nvPr>
+        </p:nvSpPr>
+        <p:spPr/>
+        <p:txBody>
+          <a:bodyPr/>
+          <a:lstStyle/>
+          <a:p>
+            <a:fld id="{74939ABF-8F6A-41FD-BB0D-6D9C20D72201}" type="slidenum">
+              <a:rPr lang="hu-HU" smtClean="0"/>
+              <a:t>12</a:t>
+            </a:fld>
+            <a:endParaRPr lang="hu-HU"/>
+          </a:p>
+        </p:txBody>
+      </p:sp>
+    </p:spTree>
+    <p:extLst>
+      <p:ext uri="{BB962C8B-B14F-4D97-AF65-F5344CB8AC3E}">
+        <p14:creationId xmlns:p14="http://schemas.microsoft.com/office/powerpoint/2010/main" val="4239236319"/>
+      </p:ext>
+    </p:extLst>
+  </p:cSld>
+  <p:clrMapOvr>
+    <a:masterClrMapping/>
+  </p:clrMapOvr>
+</p:notes>
+</file>
+
+<file path=ppt/notesSlides/notesSlide13.xml><?xml version="1.0" encoding="utf-8"?>
+<p:notes xmlns:a="http://schemas.openxmlformats.org/drawingml/2006/main" xmlns:r="http://schemas.openxmlformats.org/officeDocument/2006/relationships" xmlns:p="http://schemas.openxmlformats.org/presentationml/2006/main">
+  <p:cSld>
+    <p:spTree>
+      <p:nvGrpSpPr>
+        <p:cNvPr id="1" name=""/>
+        <p:cNvGrpSpPr/>
+        <p:nvPr/>
+      </p:nvGrpSpPr>
+      <p:grpSpPr>
+        <a:xfrm>
+          <a:off x="0" y="0"/>
+          <a:ext cx="0" cy="0"/>
+          <a:chOff x="0" y="0"/>
+          <a:chExt cx="0" cy="0"/>
+        </a:xfrm>
+      </p:grpSpPr>
+      <p:sp>
+        <p:nvSpPr>
+          <p:cNvPr id="2" name="Diakép helye 1"/>
+          <p:cNvSpPr>
+            <a:spLocks noGrp="1" noRot="1" noChangeAspect="1"/>
+          </p:cNvSpPr>
+          <p:nvPr>
+            <p:ph type="sldImg"/>
+          </p:nvPr>
+        </p:nvSpPr>
+        <p:spPr/>
+      </p:sp>
+      <p:sp>
+        <p:nvSpPr>
+          <p:cNvPr id="3" name="Jegyzetek helye 2"/>
+          <p:cNvSpPr>
+            <a:spLocks noGrp="1"/>
+          </p:cNvSpPr>
+          <p:nvPr>
+            <p:ph type="body" idx="1"/>
+          </p:nvPr>
+        </p:nvSpPr>
+        <p:spPr/>
+        <p:txBody>
+          <a:bodyPr/>
+          <a:lstStyle/>
+          <a:p>
+            <a:r>
+              <a:rPr lang="hu-HU" dirty="0"/>
+              <a:t>BOTI</a:t>
+            </a:r>
+          </a:p>
+        </p:txBody>
+      </p:sp>
+      <p:sp>
+        <p:nvSpPr>
+          <p:cNvPr id="4" name="Dia számának helye 3"/>
+          <p:cNvSpPr>
+            <a:spLocks noGrp="1"/>
+          </p:cNvSpPr>
+          <p:nvPr>
+            <p:ph type="sldNum" sz="quarter" idx="5"/>
+          </p:nvPr>
+        </p:nvSpPr>
+        <p:spPr/>
+        <p:txBody>
+          <a:bodyPr/>
+          <a:lstStyle/>
+          <a:p>
+            <a:fld id="{74939ABF-8F6A-41FD-BB0D-6D9C20D72201}" type="slidenum">
+              <a:rPr lang="hu-HU" smtClean="0"/>
+              <a:t>13</a:t>
+            </a:fld>
+            <a:endParaRPr lang="hu-HU"/>
+          </a:p>
+        </p:txBody>
+      </p:sp>
+    </p:spTree>
+    <p:extLst>
+      <p:ext uri="{BB962C8B-B14F-4D97-AF65-F5344CB8AC3E}">
+        <p14:creationId xmlns:p14="http://schemas.microsoft.com/office/powerpoint/2010/main" val="3567443039"/>
+      </p:ext>
+    </p:extLst>
+  </p:cSld>
+  <p:clrMapOvr>
+    <a:masterClrMapping/>
+  </p:clrMapOvr>
+</p:notes>
+</file>
+
+<file path=ppt/notesSlides/notesSlide14.xml><?xml version="1.0" encoding="utf-8"?>
+<p:notes xmlns:a="http://schemas.openxmlformats.org/drawingml/2006/main" xmlns:r="http://schemas.openxmlformats.org/officeDocument/2006/relationships" xmlns:p="http://schemas.openxmlformats.org/presentationml/2006/main">
+  <p:cSld>
+    <p:spTree>
+      <p:nvGrpSpPr>
+        <p:cNvPr id="1" name=""/>
+        <p:cNvGrpSpPr/>
+        <p:nvPr/>
+      </p:nvGrpSpPr>
+      <p:grpSpPr>
+        <a:xfrm>
+          <a:off x="0" y="0"/>
+          <a:ext cx="0" cy="0"/>
+          <a:chOff x="0" y="0"/>
+          <a:chExt cx="0" cy="0"/>
+        </a:xfrm>
+      </p:grpSpPr>
+      <p:sp>
+        <p:nvSpPr>
+          <p:cNvPr id="2" name="Diakép helye 1"/>
+          <p:cNvSpPr>
+            <a:spLocks noGrp="1" noRot="1" noChangeAspect="1"/>
+          </p:cNvSpPr>
+          <p:nvPr>
+            <p:ph type="sldImg"/>
+          </p:nvPr>
+        </p:nvSpPr>
+        <p:spPr/>
+      </p:sp>
+      <p:sp>
+        <p:nvSpPr>
+          <p:cNvPr id="3" name="Jegyzetek helye 2"/>
+          <p:cNvSpPr>
+            <a:spLocks noGrp="1"/>
+          </p:cNvSpPr>
+          <p:nvPr>
+            <p:ph type="body" idx="1"/>
+          </p:nvPr>
+        </p:nvSpPr>
+        <p:spPr/>
+        <p:txBody>
+          <a:bodyPr/>
+          <a:lstStyle/>
+          <a:p>
+            <a:r>
+              <a:rPr lang="hu-HU" dirty="0"/>
+              <a:t>BOTI</a:t>
+            </a:r>
+          </a:p>
+        </p:txBody>
+      </p:sp>
+      <p:sp>
+        <p:nvSpPr>
+          <p:cNvPr id="4" name="Dia számának helye 3"/>
+          <p:cNvSpPr>
+            <a:spLocks noGrp="1"/>
+          </p:cNvSpPr>
+          <p:nvPr>
+            <p:ph type="sldNum" sz="quarter" idx="5"/>
+          </p:nvPr>
+        </p:nvSpPr>
+        <p:spPr/>
+        <p:txBody>
+          <a:bodyPr/>
+          <a:lstStyle/>
+          <a:p>
+            <a:fld id="{74939ABF-8F6A-41FD-BB0D-6D9C20D72201}" type="slidenum">
+              <a:rPr lang="hu-HU" smtClean="0"/>
+              <a:t>14</a:t>
+            </a:fld>
+            <a:endParaRPr lang="hu-HU"/>
+          </a:p>
+        </p:txBody>
+      </p:sp>
+    </p:spTree>
+    <p:extLst>
+      <p:ext uri="{BB962C8B-B14F-4D97-AF65-F5344CB8AC3E}">
+        <p14:creationId xmlns:p14="http://schemas.microsoft.com/office/powerpoint/2010/main" val="4279210985"/>
+      </p:ext>
+    </p:extLst>
+  </p:cSld>
+  <p:clrMapOvr>
+    <a:masterClrMapping/>
+  </p:clrMapOvr>
+</p:notes>
+</file>
+
+<file path=ppt/notesSlides/notesSlide15.xml><?xml version="1.0" encoding="utf-8"?>
+<p:notes xmlns:a="http://schemas.openxmlformats.org/drawingml/2006/main" xmlns:r="http://schemas.openxmlformats.org/officeDocument/2006/relationships" xmlns:p="http://schemas.openxmlformats.org/presentationml/2006/main">
+  <p:cSld>
+    <p:spTree>
+      <p:nvGrpSpPr>
+        <p:cNvPr id="1" name=""/>
+        <p:cNvGrpSpPr/>
+        <p:nvPr/>
+      </p:nvGrpSpPr>
+      <p:grpSpPr>
+        <a:xfrm>
+          <a:off x="0" y="0"/>
+          <a:ext cx="0" cy="0"/>
+          <a:chOff x="0" y="0"/>
+          <a:chExt cx="0" cy="0"/>
+        </a:xfrm>
+      </p:grpSpPr>
+      <p:sp>
+        <p:nvSpPr>
+          <p:cNvPr id="2" name="Diakép helye 1"/>
+          <p:cNvSpPr>
+            <a:spLocks noGrp="1" noRot="1" noChangeAspect="1"/>
+          </p:cNvSpPr>
+          <p:nvPr>
+            <p:ph type="sldImg"/>
+          </p:nvPr>
+        </p:nvSpPr>
+        <p:spPr/>
+      </p:sp>
+      <p:sp>
+        <p:nvSpPr>
+          <p:cNvPr id="3" name="Jegyzetek helye 2"/>
+          <p:cNvSpPr>
+            <a:spLocks noGrp="1"/>
+          </p:cNvSpPr>
+          <p:nvPr>
+            <p:ph type="body" idx="1"/>
+          </p:nvPr>
+        </p:nvSpPr>
+        <p:spPr/>
+        <p:txBody>
+          <a:bodyPr/>
+          <a:lstStyle/>
+          <a:p>
+            <a:r>
+              <a:rPr lang="hu-HU" dirty="0"/>
+              <a:t>LACI</a:t>
+            </a:r>
+          </a:p>
+        </p:txBody>
+      </p:sp>
+      <p:sp>
+        <p:nvSpPr>
+          <p:cNvPr id="4" name="Dia számának helye 3"/>
+          <p:cNvSpPr>
+            <a:spLocks noGrp="1"/>
+          </p:cNvSpPr>
+          <p:nvPr>
+            <p:ph type="sldNum" sz="quarter" idx="5"/>
+          </p:nvPr>
+        </p:nvSpPr>
+        <p:spPr/>
+        <p:txBody>
+          <a:bodyPr/>
+          <a:lstStyle/>
+          <a:p>
+            <a:fld id="{74939ABF-8F6A-41FD-BB0D-6D9C20D72201}" type="slidenum">
+              <a:rPr lang="hu-HU" smtClean="0"/>
+              <a:t>15</a:t>
+            </a:fld>
+            <a:endParaRPr lang="hu-HU"/>
+          </a:p>
+        </p:txBody>
+      </p:sp>
+    </p:spTree>
+    <p:extLst>
+      <p:ext uri="{BB962C8B-B14F-4D97-AF65-F5344CB8AC3E}">
+        <p14:creationId xmlns:p14="http://schemas.microsoft.com/office/powerpoint/2010/main" val="4086663408"/>
+      </p:ext>
+    </p:extLst>
+  </p:cSld>
+  <p:clrMapOvr>
+    <a:masterClrMapping/>
+  </p:clrMapOvr>
+</p:notes>
+</file>
+
+<file path=ppt/notesSlides/notesSlide16.xml><?xml version="1.0" encoding="utf-8"?>
+<p:notes xmlns:a="http://schemas.openxmlformats.org/drawingml/2006/main" xmlns:r="http://schemas.openxmlformats.org/officeDocument/2006/relationships" xmlns:p="http://schemas.openxmlformats.org/presentationml/2006/main">
+  <p:cSld>
+    <p:spTree>
+      <p:nvGrpSpPr>
+        <p:cNvPr id="1" name=""/>
+        <p:cNvGrpSpPr/>
+        <p:nvPr/>
+      </p:nvGrpSpPr>
+      <p:grpSpPr>
+        <a:xfrm>
+          <a:off x="0" y="0"/>
+          <a:ext cx="0" cy="0"/>
+          <a:chOff x="0" y="0"/>
+          <a:chExt cx="0" cy="0"/>
+        </a:xfrm>
+      </p:grpSpPr>
+      <p:sp>
+        <p:nvSpPr>
+          <p:cNvPr id="2" name="Diakép helye 1"/>
+          <p:cNvSpPr>
+            <a:spLocks noGrp="1" noRot="1" noChangeAspect="1"/>
+          </p:cNvSpPr>
+          <p:nvPr>
+            <p:ph type="sldImg"/>
+          </p:nvPr>
+        </p:nvSpPr>
+        <p:spPr/>
+      </p:sp>
+      <p:sp>
+        <p:nvSpPr>
+          <p:cNvPr id="3" name="Jegyzetek helye 2"/>
+          <p:cNvSpPr>
+            <a:spLocks noGrp="1"/>
+          </p:cNvSpPr>
+          <p:nvPr>
+            <p:ph type="body" idx="1"/>
+          </p:nvPr>
+        </p:nvSpPr>
+        <p:spPr/>
+        <p:txBody>
+          <a:bodyPr/>
+          <a:lstStyle/>
+          <a:p>
+            <a:r>
+              <a:rPr lang="hu-HU" dirty="0"/>
+              <a:t>LACI</a:t>
+            </a:r>
+          </a:p>
+        </p:txBody>
+      </p:sp>
+      <p:sp>
+        <p:nvSpPr>
+          <p:cNvPr id="4" name="Dia számának helye 3"/>
+          <p:cNvSpPr>
+            <a:spLocks noGrp="1"/>
+          </p:cNvSpPr>
+          <p:nvPr>
+            <p:ph type="sldNum" sz="quarter" idx="5"/>
+          </p:nvPr>
+        </p:nvSpPr>
+        <p:spPr/>
+        <p:txBody>
+          <a:bodyPr/>
+          <a:lstStyle/>
+          <a:p>
+            <a:fld id="{74939ABF-8F6A-41FD-BB0D-6D9C20D72201}" type="slidenum">
+              <a:rPr lang="hu-HU" smtClean="0"/>
+              <a:t>16</a:t>
+            </a:fld>
+            <a:endParaRPr lang="hu-HU"/>
+          </a:p>
+        </p:txBody>
+      </p:sp>
+    </p:spTree>
+    <p:extLst>
+      <p:ext uri="{BB962C8B-B14F-4D97-AF65-F5344CB8AC3E}">
+        <p14:creationId xmlns:p14="http://schemas.microsoft.com/office/powerpoint/2010/main" val="2702464853"/>
+      </p:ext>
+    </p:extLst>
+  </p:cSld>
+  <p:clrMapOvr>
+    <a:masterClrMapping/>
+  </p:clrMapOvr>
+</p:notes>
+</file>
+
+<file path=ppt/notesSlides/notesSlide17.xml><?xml version="1.0" encoding="utf-8"?>
+<p:notes xmlns:a="http://schemas.openxmlformats.org/drawingml/2006/main" xmlns:r="http://schemas.openxmlformats.org/officeDocument/2006/relationships" xmlns:p="http://schemas.openxmlformats.org/presentationml/2006/main">
+  <p:cSld>
+    <p:spTree>
+      <p:nvGrpSpPr>
+        <p:cNvPr id="1" name=""/>
+        <p:cNvGrpSpPr/>
+        <p:nvPr/>
+      </p:nvGrpSpPr>
+      <p:grpSpPr>
+        <a:xfrm>
+          <a:off x="0" y="0"/>
+          <a:ext cx="0" cy="0"/>
+          <a:chOff x="0" y="0"/>
+          <a:chExt cx="0" cy="0"/>
+        </a:xfrm>
+      </p:grpSpPr>
+      <p:sp>
+        <p:nvSpPr>
+          <p:cNvPr id="2" name="Diakép helye 1"/>
+          <p:cNvSpPr>
+            <a:spLocks noGrp="1" noRot="1" noChangeAspect="1"/>
+          </p:cNvSpPr>
+          <p:nvPr>
+            <p:ph type="sldImg"/>
+          </p:nvPr>
+        </p:nvSpPr>
+        <p:spPr/>
+      </p:sp>
+      <p:sp>
+        <p:nvSpPr>
+          <p:cNvPr id="3" name="Jegyzetek helye 2"/>
+          <p:cNvSpPr>
+            <a:spLocks noGrp="1"/>
+          </p:cNvSpPr>
+          <p:nvPr>
+            <p:ph type="body" idx="1"/>
+          </p:nvPr>
+        </p:nvSpPr>
+        <p:spPr/>
+        <p:txBody>
+          <a:bodyPr/>
+          <a:lstStyle/>
+          <a:p>
+            <a:r>
+              <a:rPr lang="hu-HU" dirty="0"/>
+              <a:t>LACI</a:t>
+            </a:r>
+          </a:p>
+        </p:txBody>
+      </p:sp>
+      <p:sp>
+        <p:nvSpPr>
+          <p:cNvPr id="4" name="Dia számának helye 3"/>
+          <p:cNvSpPr>
+            <a:spLocks noGrp="1"/>
+          </p:cNvSpPr>
+          <p:nvPr>
+            <p:ph type="sldNum" sz="quarter" idx="5"/>
+          </p:nvPr>
+        </p:nvSpPr>
+        <p:spPr/>
+        <p:txBody>
+          <a:bodyPr/>
+          <a:lstStyle/>
+          <a:p>
+            <a:fld id="{74939ABF-8F6A-41FD-BB0D-6D9C20D72201}" type="slidenum">
+              <a:rPr lang="hu-HU" smtClean="0"/>
+              <a:t>17</a:t>
+            </a:fld>
+            <a:endParaRPr lang="hu-HU"/>
+          </a:p>
+        </p:txBody>
+      </p:sp>
+    </p:spTree>
+    <p:extLst>
+      <p:ext uri="{BB962C8B-B14F-4D97-AF65-F5344CB8AC3E}">
+        <p14:creationId xmlns:p14="http://schemas.microsoft.com/office/powerpoint/2010/main" val="1296461547"/>
+      </p:ext>
+    </p:extLst>
+  </p:cSld>
+  <p:clrMapOvr>
+    <a:masterClrMapping/>
+  </p:clrMapOvr>
+</p:notes>
+</file>
+
+<file path=ppt/notesSlides/notesSlide18.xml><?xml version="1.0" encoding="utf-8"?>
+<p:notes xmlns:a="http://schemas.openxmlformats.org/drawingml/2006/main" xmlns:r="http://schemas.openxmlformats.org/officeDocument/2006/relationships" xmlns:p="http://schemas.openxmlformats.org/presentationml/2006/main">
+  <p:cSld>
+    <p:spTree>
+      <p:nvGrpSpPr>
+        <p:cNvPr id="1" name=""/>
+        <p:cNvGrpSpPr/>
+        <p:nvPr/>
+      </p:nvGrpSpPr>
+      <p:grpSpPr>
+        <a:xfrm>
+          <a:off x="0" y="0"/>
+          <a:ext cx="0" cy="0"/>
+          <a:chOff x="0" y="0"/>
+          <a:chExt cx="0" cy="0"/>
+        </a:xfrm>
+      </p:grpSpPr>
+      <p:sp>
+        <p:nvSpPr>
+          <p:cNvPr id="2" name="Diakép helye 1"/>
+          <p:cNvSpPr>
+            <a:spLocks noGrp="1" noRot="1" noChangeAspect="1"/>
+          </p:cNvSpPr>
+          <p:nvPr>
+            <p:ph type="sldImg"/>
+          </p:nvPr>
+        </p:nvSpPr>
+        <p:spPr/>
+      </p:sp>
+      <p:sp>
+        <p:nvSpPr>
+          <p:cNvPr id="3" name="Jegyzetek helye 2"/>
+          <p:cNvSpPr>
+            <a:spLocks noGrp="1"/>
+          </p:cNvSpPr>
+          <p:nvPr>
+            <p:ph type="body" idx="1"/>
+          </p:nvPr>
+        </p:nvSpPr>
+        <p:spPr/>
+        <p:txBody>
+          <a:bodyPr/>
+          <a:lstStyle/>
+          <a:p>
+            <a:r>
+              <a:rPr lang="hu-HU" dirty="0"/>
+              <a:t>CSABA</a:t>
+            </a:r>
+          </a:p>
+        </p:txBody>
+      </p:sp>
+      <p:sp>
+        <p:nvSpPr>
+          <p:cNvPr id="4" name="Dia számának helye 3"/>
+          <p:cNvSpPr>
+            <a:spLocks noGrp="1"/>
+          </p:cNvSpPr>
+          <p:nvPr>
+            <p:ph type="sldNum" sz="quarter" idx="5"/>
+          </p:nvPr>
+        </p:nvSpPr>
+        <p:spPr/>
+        <p:txBody>
+          <a:bodyPr/>
+          <a:lstStyle/>
+          <a:p>
+            <a:fld id="{74939ABF-8F6A-41FD-BB0D-6D9C20D72201}" type="slidenum">
+              <a:rPr lang="hu-HU" smtClean="0"/>
+              <a:t>18</a:t>
+            </a:fld>
+            <a:endParaRPr lang="hu-HU"/>
+          </a:p>
+        </p:txBody>
+      </p:sp>
+    </p:spTree>
+    <p:extLst>
+      <p:ext uri="{BB962C8B-B14F-4D97-AF65-F5344CB8AC3E}">
+        <p14:creationId xmlns:p14="http://schemas.microsoft.com/office/powerpoint/2010/main" val="73314325"/>
+      </p:ext>
+    </p:extLst>
+  </p:cSld>
+  <p:clrMapOvr>
+    <a:masterClrMapping/>
+  </p:clrMapOvr>
+</p:notes>
+</file>
+
+<file path=ppt/notesSlides/notesSlide2.xml><?xml version="1.0" encoding="utf-8"?>
+<p:notes xmlns:a="http://schemas.openxmlformats.org/drawingml/2006/main" xmlns:r="http://schemas.openxmlformats.org/officeDocument/2006/relationships" xmlns:p="http://schemas.openxmlformats.org/presentationml/2006/main">
+  <p:cSld>
+    <p:spTree>
+      <p:nvGrpSpPr>
+        <p:cNvPr id="1" name=""/>
+        <p:cNvGrpSpPr/>
+        <p:nvPr/>
+      </p:nvGrpSpPr>
+      <p:grpSpPr>
+        <a:xfrm>
+          <a:off x="0" y="0"/>
+          <a:ext cx="0" cy="0"/>
+          <a:chOff x="0" y="0"/>
+          <a:chExt cx="0" cy="0"/>
+        </a:xfrm>
+      </p:grpSpPr>
+      <p:sp>
+        <p:nvSpPr>
+          <p:cNvPr id="2" name="Diakép helye 1"/>
+          <p:cNvSpPr>
+            <a:spLocks noGrp="1" noRot="1" noChangeAspect="1"/>
+          </p:cNvSpPr>
+          <p:nvPr>
+            <p:ph type="sldImg"/>
+          </p:nvPr>
+        </p:nvSpPr>
+        <p:spPr/>
+      </p:sp>
+      <p:sp>
+        <p:nvSpPr>
+          <p:cNvPr id="3" name="Jegyzetek helye 2"/>
+          <p:cNvSpPr>
+            <a:spLocks noGrp="1"/>
+          </p:cNvSpPr>
+          <p:nvPr>
+            <p:ph type="body" idx="1"/>
+          </p:nvPr>
+        </p:nvSpPr>
+        <p:spPr/>
+        <p:txBody>
+          <a:bodyPr/>
+          <a:lstStyle/>
+          <a:p>
+            <a:r>
+              <a:rPr lang="hu-HU" dirty="0"/>
+              <a:t>BERTOLD</a:t>
+            </a:r>
+          </a:p>
+        </p:txBody>
+      </p:sp>
+      <p:sp>
+        <p:nvSpPr>
+          <p:cNvPr id="4" name="Dia számának helye 3"/>
+          <p:cNvSpPr>
+            <a:spLocks noGrp="1"/>
+          </p:cNvSpPr>
+          <p:nvPr>
+            <p:ph type="sldNum" sz="quarter" idx="5"/>
+          </p:nvPr>
+        </p:nvSpPr>
+        <p:spPr/>
+        <p:txBody>
+          <a:bodyPr/>
+          <a:lstStyle/>
+          <a:p>
+            <a:fld id="{74939ABF-8F6A-41FD-BB0D-6D9C20D72201}" type="slidenum">
+              <a:rPr lang="hu-HU" smtClean="0"/>
+              <a:t>2</a:t>
+            </a:fld>
+            <a:endParaRPr lang="hu-HU"/>
+          </a:p>
+        </p:txBody>
+      </p:sp>
+    </p:spTree>
+    <p:extLst>
+      <p:ext uri="{BB962C8B-B14F-4D97-AF65-F5344CB8AC3E}">
+        <p14:creationId xmlns:p14="http://schemas.microsoft.com/office/powerpoint/2010/main" val="752323924"/>
+      </p:ext>
+    </p:extLst>
+  </p:cSld>
+  <p:clrMapOvr>
+    <a:masterClrMapping/>
+  </p:clrMapOvr>
+</p:notes>
+</file>
+
+<file path=ppt/notesSlides/notesSlide3.xml><?xml version="1.0" encoding="utf-8"?>
+<p:notes xmlns:a="http://schemas.openxmlformats.org/drawingml/2006/main" xmlns:r="http://schemas.openxmlformats.org/officeDocument/2006/relationships" xmlns:p="http://schemas.openxmlformats.org/presentationml/2006/main">
+  <p:cSld>
+    <p:spTree>
+      <p:nvGrpSpPr>
+        <p:cNvPr id="1" name=""/>
+        <p:cNvGrpSpPr/>
+        <p:nvPr/>
+      </p:nvGrpSpPr>
+      <p:grpSpPr>
+        <a:xfrm>
+          <a:off x="0" y="0"/>
+          <a:ext cx="0" cy="0"/>
+          <a:chOff x="0" y="0"/>
+          <a:chExt cx="0" cy="0"/>
+        </a:xfrm>
+      </p:grpSpPr>
+      <p:sp>
+        <p:nvSpPr>
+          <p:cNvPr id="2" name="Diakép helye 1"/>
+          <p:cNvSpPr>
+            <a:spLocks noGrp="1" noRot="1" noChangeAspect="1"/>
+          </p:cNvSpPr>
+          <p:nvPr>
+            <p:ph type="sldImg"/>
+          </p:nvPr>
+        </p:nvSpPr>
+        <p:spPr/>
+      </p:sp>
+      <p:sp>
+        <p:nvSpPr>
+          <p:cNvPr id="3" name="Jegyzetek helye 2"/>
+          <p:cNvSpPr>
+            <a:spLocks noGrp="1"/>
+          </p:cNvSpPr>
+          <p:nvPr>
+            <p:ph type="body" idx="1"/>
+          </p:nvPr>
+        </p:nvSpPr>
+        <p:spPr/>
+        <p:txBody>
+          <a:bodyPr/>
+          <a:lstStyle/>
+          <a:p>
+            <a:r>
+              <a:rPr lang="hu-HU" dirty="0"/>
+              <a:t>BERTOLD</a:t>
+            </a:r>
+          </a:p>
+        </p:txBody>
+      </p:sp>
+      <p:sp>
+        <p:nvSpPr>
+          <p:cNvPr id="4" name="Dia számának helye 3"/>
+          <p:cNvSpPr>
+            <a:spLocks noGrp="1"/>
+          </p:cNvSpPr>
+          <p:nvPr>
+            <p:ph type="sldNum" sz="quarter" idx="5"/>
+          </p:nvPr>
+        </p:nvSpPr>
+        <p:spPr/>
+        <p:txBody>
+          <a:bodyPr/>
+          <a:lstStyle/>
+          <a:p>
+            <a:fld id="{74939ABF-8F6A-41FD-BB0D-6D9C20D72201}" type="slidenum">
+              <a:rPr lang="hu-HU" smtClean="0"/>
+              <a:t>3</a:t>
+            </a:fld>
+            <a:endParaRPr lang="hu-HU"/>
+          </a:p>
+        </p:txBody>
+      </p:sp>
+    </p:spTree>
+    <p:extLst>
+      <p:ext uri="{BB962C8B-B14F-4D97-AF65-F5344CB8AC3E}">
+        <p14:creationId xmlns:p14="http://schemas.microsoft.com/office/powerpoint/2010/main" val="3476101966"/>
+      </p:ext>
+    </p:extLst>
+  </p:cSld>
+  <p:clrMapOvr>
+    <a:masterClrMapping/>
+  </p:clrMapOvr>
+</p:notes>
+</file>
+
+<file path=ppt/notesSlides/notesSlide4.xml><?xml version="1.0" encoding="utf-8"?>
+<p:notes xmlns:a="http://schemas.openxmlformats.org/drawingml/2006/main" xmlns:r="http://schemas.openxmlformats.org/officeDocument/2006/relationships" xmlns:p="http://schemas.openxmlformats.org/presentationml/2006/main">
+  <p:cSld>
+    <p:spTree>
+      <p:nvGrpSpPr>
+        <p:cNvPr id="1" name=""/>
+        <p:cNvGrpSpPr/>
+        <p:nvPr/>
+      </p:nvGrpSpPr>
+      <p:grpSpPr>
+        <a:xfrm>
+          <a:off x="0" y="0"/>
+          <a:ext cx="0" cy="0"/>
+          <a:chOff x="0" y="0"/>
+          <a:chExt cx="0" cy="0"/>
+        </a:xfrm>
+      </p:grpSpPr>
+      <p:sp>
+        <p:nvSpPr>
+          <p:cNvPr id="2" name="Diakép helye 1"/>
+          <p:cNvSpPr>
+            <a:spLocks noGrp="1" noRot="1" noChangeAspect="1"/>
+          </p:cNvSpPr>
+          <p:nvPr>
+            <p:ph type="sldImg"/>
+          </p:nvPr>
+        </p:nvSpPr>
+        <p:spPr/>
+      </p:sp>
+      <p:sp>
+        <p:nvSpPr>
+          <p:cNvPr id="3" name="Jegyzetek helye 2"/>
+          <p:cNvSpPr>
+            <a:spLocks noGrp="1"/>
+          </p:cNvSpPr>
+          <p:nvPr>
+            <p:ph type="body" idx="1"/>
+          </p:nvPr>
+        </p:nvSpPr>
+        <p:spPr/>
+        <p:txBody>
+          <a:bodyPr/>
+          <a:lstStyle/>
+          <a:p>
+            <a:r>
+              <a:rPr lang="hu-HU" dirty="0"/>
+              <a:t>BERTOLD</a:t>
+            </a:r>
+          </a:p>
+        </p:txBody>
+      </p:sp>
+      <p:sp>
+        <p:nvSpPr>
+          <p:cNvPr id="4" name="Dia számának helye 3"/>
+          <p:cNvSpPr>
+            <a:spLocks noGrp="1"/>
+          </p:cNvSpPr>
+          <p:nvPr>
+            <p:ph type="sldNum" sz="quarter" idx="5"/>
+          </p:nvPr>
+        </p:nvSpPr>
+        <p:spPr/>
+        <p:txBody>
+          <a:bodyPr/>
+          <a:lstStyle/>
+          <a:p>
+            <a:fld id="{74939ABF-8F6A-41FD-BB0D-6D9C20D72201}" type="slidenum">
+              <a:rPr lang="hu-HU" smtClean="0"/>
+              <a:t>4</a:t>
+            </a:fld>
+            <a:endParaRPr lang="hu-HU"/>
+          </a:p>
+        </p:txBody>
+      </p:sp>
+    </p:spTree>
+    <p:extLst>
+      <p:ext uri="{BB962C8B-B14F-4D97-AF65-F5344CB8AC3E}">
+        <p14:creationId xmlns:p14="http://schemas.microsoft.com/office/powerpoint/2010/main" val="1116793431"/>
+      </p:ext>
+    </p:extLst>
+  </p:cSld>
+  <p:clrMapOvr>
+    <a:masterClrMapping/>
+  </p:clrMapOvr>
+</p:notes>
+</file>
+
+<file path=ppt/notesSlides/notesSlide5.xml><?xml version="1.0" encoding="utf-8"?>
+<p:notes xmlns:a="http://schemas.openxmlformats.org/drawingml/2006/main" xmlns:r="http://schemas.openxmlformats.org/officeDocument/2006/relationships" xmlns:p="http://schemas.openxmlformats.org/presentationml/2006/main">
+  <p:cSld>
+    <p:spTree>
+      <p:nvGrpSpPr>
+        <p:cNvPr id="1" name=""/>
+        <p:cNvGrpSpPr/>
+        <p:nvPr/>
+      </p:nvGrpSpPr>
+      <p:grpSpPr>
+        <a:xfrm>
+          <a:off x="0" y="0"/>
+          <a:ext cx="0" cy="0"/>
+          <a:chOff x="0" y="0"/>
+          <a:chExt cx="0" cy="0"/>
+        </a:xfrm>
+      </p:grpSpPr>
+      <p:sp>
+        <p:nvSpPr>
+          <p:cNvPr id="2" name="Diakép helye 1"/>
+          <p:cNvSpPr>
+            <a:spLocks noGrp="1" noRot="1" noChangeAspect="1"/>
+          </p:cNvSpPr>
+          <p:nvPr>
+            <p:ph type="sldImg"/>
+          </p:nvPr>
+        </p:nvSpPr>
+        <p:spPr/>
+      </p:sp>
+      <p:sp>
+        <p:nvSpPr>
+          <p:cNvPr id="3" name="Jegyzetek helye 2"/>
+          <p:cNvSpPr>
+            <a:spLocks noGrp="1"/>
+          </p:cNvSpPr>
+          <p:nvPr>
+            <p:ph type="body" idx="1"/>
+          </p:nvPr>
+        </p:nvSpPr>
+        <p:spPr/>
+        <p:txBody>
+          <a:bodyPr/>
+          <a:lstStyle/>
+          <a:p>
+            <a:r>
+              <a:rPr lang="hu-HU" dirty="0"/>
+              <a:t>PETI</a:t>
+            </a:r>
+          </a:p>
+        </p:txBody>
+      </p:sp>
+      <p:sp>
+        <p:nvSpPr>
+          <p:cNvPr id="4" name="Dia számának helye 3"/>
+          <p:cNvSpPr>
+            <a:spLocks noGrp="1"/>
+          </p:cNvSpPr>
+          <p:nvPr>
+            <p:ph type="sldNum" sz="quarter" idx="5"/>
+          </p:nvPr>
+        </p:nvSpPr>
+        <p:spPr/>
+        <p:txBody>
+          <a:bodyPr/>
+          <a:lstStyle/>
+          <a:p>
+            <a:fld id="{74939ABF-8F6A-41FD-BB0D-6D9C20D72201}" type="slidenum">
+              <a:rPr lang="hu-HU" smtClean="0"/>
+              <a:t>5</a:t>
+            </a:fld>
+            <a:endParaRPr lang="hu-HU"/>
+          </a:p>
+        </p:txBody>
+      </p:sp>
+    </p:spTree>
+    <p:extLst>
+      <p:ext uri="{BB962C8B-B14F-4D97-AF65-F5344CB8AC3E}">
+        <p14:creationId xmlns:p14="http://schemas.microsoft.com/office/powerpoint/2010/main" val="1668864334"/>
+      </p:ext>
+    </p:extLst>
+  </p:cSld>
+  <p:clrMapOvr>
+    <a:masterClrMapping/>
+  </p:clrMapOvr>
+</p:notes>
+</file>
+
+<file path=ppt/notesSlides/notesSlide6.xml><?xml version="1.0" encoding="utf-8"?>
+<p:notes xmlns:a="http://schemas.openxmlformats.org/drawingml/2006/main" xmlns:r="http://schemas.openxmlformats.org/officeDocument/2006/relationships" xmlns:p="http://schemas.openxmlformats.org/presentationml/2006/main">
+  <p:cSld>
+    <p:spTree>
+      <p:nvGrpSpPr>
+        <p:cNvPr id="1" name=""/>
+        <p:cNvGrpSpPr/>
+        <p:nvPr/>
+      </p:nvGrpSpPr>
+      <p:grpSpPr>
+        <a:xfrm>
+          <a:off x="0" y="0"/>
+          <a:ext cx="0" cy="0"/>
+          <a:chOff x="0" y="0"/>
+          <a:chExt cx="0" cy="0"/>
+        </a:xfrm>
+      </p:grpSpPr>
+      <p:sp>
+        <p:nvSpPr>
+          <p:cNvPr id="2" name="Diakép helye 1"/>
+          <p:cNvSpPr>
+            <a:spLocks noGrp="1" noRot="1" noChangeAspect="1"/>
+          </p:cNvSpPr>
+          <p:nvPr>
+            <p:ph type="sldImg"/>
+          </p:nvPr>
+        </p:nvSpPr>
+        <p:spPr/>
+      </p:sp>
+      <p:sp>
+        <p:nvSpPr>
+          <p:cNvPr id="3" name="Jegyzetek helye 2"/>
+          <p:cNvSpPr>
+            <a:spLocks noGrp="1"/>
+          </p:cNvSpPr>
+          <p:nvPr>
+            <p:ph type="body" idx="1"/>
+          </p:nvPr>
+        </p:nvSpPr>
+        <p:spPr/>
+        <p:txBody>
+          <a:bodyPr/>
+          <a:lstStyle/>
+          <a:p>
+            <a:r>
+              <a:rPr lang="hu-HU" dirty="0"/>
+              <a:t>PETI</a:t>
+            </a:r>
+          </a:p>
+        </p:txBody>
+      </p:sp>
+      <p:sp>
+        <p:nvSpPr>
+          <p:cNvPr id="4" name="Dia számának helye 3"/>
+          <p:cNvSpPr>
+            <a:spLocks noGrp="1"/>
+          </p:cNvSpPr>
+          <p:nvPr>
+            <p:ph type="sldNum" sz="quarter" idx="5"/>
+          </p:nvPr>
+        </p:nvSpPr>
+        <p:spPr/>
+        <p:txBody>
+          <a:bodyPr/>
+          <a:lstStyle/>
+          <a:p>
+            <a:fld id="{74939ABF-8F6A-41FD-BB0D-6D9C20D72201}" type="slidenum">
+              <a:rPr lang="hu-HU" smtClean="0"/>
+              <a:t>6</a:t>
+            </a:fld>
+            <a:endParaRPr lang="hu-HU"/>
+          </a:p>
+        </p:txBody>
+      </p:sp>
+    </p:spTree>
+    <p:extLst>
+      <p:ext uri="{BB962C8B-B14F-4D97-AF65-F5344CB8AC3E}">
+        <p14:creationId xmlns:p14="http://schemas.microsoft.com/office/powerpoint/2010/main" val="2912936272"/>
+      </p:ext>
+    </p:extLst>
+  </p:cSld>
+  <p:clrMapOvr>
+    <a:masterClrMapping/>
+  </p:clrMapOvr>
+</p:notes>
+</file>
+
+<file path=ppt/notesSlides/notesSlide7.xml><?xml version="1.0" encoding="utf-8"?>
+<p:notes xmlns:a="http://schemas.openxmlformats.org/drawingml/2006/main" xmlns:r="http://schemas.openxmlformats.org/officeDocument/2006/relationships" xmlns:p="http://schemas.openxmlformats.org/presentationml/2006/main">
+  <p:cSld>
+    <p:spTree>
+      <p:nvGrpSpPr>
+        <p:cNvPr id="1" name=""/>
+        <p:cNvGrpSpPr/>
+        <p:nvPr/>
+      </p:nvGrpSpPr>
+      <p:grpSpPr>
+        <a:xfrm>
+          <a:off x="0" y="0"/>
+          <a:ext cx="0" cy="0"/>
+          <a:chOff x="0" y="0"/>
+          <a:chExt cx="0" cy="0"/>
+        </a:xfrm>
+      </p:grpSpPr>
+      <p:sp>
+        <p:nvSpPr>
+          <p:cNvPr id="2" name="Diakép helye 1"/>
+          <p:cNvSpPr>
+            <a:spLocks noGrp="1" noRot="1" noChangeAspect="1"/>
+          </p:cNvSpPr>
+          <p:nvPr>
+            <p:ph type="sldImg"/>
+          </p:nvPr>
+        </p:nvSpPr>
+        <p:spPr/>
+      </p:sp>
+      <p:sp>
+        <p:nvSpPr>
+          <p:cNvPr id="3" name="Jegyzetek helye 2"/>
+          <p:cNvSpPr>
+            <a:spLocks noGrp="1"/>
+          </p:cNvSpPr>
+          <p:nvPr>
+            <p:ph type="body" idx="1"/>
+          </p:nvPr>
+        </p:nvSpPr>
+        <p:spPr/>
+        <p:txBody>
+          <a:bodyPr/>
+          <a:lstStyle/>
+          <a:p>
+            <a:r>
+              <a:rPr lang="hu-HU" dirty="0"/>
+              <a:t>PETI</a:t>
+            </a:r>
+          </a:p>
+        </p:txBody>
+      </p:sp>
+      <p:sp>
+        <p:nvSpPr>
+          <p:cNvPr id="4" name="Dia számának helye 3"/>
+          <p:cNvSpPr>
+            <a:spLocks noGrp="1"/>
+          </p:cNvSpPr>
+          <p:nvPr>
+            <p:ph type="sldNum" sz="quarter" idx="5"/>
+          </p:nvPr>
+        </p:nvSpPr>
+        <p:spPr/>
+        <p:txBody>
+          <a:bodyPr/>
+          <a:lstStyle/>
+          <a:p>
+            <a:fld id="{74939ABF-8F6A-41FD-BB0D-6D9C20D72201}" type="slidenum">
+              <a:rPr lang="hu-HU" smtClean="0"/>
+              <a:t>7</a:t>
+            </a:fld>
+            <a:endParaRPr lang="hu-HU"/>
+          </a:p>
+        </p:txBody>
+      </p:sp>
+    </p:spTree>
+    <p:extLst>
+      <p:ext uri="{BB962C8B-B14F-4D97-AF65-F5344CB8AC3E}">
+        <p14:creationId xmlns:p14="http://schemas.microsoft.com/office/powerpoint/2010/main" val="1938993249"/>
+      </p:ext>
+    </p:extLst>
+  </p:cSld>
+  <p:clrMapOvr>
+    <a:masterClrMapping/>
+  </p:clrMapOvr>
+</p:notes>
+</file>
+
+<file path=ppt/notesSlides/notesSlide8.xml><?xml version="1.0" encoding="utf-8"?>
+<p:notes xmlns:a="http://schemas.openxmlformats.org/drawingml/2006/main" xmlns:r="http://schemas.openxmlformats.org/officeDocument/2006/relationships" xmlns:p="http://schemas.openxmlformats.org/presentationml/2006/main">
+  <p:cSld>
+    <p:spTree>
+      <p:nvGrpSpPr>
+        <p:cNvPr id="1" name=""/>
+        <p:cNvGrpSpPr/>
+        <p:nvPr/>
+      </p:nvGrpSpPr>
+      <p:grpSpPr>
+        <a:xfrm>
+          <a:off x="0" y="0"/>
+          <a:ext cx="0" cy="0"/>
+          <a:chOff x="0" y="0"/>
+          <a:chExt cx="0" cy="0"/>
+        </a:xfrm>
+      </p:grpSpPr>
+      <p:sp>
+        <p:nvSpPr>
+          <p:cNvPr id="2" name="Diakép helye 1"/>
+          <p:cNvSpPr>
+            <a:spLocks noGrp="1" noRot="1" noChangeAspect="1"/>
+          </p:cNvSpPr>
+          <p:nvPr>
+            <p:ph type="sldImg"/>
+          </p:nvPr>
+        </p:nvSpPr>
+        <p:spPr/>
+      </p:sp>
+      <p:sp>
+        <p:nvSpPr>
+          <p:cNvPr id="3" name="Jegyzetek helye 2"/>
+          <p:cNvSpPr>
+            <a:spLocks noGrp="1"/>
+          </p:cNvSpPr>
+          <p:nvPr>
+            <p:ph type="body" idx="1"/>
+          </p:nvPr>
+        </p:nvSpPr>
+        <p:spPr/>
+        <p:txBody>
+          <a:bodyPr/>
+          <a:lstStyle/>
+          <a:p>
+            <a:r>
+              <a:rPr lang="hu-HU" dirty="0"/>
+              <a:t>ÁGÓ</a:t>
+            </a:r>
+          </a:p>
+        </p:txBody>
+      </p:sp>
+      <p:sp>
+        <p:nvSpPr>
+          <p:cNvPr id="4" name="Dia számának helye 3"/>
+          <p:cNvSpPr>
+            <a:spLocks noGrp="1"/>
+          </p:cNvSpPr>
+          <p:nvPr>
+            <p:ph type="sldNum" sz="quarter" idx="5"/>
+          </p:nvPr>
+        </p:nvSpPr>
+        <p:spPr/>
+        <p:txBody>
+          <a:bodyPr/>
+          <a:lstStyle/>
+          <a:p>
+            <a:fld id="{74939ABF-8F6A-41FD-BB0D-6D9C20D72201}" type="slidenum">
+              <a:rPr lang="hu-HU" smtClean="0"/>
+              <a:t>8</a:t>
+            </a:fld>
+            <a:endParaRPr lang="hu-HU"/>
+          </a:p>
+        </p:txBody>
+      </p:sp>
+    </p:spTree>
+    <p:extLst>
+      <p:ext uri="{BB962C8B-B14F-4D97-AF65-F5344CB8AC3E}">
+        <p14:creationId xmlns:p14="http://schemas.microsoft.com/office/powerpoint/2010/main" val="2477622886"/>
+      </p:ext>
+    </p:extLst>
+  </p:cSld>
+  <p:clrMapOvr>
+    <a:masterClrMapping/>
+  </p:clrMapOvr>
+</p:notes>
+</file>
+
+<file path=ppt/notesSlides/notesSlide9.xml><?xml version="1.0" encoding="utf-8"?>
+<p:notes xmlns:a="http://schemas.openxmlformats.org/drawingml/2006/main" xmlns:r="http://schemas.openxmlformats.org/officeDocument/2006/relationships" xmlns:p="http://schemas.openxmlformats.org/presentationml/2006/main">
+  <p:cSld>
+    <p:spTree>
+      <p:nvGrpSpPr>
+        <p:cNvPr id="1" name=""/>
+        <p:cNvGrpSpPr/>
+        <p:nvPr/>
+      </p:nvGrpSpPr>
+      <p:grpSpPr>
+        <a:xfrm>
+          <a:off x="0" y="0"/>
+          <a:ext cx="0" cy="0"/>
+          <a:chOff x="0" y="0"/>
+          <a:chExt cx="0" cy="0"/>
+        </a:xfrm>
+      </p:grpSpPr>
+      <p:sp>
+        <p:nvSpPr>
+          <p:cNvPr id="2" name="Diakép helye 1"/>
+          <p:cNvSpPr>
+            <a:spLocks noGrp="1" noRot="1" noChangeAspect="1"/>
+          </p:cNvSpPr>
+          <p:nvPr>
+            <p:ph type="sldImg"/>
+          </p:nvPr>
+        </p:nvSpPr>
+        <p:spPr/>
+      </p:sp>
+      <p:sp>
+        <p:nvSpPr>
+          <p:cNvPr id="3" name="Jegyzetek helye 2"/>
+          <p:cNvSpPr>
+            <a:spLocks noGrp="1"/>
+          </p:cNvSpPr>
+          <p:nvPr>
+            <p:ph type="body" idx="1"/>
+          </p:nvPr>
+        </p:nvSpPr>
+        <p:spPr/>
+        <p:txBody>
+          <a:bodyPr/>
+          <a:lstStyle/>
+          <a:p>
+            <a:r>
+              <a:rPr lang="hu-HU" dirty="0"/>
+              <a:t>ÁGÓ</a:t>
+            </a:r>
+          </a:p>
+        </p:txBody>
+      </p:sp>
+      <p:sp>
+        <p:nvSpPr>
+          <p:cNvPr id="4" name="Dia számának helye 3"/>
+          <p:cNvSpPr>
+            <a:spLocks noGrp="1"/>
+          </p:cNvSpPr>
+          <p:nvPr>
+            <p:ph type="sldNum" sz="quarter" idx="5"/>
+          </p:nvPr>
+        </p:nvSpPr>
+        <p:spPr/>
+        <p:txBody>
+          <a:bodyPr/>
+          <a:lstStyle/>
+          <a:p>
+            <a:fld id="{74939ABF-8F6A-41FD-BB0D-6D9C20D72201}" type="slidenum">
+              <a:rPr lang="hu-HU" smtClean="0"/>
+              <a:t>9</a:t>
+            </a:fld>
+            <a:endParaRPr lang="hu-HU"/>
+          </a:p>
+        </p:txBody>
+      </p:sp>
+    </p:spTree>
+    <p:extLst>
+      <p:ext uri="{BB962C8B-B14F-4D97-AF65-F5344CB8AC3E}">
+        <p14:creationId xmlns:p14="http://schemas.microsoft.com/office/powerpoint/2010/main" val="2165605086"/>
+      </p:ext>
+    </p:extLst>
+  </p:cSld>
+  <p:clrMapOvr>
+    <a:masterClrMapping/>
+  </p:clrMapOvr>
+</p:notes>
 </file>
 
 <file path=ppt/slideLayouts/slideLayout1.xml><?xml version="1.0" encoding="utf-8"?>
@@ -840,7 +3561,7 @@
             <a:fld id="{B61BEF0D-F0BB-DE4B-95CE-6DB70DBA9567}" type="datetimeFigureOut">
               <a:rPr lang="en-US" dirty="0"/>
               <a:pPr/>
-              <a:t>5/7/2023</a:t>
+              <a:t>5/8/2023</a:t>
             </a:fld>
             <a:endParaRPr lang="en-US" dirty="0"/>
           </a:p>
@@ -1088,7 +3809,7 @@
             <a:fld id="{B61BEF0D-F0BB-DE4B-95CE-6DB70DBA9567}" type="datetimeFigureOut">
               <a:rPr lang="en-US" dirty="0"/>
               <a:pPr/>
-              <a:t>5/7/2023</a:t>
+              <a:t>5/8/2023</a:t>
             </a:fld>
             <a:endParaRPr lang="en-US" dirty="0"/>
           </a:p>
@@ -1399,7 +4120,7 @@
             <a:fld id="{B61BEF0D-F0BB-DE4B-95CE-6DB70DBA9567}" type="datetimeFigureOut">
               <a:rPr lang="en-US" dirty="0"/>
               <a:pPr/>
-              <a:t>5/7/2023</a:t>
+              <a:t>5/8/2023</a:t>
             </a:fld>
             <a:endParaRPr lang="en-US" dirty="0"/>
           </a:p>
@@ -1737,7 +4458,7 @@
             <a:fld id="{B61BEF0D-F0BB-DE4B-95CE-6DB70DBA9567}" type="datetimeFigureOut">
               <a:rPr lang="en-US" dirty="0"/>
               <a:pPr/>
-              <a:t>5/7/2023</a:t>
+              <a:t>5/8/2023</a:t>
             </a:fld>
             <a:endParaRPr lang="en-US" dirty="0"/>
           </a:p>
@@ -2048,7 +4769,7 @@
             <a:fld id="{B61BEF0D-F0BB-DE4B-95CE-6DB70DBA9567}" type="datetimeFigureOut">
               <a:rPr lang="en-US" dirty="0"/>
               <a:pPr/>
-              <a:t>5/7/2023</a:t>
+              <a:t>5/8/2023</a:t>
             </a:fld>
             <a:endParaRPr lang="en-US" dirty="0"/>
           </a:p>
@@ -2438,7 +5159,7 @@
             <a:fld id="{B61BEF0D-F0BB-DE4B-95CE-6DB70DBA9567}" type="datetimeFigureOut">
               <a:rPr lang="en-US" dirty="0"/>
               <a:pPr/>
-              <a:t>5/7/2023</a:t>
+              <a:t>5/8/2023</a:t>
             </a:fld>
             <a:endParaRPr lang="en-US" dirty="0"/>
           </a:p>
@@ -2604,7 +5325,7 @@
           <a:p>
             <a:fld id="{55C6B4A9-1611-4792-9094-5F34BCA07E0B}" type="datetimeFigureOut">
               <a:rPr lang="en-US" dirty="0"/>
-              <a:t>5/7/2023</a:t>
+              <a:t>5/8/2023</a:t>
             </a:fld>
             <a:endParaRPr lang="en-US" dirty="0"/>
           </a:p>
@@ -2780,7 +5501,7 @@
             <a:fld id="{B61BEF0D-F0BB-DE4B-95CE-6DB70DBA9567}" type="datetimeFigureOut">
               <a:rPr lang="en-US" dirty="0"/>
               <a:pPr/>
-              <a:t>5/7/2023</a:t>
+              <a:t>5/8/2023</a:t>
             </a:fld>
             <a:endParaRPr lang="en-US" dirty="0"/>
           </a:p>
@@ -2953,7 +5674,7 @@
             <a:fld id="{B61BEF0D-F0BB-DE4B-95CE-6DB70DBA9567}" type="datetimeFigureOut">
               <a:rPr lang="en-US" dirty="0"/>
               <a:pPr/>
-              <a:t>5/7/2023</a:t>
+              <a:t>5/8/2023</a:t>
             </a:fld>
             <a:endParaRPr lang="en-US" dirty="0"/>
           </a:p>
@@ -3197,7 +5918,7 @@
             <a:fld id="{B61BEF0D-F0BB-DE4B-95CE-6DB70DBA9567}" type="datetimeFigureOut">
               <a:rPr lang="en-US" dirty="0"/>
               <a:pPr/>
-              <a:t>5/7/2023</a:t>
+              <a:t>5/8/2023</a:t>
             </a:fld>
             <a:endParaRPr lang="en-US" dirty="0"/>
           </a:p>
@@ -3425,7 +6146,7 @@
           <a:p>
             <a:fld id="{EB712588-04B1-427B-82EE-E8DB90309F08}" type="datetimeFigureOut">
               <a:rPr lang="en-US" dirty="0"/>
-              <a:t>5/7/2023</a:t>
+              <a:t>5/8/2023</a:t>
             </a:fld>
             <a:endParaRPr lang="en-US" dirty="0"/>
           </a:p>
@@ -3795,7 +6516,7 @@
             <a:fld id="{B61BEF0D-F0BB-DE4B-95CE-6DB70DBA9567}" type="datetimeFigureOut">
               <a:rPr lang="en-US" dirty="0"/>
               <a:pPr/>
-              <a:t>5/7/2023</a:t>
+              <a:t>5/8/2023</a:t>
             </a:fld>
             <a:endParaRPr lang="en-US" dirty="0"/>
           </a:p>
@@ -3915,7 +6636,7 @@
             <a:fld id="{B61BEF0D-F0BB-DE4B-95CE-6DB70DBA9567}" type="datetimeFigureOut">
               <a:rPr lang="en-US" dirty="0"/>
               <a:pPr/>
-              <a:t>5/7/2023</a:t>
+              <a:t>5/8/2023</a:t>
             </a:fld>
             <a:endParaRPr lang="en-US" dirty="0"/>
           </a:p>
@@ -4007,7 +6728,7 @@
             <a:fld id="{B61BEF0D-F0BB-DE4B-95CE-6DB70DBA9567}" type="datetimeFigureOut">
               <a:rPr lang="en-US" dirty="0"/>
               <a:pPr/>
-              <a:t>5/7/2023</a:t>
+              <a:t>5/8/2023</a:t>
             </a:fld>
             <a:endParaRPr lang="en-US" dirty="0"/>
           </a:p>
@@ -4258,7 +6979,7 @@
           <a:p>
             <a:fld id="{42A54C80-263E-416B-A8E0-580EDEADCBDC}" type="datetimeFigureOut">
               <a:rPr lang="en-US" dirty="0"/>
-              <a:t>5/7/2023</a:t>
+              <a:t>5/8/2023</a:t>
             </a:fld>
             <a:endParaRPr lang="en-US" dirty="0"/>
           </a:p>
@@ -4517,7 +7238,7 @@
             <a:fld id="{B61BEF0D-F0BB-DE4B-95CE-6DB70DBA9567}" type="datetimeFigureOut">
               <a:rPr lang="en-US" dirty="0"/>
               <a:pPr/>
-              <a:t>5/7/2023</a:t>
+              <a:t>5/8/2023</a:t>
             </a:fld>
             <a:endParaRPr lang="en-US" dirty="0"/>
           </a:p>
@@ -5257,7 +7978,7 @@
             <a:fld id="{B61BEF0D-F0BB-DE4B-95CE-6DB70DBA9567}" type="datetimeFigureOut">
               <a:rPr lang="en-US" dirty="0"/>
               <a:pPr/>
-              <a:t>5/7/2023</a:t>
+              <a:t>5/8/2023</a:t>
             </a:fld>
             <a:endParaRPr lang="en-US" dirty="0"/>
           </a:p>
@@ -5878,6 +8599,2643 @@
           <p:cNvPr id="2" name="Cím 1">
             <a:extLst>
               <a:ext uri="{FF2B5EF4-FFF2-40B4-BE49-F238E27FC236}">
+                <a16:creationId xmlns:a16="http://schemas.microsoft.com/office/drawing/2014/main" id="{A77A23B4-2C04-5148-C61D-70A9339B6040}"/>
+              </a:ext>
+            </a:extLst>
+          </p:cNvPr>
+          <p:cNvSpPr>
+            <a:spLocks noGrp="1"/>
+          </p:cNvSpPr>
+          <p:nvPr>
+            <p:ph type="title"/>
+          </p:nvPr>
+        </p:nvSpPr>
+        <p:spPr/>
+        <p:txBody>
+          <a:bodyPr/>
+          <a:lstStyle/>
+          <a:p>
+            <a:r>
+              <a:rPr lang="hu-HU" dirty="0"/>
+              <a:t>Gazdasági számítások</a:t>
+            </a:r>
+            <a:br>
+              <a:rPr lang="hu-HU" dirty="0"/>
+            </a:br>
+            <a:r>
+              <a:rPr lang="hu-HU" sz="2800" dirty="0"/>
+              <a:t>(6. sprint)</a:t>
+            </a:r>
+            <a:endParaRPr lang="hu-HU" dirty="0"/>
+          </a:p>
+        </p:txBody>
+      </p:sp>
+      <p:sp>
+        <p:nvSpPr>
+          <p:cNvPr id="3" name="Tartalom helye 2">
+            <a:extLst>
+              <a:ext uri="{FF2B5EF4-FFF2-40B4-BE49-F238E27FC236}">
+                <a16:creationId xmlns:a16="http://schemas.microsoft.com/office/drawing/2014/main" id="{A88EDC02-5649-5ECA-D0CF-4E2F48B28934}"/>
+              </a:ext>
+            </a:extLst>
+          </p:cNvPr>
+          <p:cNvSpPr>
+            <a:spLocks noGrp="1"/>
+          </p:cNvSpPr>
+          <p:nvPr>
+            <p:ph idx="1"/>
+          </p:nvPr>
+        </p:nvSpPr>
+        <p:spPr/>
+        <p:txBody>
+          <a:bodyPr/>
+          <a:lstStyle/>
+          <a:p>
+            <a:pPr>
+              <a:lnSpc>
+                <a:spcPct val="200000"/>
+              </a:lnSpc>
+            </a:pPr>
+            <a:r>
+              <a:rPr lang="hu-HU" dirty="0"/>
+              <a:t>Ráfordítások</a:t>
+            </a:r>
+          </a:p>
+          <a:p>
+            <a:pPr>
+              <a:lnSpc>
+                <a:spcPct val="200000"/>
+              </a:lnSpc>
+            </a:pPr>
+            <a:r>
+              <a:rPr lang="hu-HU" dirty="0"/>
+              <a:t>Beszerzési, üzemeltetési költségek</a:t>
+            </a:r>
+          </a:p>
+          <a:p>
+            <a:pPr>
+              <a:lnSpc>
+                <a:spcPct val="200000"/>
+              </a:lnSpc>
+            </a:pPr>
+            <a:r>
+              <a:rPr lang="hu-HU" dirty="0"/>
+              <a:t>Amortizáció</a:t>
+            </a:r>
+          </a:p>
+          <a:p>
+            <a:pPr>
+              <a:lnSpc>
+                <a:spcPct val="200000"/>
+              </a:lnSpc>
+            </a:pPr>
+            <a:r>
+              <a:rPr lang="hu-HU" dirty="0"/>
+              <a:t>Bevételek</a:t>
+            </a:r>
+          </a:p>
+        </p:txBody>
+      </p:sp>
+    </p:spTree>
+    <p:extLst>
+      <p:ext uri="{BB962C8B-B14F-4D97-AF65-F5344CB8AC3E}">
+        <p14:creationId xmlns:p14="http://schemas.microsoft.com/office/powerpoint/2010/main" val="2383492499"/>
+      </p:ext>
+    </p:extLst>
+  </p:cSld>
+  <p:clrMapOvr>
+    <a:masterClrMapping/>
+  </p:clrMapOvr>
+</p:sld>
+</file>
+
+<file path=ppt/slides/slide11.xml><?xml version="1.0" encoding="utf-8"?>
+<p:sld xmlns:a="http://schemas.openxmlformats.org/drawingml/2006/main" xmlns:r="http://schemas.openxmlformats.org/officeDocument/2006/relationships" xmlns:p="http://schemas.openxmlformats.org/presentationml/2006/main">
+  <p:cSld>
+    <p:spTree>
+      <p:nvGrpSpPr>
+        <p:cNvPr id="1" name=""/>
+        <p:cNvGrpSpPr/>
+        <p:nvPr/>
+      </p:nvGrpSpPr>
+      <p:grpSpPr>
+        <a:xfrm>
+          <a:off x="0" y="0"/>
+          <a:ext cx="0" cy="0"/>
+          <a:chOff x="0" y="0"/>
+          <a:chExt cx="0" cy="0"/>
+        </a:xfrm>
+      </p:grpSpPr>
+      <p:sp>
+        <p:nvSpPr>
+          <p:cNvPr id="2" name="Cím 1">
+            <a:extLst>
+              <a:ext uri="{FF2B5EF4-FFF2-40B4-BE49-F238E27FC236}">
+                <a16:creationId xmlns:a16="http://schemas.microsoft.com/office/drawing/2014/main" id="{A77A23B4-2C04-5148-C61D-70A9339B6040}"/>
+              </a:ext>
+            </a:extLst>
+          </p:cNvPr>
+          <p:cNvSpPr>
+            <a:spLocks noGrp="1"/>
+          </p:cNvSpPr>
+          <p:nvPr>
+            <p:ph type="title"/>
+          </p:nvPr>
+        </p:nvSpPr>
+        <p:spPr/>
+        <p:txBody>
+          <a:bodyPr/>
+          <a:lstStyle/>
+          <a:p>
+            <a:r>
+              <a:rPr lang="hu-HU" dirty="0"/>
+              <a:t>Gazdasági számítások</a:t>
+            </a:r>
+            <a:br>
+              <a:rPr lang="hu-HU" dirty="0"/>
+            </a:br>
+            <a:r>
+              <a:rPr lang="hu-HU" sz="2800" dirty="0"/>
+              <a:t>(6. sprint)</a:t>
+            </a:r>
+            <a:endParaRPr lang="hu-HU" dirty="0"/>
+          </a:p>
+        </p:txBody>
+      </p:sp>
+      <p:pic>
+        <p:nvPicPr>
+          <p:cNvPr id="6" name="Kép 5">
+            <a:extLst>
+              <a:ext uri="{FF2B5EF4-FFF2-40B4-BE49-F238E27FC236}">
+                <a16:creationId xmlns:a16="http://schemas.microsoft.com/office/drawing/2014/main" id="{3A8D184C-7A09-4BA2-513F-38234AD80A2F}"/>
+              </a:ext>
+            </a:extLst>
+          </p:cNvPr>
+          <p:cNvPicPr>
+            <a:picLocks noChangeAspect="1"/>
+          </p:cNvPicPr>
+          <p:nvPr/>
+        </p:nvPicPr>
+        <p:blipFill>
+          <a:blip r:embed="rId3"/>
+          <a:stretch>
+            <a:fillRect/>
+          </a:stretch>
+        </p:blipFill>
+        <p:spPr>
+          <a:xfrm>
+            <a:off x="677334" y="1930400"/>
+            <a:ext cx="8238066" cy="4880206"/>
+          </a:xfrm>
+          <a:prstGeom prst="rect">
+            <a:avLst/>
+          </a:prstGeom>
+        </p:spPr>
+      </p:pic>
+    </p:spTree>
+    <p:extLst>
+      <p:ext uri="{BB962C8B-B14F-4D97-AF65-F5344CB8AC3E}">
+        <p14:creationId xmlns:p14="http://schemas.microsoft.com/office/powerpoint/2010/main" val="2839462491"/>
+      </p:ext>
+    </p:extLst>
+  </p:cSld>
+  <p:clrMapOvr>
+    <a:masterClrMapping/>
+  </p:clrMapOvr>
+</p:sld>
+</file>
+
+<file path=ppt/slides/slide12.xml><?xml version="1.0" encoding="utf-8"?>
+<p:sld xmlns:a="http://schemas.openxmlformats.org/drawingml/2006/main" xmlns:r="http://schemas.openxmlformats.org/officeDocument/2006/relationships" xmlns:p="http://schemas.openxmlformats.org/presentationml/2006/main">
+  <p:cSld>
+    <p:spTree>
+      <p:nvGrpSpPr>
+        <p:cNvPr id="1" name=""/>
+        <p:cNvGrpSpPr/>
+        <p:nvPr/>
+      </p:nvGrpSpPr>
+      <p:grpSpPr>
+        <a:xfrm>
+          <a:off x="0" y="0"/>
+          <a:ext cx="0" cy="0"/>
+          <a:chOff x="0" y="0"/>
+          <a:chExt cx="0" cy="0"/>
+        </a:xfrm>
+      </p:grpSpPr>
+      <p:sp>
+        <p:nvSpPr>
+          <p:cNvPr id="2" name="Cím 1">
+            <a:extLst>
+              <a:ext uri="{FF2B5EF4-FFF2-40B4-BE49-F238E27FC236}">
+                <a16:creationId xmlns:a16="http://schemas.microsoft.com/office/drawing/2014/main" id="{A77A23B4-2C04-5148-C61D-70A9339B6040}"/>
+              </a:ext>
+            </a:extLst>
+          </p:cNvPr>
+          <p:cNvSpPr>
+            <a:spLocks noGrp="1"/>
+          </p:cNvSpPr>
+          <p:nvPr>
+            <p:ph type="title"/>
+          </p:nvPr>
+        </p:nvSpPr>
+        <p:spPr/>
+        <p:txBody>
+          <a:bodyPr/>
+          <a:lstStyle/>
+          <a:p>
+            <a:r>
+              <a:rPr lang="hu-HU" dirty="0"/>
+              <a:t>Gazdasági számítások</a:t>
+            </a:r>
+            <a:br>
+              <a:rPr lang="hu-HU" dirty="0"/>
+            </a:br>
+            <a:r>
+              <a:rPr lang="hu-HU" sz="2800" dirty="0"/>
+              <a:t>(6. sprint)</a:t>
+            </a:r>
+            <a:endParaRPr lang="hu-HU" dirty="0"/>
+          </a:p>
+        </p:txBody>
+      </p:sp>
+      <p:graphicFrame>
+        <p:nvGraphicFramePr>
+          <p:cNvPr id="6" name="Diagram 5">
+            <a:extLst>
+              <a:ext uri="{FF2B5EF4-FFF2-40B4-BE49-F238E27FC236}">
+                <a16:creationId xmlns:a16="http://schemas.microsoft.com/office/drawing/2014/main" id="{5CC019BD-5C15-832C-D66F-49A6E236FACB}"/>
+              </a:ext>
+            </a:extLst>
+          </p:cNvPr>
+          <p:cNvGraphicFramePr/>
+          <p:nvPr>
+            <p:extLst>
+              <p:ext uri="{D42A27DB-BD31-4B8C-83A1-F6EECF244321}">
+                <p14:modId xmlns:p14="http://schemas.microsoft.com/office/powerpoint/2010/main" val="1953892086"/>
+              </p:ext>
+            </p:extLst>
+          </p:nvPr>
+        </p:nvGraphicFramePr>
+        <p:xfrm>
+          <a:off x="677334" y="1930400"/>
+          <a:ext cx="9500501" cy="3849914"/>
+        </p:xfrm>
+        <a:graphic>
+          <a:graphicData uri="http://schemas.openxmlformats.org/drawingml/2006/chart">
+            <c:chart xmlns:c="http://schemas.openxmlformats.org/drawingml/2006/chart" xmlns:r="http://schemas.openxmlformats.org/officeDocument/2006/relationships" r:id="rId3"/>
+          </a:graphicData>
+        </a:graphic>
+      </p:graphicFrame>
+    </p:spTree>
+    <p:extLst>
+      <p:ext uri="{BB962C8B-B14F-4D97-AF65-F5344CB8AC3E}">
+        <p14:creationId xmlns:p14="http://schemas.microsoft.com/office/powerpoint/2010/main" val="936385863"/>
+      </p:ext>
+    </p:extLst>
+  </p:cSld>
+  <p:clrMapOvr>
+    <a:masterClrMapping/>
+  </p:clrMapOvr>
+</p:sld>
+</file>
+
+<file path=ppt/slides/slide13.xml><?xml version="1.0" encoding="utf-8"?>
+<p:sld xmlns:a="http://schemas.openxmlformats.org/drawingml/2006/main" xmlns:r="http://schemas.openxmlformats.org/officeDocument/2006/relationships" xmlns:p="http://schemas.openxmlformats.org/presentationml/2006/main">
+  <p:cSld>
+    <p:spTree>
+      <p:nvGrpSpPr>
+        <p:cNvPr id="1" name=""/>
+        <p:cNvGrpSpPr/>
+        <p:nvPr/>
+      </p:nvGrpSpPr>
+      <p:grpSpPr>
+        <a:xfrm>
+          <a:off x="0" y="0"/>
+          <a:ext cx="0" cy="0"/>
+          <a:chOff x="0" y="0"/>
+          <a:chExt cx="0" cy="0"/>
+        </a:xfrm>
+      </p:grpSpPr>
+      <p:sp>
+        <p:nvSpPr>
+          <p:cNvPr id="2" name="Cím 1">
+            <a:extLst>
+              <a:ext uri="{FF2B5EF4-FFF2-40B4-BE49-F238E27FC236}">
+                <a16:creationId xmlns:a16="http://schemas.microsoft.com/office/drawing/2014/main" id="{1A0F41BC-7CF5-2B06-6082-7F403A0EF775}"/>
+              </a:ext>
+            </a:extLst>
+          </p:cNvPr>
+          <p:cNvSpPr>
+            <a:spLocks noGrp="1"/>
+          </p:cNvSpPr>
+          <p:nvPr>
+            <p:ph type="title"/>
+          </p:nvPr>
+        </p:nvSpPr>
+        <p:spPr/>
+        <p:txBody>
+          <a:bodyPr/>
+          <a:lstStyle/>
+          <a:p>
+            <a:r>
+              <a:rPr lang="hu-HU" dirty="0"/>
+              <a:t>Technikai specifikáció</a:t>
+            </a:r>
+            <a:br>
+              <a:rPr lang="hu-HU" dirty="0"/>
+            </a:br>
+            <a:r>
+              <a:rPr lang="hu-HU" sz="2800" dirty="0"/>
+              <a:t>(7. sprint)</a:t>
+            </a:r>
+            <a:endParaRPr lang="hu-HU" dirty="0"/>
+          </a:p>
+        </p:txBody>
+      </p:sp>
+      <p:sp>
+        <p:nvSpPr>
+          <p:cNvPr id="3" name="Tartalom helye 2">
+            <a:extLst>
+              <a:ext uri="{FF2B5EF4-FFF2-40B4-BE49-F238E27FC236}">
+                <a16:creationId xmlns:a16="http://schemas.microsoft.com/office/drawing/2014/main" id="{9D010C11-3E30-2478-B674-33468B70E12B}"/>
+              </a:ext>
+            </a:extLst>
+          </p:cNvPr>
+          <p:cNvSpPr>
+            <a:spLocks noGrp="1"/>
+          </p:cNvSpPr>
+          <p:nvPr>
+            <p:ph idx="1"/>
+          </p:nvPr>
+        </p:nvSpPr>
+        <p:spPr/>
+        <p:txBody>
+          <a:bodyPr/>
+          <a:lstStyle/>
+          <a:p>
+            <a:pPr>
+              <a:lnSpc>
+                <a:spcPct val="200000"/>
+              </a:lnSpc>
+            </a:pPr>
+            <a:r>
+              <a:rPr lang="hu-HU" dirty="0"/>
+              <a:t>Platform</a:t>
+            </a:r>
+          </a:p>
+          <a:p>
+            <a:pPr>
+              <a:lnSpc>
+                <a:spcPct val="200000"/>
+              </a:lnSpc>
+            </a:pPr>
+            <a:r>
+              <a:rPr lang="hu-HU" dirty="0"/>
+              <a:t>Fejlesztési eszközök</a:t>
+            </a:r>
+          </a:p>
+          <a:p>
+            <a:pPr>
+              <a:lnSpc>
+                <a:spcPct val="200000"/>
+              </a:lnSpc>
+            </a:pPr>
+            <a:r>
+              <a:rPr lang="hu-HU" dirty="0"/>
+              <a:t>Architektúra terv</a:t>
+            </a:r>
+          </a:p>
+          <a:p>
+            <a:endParaRPr lang="hu-HU" dirty="0"/>
+          </a:p>
+        </p:txBody>
+      </p:sp>
+    </p:spTree>
+    <p:extLst>
+      <p:ext uri="{BB962C8B-B14F-4D97-AF65-F5344CB8AC3E}">
+        <p14:creationId xmlns:p14="http://schemas.microsoft.com/office/powerpoint/2010/main" val="2575587931"/>
+      </p:ext>
+    </p:extLst>
+  </p:cSld>
+  <p:clrMapOvr>
+    <a:masterClrMapping/>
+  </p:clrMapOvr>
+</p:sld>
+</file>
+
+<file path=ppt/slides/slide14.xml><?xml version="1.0" encoding="utf-8"?>
+<p:sld xmlns:a="http://schemas.openxmlformats.org/drawingml/2006/main" xmlns:r="http://schemas.openxmlformats.org/officeDocument/2006/relationships" xmlns:p="http://schemas.openxmlformats.org/presentationml/2006/main">
+  <p:cSld>
+    <p:spTree>
+      <p:nvGrpSpPr>
+        <p:cNvPr id="1" name=""/>
+        <p:cNvGrpSpPr/>
+        <p:nvPr/>
+      </p:nvGrpSpPr>
+      <p:grpSpPr>
+        <a:xfrm>
+          <a:off x="0" y="0"/>
+          <a:ext cx="0" cy="0"/>
+          <a:chOff x="0" y="0"/>
+          <a:chExt cx="0" cy="0"/>
+        </a:xfrm>
+      </p:grpSpPr>
+      <p:pic>
+        <p:nvPicPr>
+          <p:cNvPr id="8" name="Kép 7">
+            <a:extLst>
+              <a:ext uri="{FF2B5EF4-FFF2-40B4-BE49-F238E27FC236}">
+                <a16:creationId xmlns:a16="http://schemas.microsoft.com/office/drawing/2014/main" id="{693AC61C-2B30-5679-82FB-B5AA2DAFAACA}"/>
+              </a:ext>
+            </a:extLst>
+          </p:cNvPr>
+          <p:cNvPicPr>
+            <a:picLocks noChangeAspect="1"/>
+          </p:cNvPicPr>
+          <p:nvPr/>
+        </p:nvPicPr>
+        <p:blipFill>
+          <a:blip r:embed="rId3"/>
+          <a:stretch>
+            <a:fillRect/>
+          </a:stretch>
+        </p:blipFill>
+        <p:spPr>
+          <a:xfrm>
+            <a:off x="2855121" y="188121"/>
+            <a:ext cx="6481757" cy="6481757"/>
+          </a:xfrm>
+          <a:prstGeom prst="rect">
+            <a:avLst/>
+          </a:prstGeom>
+        </p:spPr>
+      </p:pic>
+    </p:spTree>
+    <p:extLst>
+      <p:ext uri="{BB962C8B-B14F-4D97-AF65-F5344CB8AC3E}">
+        <p14:creationId xmlns:p14="http://schemas.microsoft.com/office/powerpoint/2010/main" val="1826181963"/>
+      </p:ext>
+    </p:extLst>
+  </p:cSld>
+  <p:clrMapOvr>
+    <a:masterClrMapping/>
+  </p:clrMapOvr>
+</p:sld>
+</file>
+
+<file path=ppt/slides/slide15.xml><?xml version="1.0" encoding="utf-8"?>
+<p:sld xmlns:a="http://schemas.openxmlformats.org/drawingml/2006/main" xmlns:r="http://schemas.openxmlformats.org/officeDocument/2006/relationships" xmlns:p="http://schemas.openxmlformats.org/presentationml/2006/main">
+  <p:cSld>
+    <p:spTree>
+      <p:nvGrpSpPr>
+        <p:cNvPr id="1" name=""/>
+        <p:cNvGrpSpPr/>
+        <p:nvPr/>
+      </p:nvGrpSpPr>
+      <p:grpSpPr>
+        <a:xfrm>
+          <a:off x="0" y="0"/>
+          <a:ext cx="0" cy="0"/>
+          <a:chOff x="0" y="0"/>
+          <a:chExt cx="0" cy="0"/>
+        </a:xfrm>
+      </p:grpSpPr>
+      <p:sp>
+        <p:nvSpPr>
+          <p:cNvPr id="2" name="Cím 1">
+            <a:extLst>
+              <a:ext uri="{FF2B5EF4-FFF2-40B4-BE49-F238E27FC236}">
+                <a16:creationId xmlns:a16="http://schemas.microsoft.com/office/drawing/2014/main" id="{AA34CEF9-0658-C6A8-5829-90D8E35B2C87}"/>
+              </a:ext>
+            </a:extLst>
+          </p:cNvPr>
+          <p:cNvSpPr>
+            <a:spLocks noGrp="1"/>
+          </p:cNvSpPr>
+          <p:nvPr>
+            <p:ph type="title"/>
+          </p:nvPr>
+        </p:nvSpPr>
+        <p:spPr/>
+        <p:txBody>
+          <a:bodyPr/>
+          <a:lstStyle/>
+          <a:p>
+            <a:r>
+              <a:rPr lang="hu-HU" dirty="0"/>
+              <a:t>Adatbázis terv</a:t>
+            </a:r>
+            <a:br>
+              <a:rPr lang="hu-HU" dirty="0"/>
+            </a:br>
+            <a:r>
+              <a:rPr lang="hu-HU" sz="2800" dirty="0"/>
+              <a:t>(8. sprint)</a:t>
+            </a:r>
+            <a:endParaRPr lang="hu-HU" dirty="0"/>
+          </a:p>
+        </p:txBody>
+      </p:sp>
+      <p:sp>
+        <p:nvSpPr>
+          <p:cNvPr id="3" name="Tartalom helye 2">
+            <a:extLst>
+              <a:ext uri="{FF2B5EF4-FFF2-40B4-BE49-F238E27FC236}">
+                <a16:creationId xmlns:a16="http://schemas.microsoft.com/office/drawing/2014/main" id="{ECEABDAB-2AE3-4719-DFB8-4E089DB44717}"/>
+              </a:ext>
+            </a:extLst>
+          </p:cNvPr>
+          <p:cNvSpPr>
+            <a:spLocks noGrp="1"/>
+          </p:cNvSpPr>
+          <p:nvPr>
+            <p:ph idx="1"/>
+          </p:nvPr>
+        </p:nvSpPr>
+        <p:spPr/>
+        <p:txBody>
+          <a:bodyPr/>
+          <a:lstStyle/>
+          <a:p>
+            <a:pPr>
+              <a:lnSpc>
+                <a:spcPct val="200000"/>
+              </a:lnSpc>
+            </a:pPr>
+            <a:r>
+              <a:rPr lang="hu-HU" dirty="0"/>
+              <a:t>Táblák</a:t>
+            </a:r>
+          </a:p>
+          <a:p>
+            <a:pPr>
+              <a:lnSpc>
+                <a:spcPct val="200000"/>
+              </a:lnSpc>
+            </a:pPr>
+            <a:r>
+              <a:rPr lang="hu-HU" dirty="0"/>
+              <a:t>Egyed-kapcsolat</a:t>
+            </a:r>
+          </a:p>
+          <a:p>
+            <a:pPr>
+              <a:lnSpc>
+                <a:spcPct val="200000"/>
+              </a:lnSpc>
+            </a:pPr>
+            <a:r>
+              <a:rPr lang="hu-HU" dirty="0"/>
+              <a:t>Adatmodell</a:t>
+            </a:r>
+          </a:p>
+        </p:txBody>
+      </p:sp>
+    </p:spTree>
+    <p:extLst>
+      <p:ext uri="{BB962C8B-B14F-4D97-AF65-F5344CB8AC3E}">
+        <p14:creationId xmlns:p14="http://schemas.microsoft.com/office/powerpoint/2010/main" val="3677927701"/>
+      </p:ext>
+    </p:extLst>
+  </p:cSld>
+  <p:clrMapOvr>
+    <a:masterClrMapping/>
+  </p:clrMapOvr>
+</p:sld>
+</file>
+
+<file path=ppt/slides/slide16.xml><?xml version="1.0" encoding="utf-8"?>
+<p:sld xmlns:a="http://schemas.openxmlformats.org/drawingml/2006/main" xmlns:r="http://schemas.openxmlformats.org/officeDocument/2006/relationships" xmlns:p="http://schemas.openxmlformats.org/presentationml/2006/main">
+  <p:cSld>
+    <p:bg>
+      <p:bgPr>
+        <a:solidFill>
+          <a:schemeClr val="bg1"/>
+        </a:solidFill>
+        <a:effectLst/>
+      </p:bgPr>
+    </p:bg>
+    <p:spTree>
+      <p:nvGrpSpPr>
+        <p:cNvPr id="1" name=""/>
+        <p:cNvGrpSpPr/>
+        <p:nvPr/>
+      </p:nvGrpSpPr>
+      <p:grpSpPr>
+        <a:xfrm>
+          <a:off x="0" y="0"/>
+          <a:ext cx="0" cy="0"/>
+          <a:chOff x="0" y="0"/>
+          <a:chExt cx="0" cy="0"/>
+        </a:xfrm>
+      </p:grpSpPr>
+      <p:grpSp>
+        <p:nvGrpSpPr>
+          <p:cNvPr id="38" name="Group 10">
+            <a:extLst>
+              <a:ext uri="{FF2B5EF4-FFF2-40B4-BE49-F238E27FC236}">
+                <a16:creationId xmlns:a16="http://schemas.microsoft.com/office/drawing/2014/main" id="{DDE8DE2B-61C1-46D5-BEB8-521321C182C4}"/>
+              </a:ext>
+              <a:ext uri="{C183D7F6-B498-43B3-948B-1728B52AA6E4}">
+                <adec:decorative xmlns:adec="http://schemas.microsoft.com/office/drawing/2017/decorative" val="1"/>
+              </a:ext>
+            </a:extLst>
+          </p:cNvPr>
+          <p:cNvGrpSpPr>
+            <a:grpSpLocks noGrp="1" noUngrp="1" noRot="1" noChangeAspect="1" noMove="1" noResize="1"/>
+          </p:cNvGrpSpPr>
+          <p:nvPr>
+            <p:extLst>
+              <p:ext uri="{386F3935-93C4-4BCD-93E2-E3B085C9AB24}">
+                <p16:designElem xmlns:p16="http://schemas.microsoft.com/office/powerpoint/2015/main" val="1"/>
+              </p:ext>
+            </p:extLst>
+          </p:nvPr>
+        </p:nvGrpSpPr>
+        <p:grpSpPr>
+          <a:xfrm>
+            <a:off x="0" y="-8467"/>
+            <a:ext cx="12192000" cy="6866467"/>
+            <a:chOff x="0" y="-8467"/>
+            <a:chExt cx="12192000" cy="6866467"/>
+          </a:xfrm>
+        </p:grpSpPr>
+        <p:cxnSp>
+          <p:nvCxnSpPr>
+            <p:cNvPr id="12" name="Straight Connector 11">
+              <a:extLst>
+                <a:ext uri="{FF2B5EF4-FFF2-40B4-BE49-F238E27FC236}">
+                  <a16:creationId xmlns:a16="http://schemas.microsoft.com/office/drawing/2014/main" id="{E012C92A-B902-4B69-BDCF-CCA3021FCB47}"/>
+                </a:ext>
+                <a:ext uri="{C183D7F6-B498-43B3-948B-1728B52AA6E4}">
+                  <adec:decorative xmlns:adec="http://schemas.microsoft.com/office/drawing/2017/decorative" val="1"/>
+                </a:ext>
+              </a:extLst>
+            </p:cNvPr>
+            <p:cNvCxnSpPr/>
+            <p:nvPr>
+              <p:extLst>
+                <p:ext uri="{386F3935-93C4-4BCD-93E2-E3B085C9AB24}">
+                  <p16:designElem xmlns:p16="http://schemas.microsoft.com/office/powerpoint/2015/main" val="1"/>
+                </p:ext>
+              </p:extLst>
+            </p:nvPr>
+          </p:nvCxnSpPr>
+          <p:spPr>
+            <a:xfrm>
+              <a:off x="9371012" y="0"/>
+              <a:ext cx="1219200" cy="6858000"/>
+            </a:xfrm>
+            <a:prstGeom prst="line">
+              <a:avLst/>
+            </a:prstGeom>
+            <a:ln w="9525">
+              <a:solidFill>
+                <a:schemeClr val="bg1">
+                  <a:lumMod val="75000"/>
+                </a:schemeClr>
+              </a:solidFill>
+            </a:ln>
+          </p:spPr>
+          <p:style>
+            <a:lnRef idx="2">
+              <a:schemeClr val="accent1"/>
+            </a:lnRef>
+            <a:fillRef idx="0">
+              <a:schemeClr val="accent1"/>
+            </a:fillRef>
+            <a:effectRef idx="1">
+              <a:schemeClr val="accent1"/>
+            </a:effectRef>
+            <a:fontRef idx="minor">
+              <a:schemeClr val="tx1"/>
+            </a:fontRef>
+          </p:style>
+        </p:cxnSp>
+        <p:cxnSp>
+          <p:nvCxnSpPr>
+            <p:cNvPr id="13" name="Straight Connector 12">
+              <a:extLst>
+                <a:ext uri="{FF2B5EF4-FFF2-40B4-BE49-F238E27FC236}">
+                  <a16:creationId xmlns:a16="http://schemas.microsoft.com/office/drawing/2014/main" id="{A2BDBC14-42A0-4182-BFBA-0751F6350CB3}"/>
+                </a:ext>
+                <a:ext uri="{C183D7F6-B498-43B3-948B-1728B52AA6E4}">
+                  <adec:decorative xmlns:adec="http://schemas.microsoft.com/office/drawing/2017/decorative" val="1"/>
+                </a:ext>
+              </a:extLst>
+            </p:cNvPr>
+            <p:cNvCxnSpPr/>
+            <p:nvPr>
+              <p:extLst>
+                <p:ext uri="{386F3935-93C4-4BCD-93E2-E3B085C9AB24}">
+                  <p16:designElem xmlns:p16="http://schemas.microsoft.com/office/powerpoint/2015/main" val="1"/>
+                </p:ext>
+              </p:extLst>
+            </p:nvPr>
+          </p:nvCxnSpPr>
+          <p:spPr>
+            <a:xfrm flipH="1">
+              <a:off x="7425267" y="3681413"/>
+              <a:ext cx="4763558" cy="3176587"/>
+            </a:xfrm>
+            <a:prstGeom prst="line">
+              <a:avLst/>
+            </a:prstGeom>
+            <a:ln w="9525">
+              <a:solidFill>
+                <a:schemeClr val="bg1">
+                  <a:lumMod val="85000"/>
+                </a:schemeClr>
+              </a:solidFill>
+            </a:ln>
+          </p:spPr>
+          <p:style>
+            <a:lnRef idx="2">
+              <a:schemeClr val="accent1"/>
+            </a:lnRef>
+            <a:fillRef idx="0">
+              <a:schemeClr val="accent1"/>
+            </a:fillRef>
+            <a:effectRef idx="1">
+              <a:schemeClr val="accent1"/>
+            </a:effectRef>
+            <a:fontRef idx="minor">
+              <a:schemeClr val="tx1"/>
+            </a:fontRef>
+          </p:style>
+        </p:cxnSp>
+        <p:sp>
+          <p:nvSpPr>
+            <p:cNvPr id="14" name="Rectangle 23">
+              <a:extLst>
+                <a:ext uri="{FF2B5EF4-FFF2-40B4-BE49-F238E27FC236}">
+                  <a16:creationId xmlns:a16="http://schemas.microsoft.com/office/drawing/2014/main" id="{902DC474-5BCC-4188-ACDC-AD63E6B187EC}"/>
+                </a:ext>
+                <a:ext uri="{C183D7F6-B498-43B3-948B-1728B52AA6E4}">
+                  <adec:decorative xmlns:adec="http://schemas.microsoft.com/office/drawing/2017/decorative" val="1"/>
+                </a:ext>
+              </a:extLst>
+            </p:cNvPr>
+            <p:cNvSpPr/>
+            <p:nvPr>
+              <p:extLst>
+                <p:ext uri="{386F3935-93C4-4BCD-93E2-E3B085C9AB24}">
+                  <p16:designElem xmlns:p16="http://schemas.microsoft.com/office/powerpoint/2015/main" val="1"/>
+                </p:ext>
+              </p:extLst>
+            </p:nvPr>
+          </p:nvSpPr>
+          <p:spPr>
+            <a:xfrm>
+              <a:off x="9181476" y="-8467"/>
+              <a:ext cx="3007349" cy="6866467"/>
+            </a:xfrm>
+            <a:custGeom>
+              <a:avLst/>
+              <a:gdLst/>
+              <a:ahLst/>
+              <a:cxnLst/>
+              <a:rect l="l" t="t" r="r" b="b"/>
+              <a:pathLst>
+                <a:path w="3007349" h="6866467">
+                  <a:moveTo>
+                    <a:pt x="2045532" y="0"/>
+                  </a:moveTo>
+                  <a:lnTo>
+                    <a:pt x="3007349" y="0"/>
+                  </a:lnTo>
+                  <a:lnTo>
+                    <a:pt x="3007349" y="6866467"/>
+                  </a:lnTo>
+                  <a:lnTo>
+                    <a:pt x="0" y="6866467"/>
+                  </a:lnTo>
+                  <a:lnTo>
+                    <a:pt x="2045532" y="0"/>
+                  </a:lnTo>
+                  <a:close/>
+                </a:path>
+              </a:pathLst>
+            </a:custGeom>
+            <a:solidFill>
+              <a:schemeClr val="accent1">
+                <a:alpha val="30000"/>
+              </a:schemeClr>
+            </a:solidFill>
+            <a:ln>
+              <a:noFill/>
+            </a:ln>
+            <a:effectLst/>
+          </p:spPr>
+          <p:style>
+            <a:lnRef idx="1">
+              <a:schemeClr val="accent1"/>
+            </a:lnRef>
+            <a:fillRef idx="3">
+              <a:schemeClr val="accent1"/>
+            </a:fillRef>
+            <a:effectRef idx="2">
+              <a:schemeClr val="accent1"/>
+            </a:effectRef>
+            <a:fontRef idx="minor">
+              <a:schemeClr val="lt1"/>
+            </a:fontRef>
+          </p:style>
+        </p:sp>
+        <p:sp>
+          <p:nvSpPr>
+            <p:cNvPr id="15" name="Rectangle 25">
+              <a:extLst>
+                <a:ext uri="{FF2B5EF4-FFF2-40B4-BE49-F238E27FC236}">
+                  <a16:creationId xmlns:a16="http://schemas.microsoft.com/office/drawing/2014/main" id="{7B427019-8592-4032-931B-4F27104C9DE2}"/>
+                </a:ext>
+                <a:ext uri="{C183D7F6-B498-43B3-948B-1728B52AA6E4}">
+                  <adec:decorative xmlns:adec="http://schemas.microsoft.com/office/drawing/2017/decorative" val="1"/>
+                </a:ext>
+              </a:extLst>
+            </p:cNvPr>
+            <p:cNvSpPr/>
+            <p:nvPr>
+              <p:extLst>
+                <p:ext uri="{386F3935-93C4-4BCD-93E2-E3B085C9AB24}">
+                  <p16:designElem xmlns:p16="http://schemas.microsoft.com/office/powerpoint/2015/main" val="1"/>
+                </p:ext>
+              </p:extLst>
+            </p:nvPr>
+          </p:nvSpPr>
+          <p:spPr>
+            <a:xfrm>
+              <a:off x="9603442" y="-8467"/>
+              <a:ext cx="2588558" cy="6866467"/>
+            </a:xfrm>
+            <a:custGeom>
+              <a:avLst/>
+              <a:gdLst/>
+              <a:ahLst/>
+              <a:cxnLst/>
+              <a:rect l="l" t="t" r="r" b="b"/>
+              <a:pathLst>
+                <a:path w="2573311" h="6866467">
+                  <a:moveTo>
+                    <a:pt x="0" y="0"/>
+                  </a:moveTo>
+                  <a:lnTo>
+                    <a:pt x="2573311" y="0"/>
+                  </a:lnTo>
+                  <a:lnTo>
+                    <a:pt x="2573311" y="6866467"/>
+                  </a:lnTo>
+                  <a:lnTo>
+                    <a:pt x="1202336" y="6866467"/>
+                  </a:lnTo>
+                  <a:lnTo>
+                    <a:pt x="0" y="0"/>
+                  </a:lnTo>
+                  <a:close/>
+                </a:path>
+              </a:pathLst>
+            </a:custGeom>
+            <a:solidFill>
+              <a:schemeClr val="accent1">
+                <a:alpha val="20000"/>
+              </a:schemeClr>
+            </a:solidFill>
+            <a:ln>
+              <a:noFill/>
+            </a:ln>
+            <a:effectLst/>
+          </p:spPr>
+          <p:style>
+            <a:lnRef idx="1">
+              <a:schemeClr val="accent1"/>
+            </a:lnRef>
+            <a:fillRef idx="3">
+              <a:schemeClr val="accent1"/>
+            </a:fillRef>
+            <a:effectRef idx="2">
+              <a:schemeClr val="accent1"/>
+            </a:effectRef>
+            <a:fontRef idx="minor">
+              <a:schemeClr val="lt1"/>
+            </a:fontRef>
+          </p:style>
+        </p:sp>
+        <p:sp>
+          <p:nvSpPr>
+            <p:cNvPr id="16" name="Isosceles Triangle 15">
+              <a:extLst>
+                <a:ext uri="{FF2B5EF4-FFF2-40B4-BE49-F238E27FC236}">
+                  <a16:creationId xmlns:a16="http://schemas.microsoft.com/office/drawing/2014/main" id="{1D6E2CEA-A5BB-4CF7-B907-AE4DBF6748EB}"/>
+                </a:ext>
+                <a:ext uri="{C183D7F6-B498-43B3-948B-1728B52AA6E4}">
+                  <adec:decorative xmlns:adec="http://schemas.microsoft.com/office/drawing/2017/decorative" val="1"/>
+                </a:ext>
+              </a:extLst>
+            </p:cNvPr>
+            <p:cNvSpPr/>
+            <p:nvPr>
+              <p:extLst>
+                <p:ext uri="{386F3935-93C4-4BCD-93E2-E3B085C9AB24}">
+                  <p16:designElem xmlns:p16="http://schemas.microsoft.com/office/powerpoint/2015/main" val="1"/>
+                </p:ext>
+              </p:extLst>
+            </p:nvPr>
+          </p:nvSpPr>
+          <p:spPr>
+            <a:xfrm>
+              <a:off x="8932333" y="3048000"/>
+              <a:ext cx="3259667" cy="3810000"/>
+            </a:xfrm>
+            <a:prstGeom prst="triangle">
+              <a:avLst>
+                <a:gd name="adj" fmla="val 100000"/>
+              </a:avLst>
+            </a:prstGeom>
+            <a:solidFill>
+              <a:schemeClr val="accent2">
+                <a:alpha val="72000"/>
+              </a:schemeClr>
+            </a:solidFill>
+            <a:ln>
+              <a:noFill/>
+            </a:ln>
+            <a:effectLst/>
+          </p:spPr>
+          <p:style>
+            <a:lnRef idx="1">
+              <a:schemeClr val="accent1"/>
+            </a:lnRef>
+            <a:fillRef idx="3">
+              <a:schemeClr val="accent1"/>
+            </a:fillRef>
+            <a:effectRef idx="2">
+              <a:schemeClr val="accent1"/>
+            </a:effectRef>
+            <a:fontRef idx="minor">
+              <a:schemeClr val="lt1"/>
+            </a:fontRef>
+          </p:style>
+        </p:sp>
+        <p:sp>
+          <p:nvSpPr>
+            <p:cNvPr id="17" name="Rectangle 27">
+              <a:extLst>
+                <a:ext uri="{FF2B5EF4-FFF2-40B4-BE49-F238E27FC236}">
+                  <a16:creationId xmlns:a16="http://schemas.microsoft.com/office/drawing/2014/main" id="{78D09D5A-29CC-4B32-9CE1-72E607558A6C}"/>
+                </a:ext>
+                <a:ext uri="{C183D7F6-B498-43B3-948B-1728B52AA6E4}">
+                  <adec:decorative xmlns:adec="http://schemas.microsoft.com/office/drawing/2017/decorative" val="1"/>
+                </a:ext>
+              </a:extLst>
+            </p:cNvPr>
+            <p:cNvSpPr/>
+            <p:nvPr>
+              <p:extLst>
+                <p:ext uri="{386F3935-93C4-4BCD-93E2-E3B085C9AB24}">
+                  <p16:designElem xmlns:p16="http://schemas.microsoft.com/office/powerpoint/2015/main" val="1"/>
+                </p:ext>
+              </p:extLst>
+            </p:nvPr>
+          </p:nvSpPr>
+          <p:spPr>
+            <a:xfrm>
+              <a:off x="9334500" y="-8467"/>
+              <a:ext cx="2854326" cy="6866467"/>
+            </a:xfrm>
+            <a:custGeom>
+              <a:avLst/>
+              <a:gdLst/>
+              <a:ahLst/>
+              <a:cxnLst/>
+              <a:rect l="l" t="t" r="r" b="b"/>
+              <a:pathLst>
+                <a:path w="2858013" h="6866467">
+                  <a:moveTo>
+                    <a:pt x="0" y="0"/>
+                  </a:moveTo>
+                  <a:lnTo>
+                    <a:pt x="2858013" y="0"/>
+                  </a:lnTo>
+                  <a:lnTo>
+                    <a:pt x="2858013" y="6866467"/>
+                  </a:lnTo>
+                  <a:lnTo>
+                    <a:pt x="2473942" y="6866467"/>
+                  </a:lnTo>
+                  <a:lnTo>
+                    <a:pt x="0" y="0"/>
+                  </a:lnTo>
+                  <a:close/>
+                </a:path>
+              </a:pathLst>
+            </a:custGeom>
+            <a:solidFill>
+              <a:schemeClr val="accent2">
+                <a:lumMod val="75000"/>
+                <a:alpha val="70000"/>
+              </a:schemeClr>
+            </a:solidFill>
+            <a:ln>
+              <a:noFill/>
+            </a:ln>
+            <a:effectLst/>
+          </p:spPr>
+          <p:style>
+            <a:lnRef idx="1">
+              <a:schemeClr val="accent1"/>
+            </a:lnRef>
+            <a:fillRef idx="3">
+              <a:schemeClr val="accent1"/>
+            </a:fillRef>
+            <a:effectRef idx="2">
+              <a:schemeClr val="accent1"/>
+            </a:effectRef>
+            <a:fontRef idx="minor">
+              <a:schemeClr val="lt1"/>
+            </a:fontRef>
+          </p:style>
+        </p:sp>
+        <p:sp>
+          <p:nvSpPr>
+            <p:cNvPr id="18" name="Rectangle 28">
+              <a:extLst>
+                <a:ext uri="{FF2B5EF4-FFF2-40B4-BE49-F238E27FC236}">
+                  <a16:creationId xmlns:a16="http://schemas.microsoft.com/office/drawing/2014/main" id="{6DF3A3FC-950B-40B0-923D-0F0BC1A54204}"/>
+                </a:ext>
+                <a:ext uri="{C183D7F6-B498-43B3-948B-1728B52AA6E4}">
+                  <adec:decorative xmlns:adec="http://schemas.microsoft.com/office/drawing/2017/decorative" val="1"/>
+                </a:ext>
+              </a:extLst>
+            </p:cNvPr>
+            <p:cNvSpPr/>
+            <p:nvPr>
+              <p:extLst>
+                <p:ext uri="{386F3935-93C4-4BCD-93E2-E3B085C9AB24}">
+                  <p16:designElem xmlns:p16="http://schemas.microsoft.com/office/powerpoint/2015/main" val="1"/>
+                </p:ext>
+              </p:extLst>
+            </p:nvPr>
+          </p:nvSpPr>
+          <p:spPr>
+            <a:xfrm>
+              <a:off x="10898730" y="-8467"/>
+              <a:ext cx="1290094" cy="6866467"/>
+            </a:xfrm>
+            <a:custGeom>
+              <a:avLst/>
+              <a:gdLst/>
+              <a:ahLst/>
+              <a:cxnLst/>
+              <a:rect l="l" t="t" r="r" b="b"/>
+              <a:pathLst>
+                <a:path w="1290094" h="6858000">
+                  <a:moveTo>
+                    <a:pt x="1019735" y="0"/>
+                  </a:moveTo>
+                  <a:lnTo>
+                    <a:pt x="1290094" y="0"/>
+                  </a:lnTo>
+                  <a:lnTo>
+                    <a:pt x="1290094" y="6858000"/>
+                  </a:lnTo>
+                  <a:lnTo>
+                    <a:pt x="0" y="6858000"/>
+                  </a:lnTo>
+                  <a:lnTo>
+                    <a:pt x="1019735" y="0"/>
+                  </a:lnTo>
+                  <a:close/>
+                </a:path>
+              </a:pathLst>
+            </a:custGeom>
+            <a:solidFill>
+              <a:schemeClr val="accent1">
+                <a:lumMod val="60000"/>
+                <a:lumOff val="40000"/>
+                <a:alpha val="70000"/>
+              </a:schemeClr>
+            </a:solidFill>
+            <a:ln>
+              <a:noFill/>
+            </a:ln>
+            <a:effectLst/>
+          </p:spPr>
+          <p:style>
+            <a:lnRef idx="1">
+              <a:schemeClr val="accent1"/>
+            </a:lnRef>
+            <a:fillRef idx="3">
+              <a:schemeClr val="accent1"/>
+            </a:fillRef>
+            <a:effectRef idx="2">
+              <a:schemeClr val="accent1"/>
+            </a:effectRef>
+            <a:fontRef idx="minor">
+              <a:schemeClr val="lt1"/>
+            </a:fontRef>
+          </p:style>
+        </p:sp>
+        <p:sp>
+          <p:nvSpPr>
+            <p:cNvPr id="19" name="Rectangle 29">
+              <a:extLst>
+                <a:ext uri="{FF2B5EF4-FFF2-40B4-BE49-F238E27FC236}">
+                  <a16:creationId xmlns:a16="http://schemas.microsoft.com/office/drawing/2014/main" id="{BCA0F2E1-CD3D-4521-9CCB-41A5CC6C543E}"/>
+                </a:ext>
+                <a:ext uri="{C183D7F6-B498-43B3-948B-1728B52AA6E4}">
+                  <adec:decorative xmlns:adec="http://schemas.microsoft.com/office/drawing/2017/decorative" val="1"/>
+                </a:ext>
+              </a:extLst>
+            </p:cNvPr>
+            <p:cNvSpPr/>
+            <p:nvPr>
+              <p:extLst>
+                <p:ext uri="{386F3935-93C4-4BCD-93E2-E3B085C9AB24}">
+                  <p16:designElem xmlns:p16="http://schemas.microsoft.com/office/powerpoint/2015/main" val="1"/>
+                </p:ext>
+              </p:extLst>
+            </p:nvPr>
+          </p:nvSpPr>
+          <p:spPr>
+            <a:xfrm>
+              <a:off x="10938999" y="-8467"/>
+              <a:ext cx="1249825" cy="6866467"/>
+            </a:xfrm>
+            <a:custGeom>
+              <a:avLst/>
+              <a:gdLst/>
+              <a:ahLst/>
+              <a:cxnLst/>
+              <a:rect l="l" t="t" r="r" b="b"/>
+              <a:pathLst>
+                <a:path w="1249825" h="6858000">
+                  <a:moveTo>
+                    <a:pt x="0" y="0"/>
+                  </a:moveTo>
+                  <a:lnTo>
+                    <a:pt x="1249825" y="0"/>
+                  </a:lnTo>
+                  <a:lnTo>
+                    <a:pt x="1249825" y="6858000"/>
+                  </a:lnTo>
+                  <a:lnTo>
+                    <a:pt x="1109382" y="6858000"/>
+                  </a:lnTo>
+                  <a:lnTo>
+                    <a:pt x="0" y="0"/>
+                  </a:lnTo>
+                  <a:close/>
+                </a:path>
+              </a:pathLst>
+            </a:custGeom>
+            <a:solidFill>
+              <a:schemeClr val="accent1">
+                <a:alpha val="65000"/>
+              </a:schemeClr>
+            </a:solidFill>
+            <a:ln>
+              <a:noFill/>
+            </a:ln>
+            <a:effectLst/>
+          </p:spPr>
+          <p:style>
+            <a:lnRef idx="1">
+              <a:schemeClr val="accent1"/>
+            </a:lnRef>
+            <a:fillRef idx="3">
+              <a:schemeClr val="accent1"/>
+            </a:fillRef>
+            <a:effectRef idx="2">
+              <a:schemeClr val="accent1"/>
+            </a:effectRef>
+            <a:fontRef idx="minor">
+              <a:schemeClr val="lt1"/>
+            </a:fontRef>
+          </p:style>
+        </p:sp>
+        <p:sp>
+          <p:nvSpPr>
+            <p:cNvPr id="20" name="Isosceles Triangle 19">
+              <a:extLst>
+                <a:ext uri="{FF2B5EF4-FFF2-40B4-BE49-F238E27FC236}">
+                  <a16:creationId xmlns:a16="http://schemas.microsoft.com/office/drawing/2014/main" id="{9BA4F16A-21DC-462A-AD37-0A93C8B79E1E}"/>
+                </a:ext>
+                <a:ext uri="{C183D7F6-B498-43B3-948B-1728B52AA6E4}">
+                  <adec:decorative xmlns:adec="http://schemas.microsoft.com/office/drawing/2017/decorative" val="1"/>
+                </a:ext>
+              </a:extLst>
+            </p:cNvPr>
+            <p:cNvSpPr/>
+            <p:nvPr>
+              <p:extLst>
+                <p:ext uri="{386F3935-93C4-4BCD-93E2-E3B085C9AB24}">
+                  <p16:designElem xmlns:p16="http://schemas.microsoft.com/office/powerpoint/2015/main" val="1"/>
+                </p:ext>
+              </p:extLst>
+            </p:nvPr>
+          </p:nvSpPr>
+          <p:spPr>
+            <a:xfrm>
+              <a:off x="10371666" y="3589867"/>
+              <a:ext cx="1817159" cy="3268133"/>
+            </a:xfrm>
+            <a:prstGeom prst="triangle">
+              <a:avLst>
+                <a:gd name="adj" fmla="val 100000"/>
+              </a:avLst>
+            </a:prstGeom>
+            <a:solidFill>
+              <a:schemeClr val="accent1">
+                <a:alpha val="80000"/>
+              </a:schemeClr>
+            </a:solidFill>
+            <a:ln>
+              <a:noFill/>
+            </a:ln>
+            <a:effectLst/>
+          </p:spPr>
+          <p:style>
+            <a:lnRef idx="1">
+              <a:schemeClr val="accent1"/>
+            </a:lnRef>
+            <a:fillRef idx="3">
+              <a:schemeClr val="accent1"/>
+            </a:fillRef>
+            <a:effectRef idx="2">
+              <a:schemeClr val="accent1"/>
+            </a:effectRef>
+            <a:fontRef idx="minor">
+              <a:schemeClr val="lt1"/>
+            </a:fontRef>
+          </p:style>
+        </p:sp>
+        <p:sp>
+          <p:nvSpPr>
+            <p:cNvPr id="21" name="Isosceles Triangle 20">
+              <a:extLst>
+                <a:ext uri="{FF2B5EF4-FFF2-40B4-BE49-F238E27FC236}">
+                  <a16:creationId xmlns:a16="http://schemas.microsoft.com/office/drawing/2014/main" id="{FB75EBDD-038D-4572-A372-114938295706}"/>
+                </a:ext>
+                <a:ext uri="{C183D7F6-B498-43B3-948B-1728B52AA6E4}">
+                  <adec:decorative xmlns:adec="http://schemas.microsoft.com/office/drawing/2017/decorative" val="1"/>
+                </a:ext>
+              </a:extLst>
+            </p:cNvPr>
+            <p:cNvSpPr/>
+            <p:nvPr>
+              <p:extLst>
+                <p:ext uri="{386F3935-93C4-4BCD-93E2-E3B085C9AB24}">
+                  <p16:designElem xmlns:p16="http://schemas.microsoft.com/office/powerpoint/2015/main" val="1"/>
+                </p:ext>
+              </p:extLst>
+            </p:nvPr>
+          </p:nvSpPr>
+          <p:spPr>
+            <a:xfrm>
+              <a:off x="0" y="4013200"/>
+              <a:ext cx="448733" cy="2844800"/>
+            </a:xfrm>
+            <a:prstGeom prst="triangle">
+              <a:avLst>
+                <a:gd name="adj" fmla="val 0"/>
+              </a:avLst>
+            </a:prstGeom>
+            <a:solidFill>
+              <a:schemeClr val="accent1">
+                <a:alpha val="85000"/>
+              </a:schemeClr>
+            </a:solidFill>
+            <a:ln>
+              <a:noFill/>
+            </a:ln>
+            <a:effectLst/>
+          </p:spPr>
+          <p:style>
+            <a:lnRef idx="1">
+              <a:schemeClr val="accent1"/>
+            </a:lnRef>
+            <a:fillRef idx="3">
+              <a:schemeClr val="accent1"/>
+            </a:fillRef>
+            <a:effectRef idx="2">
+              <a:schemeClr val="accent1"/>
+            </a:effectRef>
+            <a:fontRef idx="minor">
+              <a:schemeClr val="lt1"/>
+            </a:fontRef>
+          </p:style>
+        </p:sp>
+      </p:grpSp>
+      <p:pic>
+        <p:nvPicPr>
+          <p:cNvPr id="6" name="Kép 5">
+            <a:extLst>
+              <a:ext uri="{FF2B5EF4-FFF2-40B4-BE49-F238E27FC236}">
+                <a16:creationId xmlns:a16="http://schemas.microsoft.com/office/drawing/2014/main" id="{CF2C9AD9-B253-AC2F-C141-54A4AE29EC2E}"/>
+              </a:ext>
+            </a:extLst>
+          </p:cNvPr>
+          <p:cNvPicPr>
+            <a:picLocks noChangeAspect="1"/>
+          </p:cNvPicPr>
+          <p:nvPr/>
+        </p:nvPicPr>
+        <p:blipFill rotWithShape="1">
+          <a:blip r:embed="rId3"/>
+          <a:srcRect t="7859"/>
+          <a:stretch/>
+        </p:blipFill>
+        <p:spPr>
+          <a:xfrm>
+            <a:off x="20" y="10"/>
+            <a:ext cx="12191980" cy="6857990"/>
+          </a:xfrm>
+          <a:prstGeom prst="rect">
+            <a:avLst/>
+          </a:prstGeom>
+        </p:spPr>
+      </p:pic>
+      <p:sp>
+        <p:nvSpPr>
+          <p:cNvPr id="39" name="Freeform: Shape 22">
+            <a:extLst>
+              <a:ext uri="{FF2B5EF4-FFF2-40B4-BE49-F238E27FC236}">
+                <a16:creationId xmlns:a16="http://schemas.microsoft.com/office/drawing/2014/main" id="{85C2136B-77EC-41E9-BDB6-58A4AE1429B7}"/>
+              </a:ext>
+              <a:ext uri="{C183D7F6-B498-43B3-948B-1728B52AA6E4}">
+                <adec:decorative xmlns:adec="http://schemas.microsoft.com/office/drawing/2017/decorative" val="1"/>
+              </a:ext>
+            </a:extLst>
+          </p:cNvPr>
+          <p:cNvSpPr>
+            <a:spLocks noGrp="1" noRot="1" noChangeAspect="1" noMove="1" noResize="1" noEditPoints="1" noAdjustHandles="1" noChangeArrowheads="1" noChangeShapeType="1" noTextEdit="1"/>
+          </p:cNvSpPr>
+          <p:nvPr>
+            <p:extLst>
+              <p:ext uri="{386F3935-93C4-4BCD-93E2-E3B085C9AB24}">
+                <p16:designElem xmlns:p16="http://schemas.microsoft.com/office/powerpoint/2015/main" val="1"/>
+              </p:ext>
+            </p:extLst>
+          </p:nvPr>
+        </p:nvSpPr>
+        <p:spPr>
+          <a:xfrm>
+            <a:off x="0" y="3733800"/>
+            <a:ext cx="762000" cy="3124200"/>
+          </a:xfrm>
+          <a:custGeom>
+            <a:avLst/>
+            <a:gdLst>
+              <a:gd name="connsiteX0" fmla="*/ 0 w 762000"/>
+              <a:gd name="connsiteY0" fmla="*/ 0 h 3124200"/>
+              <a:gd name="connsiteX1" fmla="*/ 762000 w 762000"/>
+              <a:gd name="connsiteY1" fmla="*/ 3124200 h 3124200"/>
+              <a:gd name="connsiteX2" fmla="*/ 0 w 762000"/>
+              <a:gd name="connsiteY2" fmla="*/ 3124200 h 3124200"/>
+            </a:gdLst>
+            <a:ahLst/>
+            <a:cxnLst>
+              <a:cxn ang="0">
+                <a:pos x="connsiteX0" y="connsiteY0"/>
+              </a:cxn>
+              <a:cxn ang="0">
+                <a:pos x="connsiteX1" y="connsiteY1"/>
+              </a:cxn>
+              <a:cxn ang="0">
+                <a:pos x="connsiteX2" y="connsiteY2"/>
+              </a:cxn>
+            </a:cxnLst>
+            <a:rect l="l" t="t" r="r" b="b"/>
+            <a:pathLst>
+              <a:path w="762000" h="3124200">
+                <a:moveTo>
+                  <a:pt x="0" y="0"/>
+                </a:moveTo>
+                <a:lnTo>
+                  <a:pt x="762000" y="3124200"/>
+                </a:lnTo>
+                <a:lnTo>
+                  <a:pt x="0" y="3124200"/>
+                </a:lnTo>
+                <a:close/>
+              </a:path>
+            </a:pathLst>
+          </a:custGeom>
+          <a:ln>
+            <a:noFill/>
+          </a:ln>
+        </p:spPr>
+        <p:style>
+          <a:lnRef idx="2">
+            <a:schemeClr val="accent1">
+              <a:shade val="50000"/>
+            </a:schemeClr>
+          </a:lnRef>
+          <a:fillRef idx="1">
+            <a:schemeClr val="accent1"/>
+          </a:fillRef>
+          <a:effectRef idx="0">
+            <a:schemeClr val="accent1"/>
+          </a:effectRef>
+          <a:fontRef idx="minor">
+            <a:schemeClr val="lt1"/>
+          </a:fontRef>
+        </p:style>
+        <p:txBody>
+          <a:bodyPr wrap="square" rtlCol="0" anchor="ctr">
+            <a:noAutofit/>
+          </a:bodyPr>
+          <a:lstStyle/>
+          <a:p>
+            <a:pPr algn="ctr"/>
+            <a:endParaRPr lang="en-US"/>
+          </a:p>
+        </p:txBody>
+      </p:sp>
+      <p:cxnSp>
+        <p:nvCxnSpPr>
+          <p:cNvPr id="40" name="Straight Connector 24">
+            <a:extLst>
+              <a:ext uri="{FF2B5EF4-FFF2-40B4-BE49-F238E27FC236}">
+                <a16:creationId xmlns:a16="http://schemas.microsoft.com/office/drawing/2014/main" id="{E55891F3-A5E2-4418-8950-25FA2B731209}"/>
+              </a:ext>
+              <a:ext uri="{C183D7F6-B498-43B3-948B-1728B52AA6E4}">
+                <adec:decorative xmlns:adec="http://schemas.microsoft.com/office/drawing/2017/decorative" val="1"/>
+              </a:ext>
+            </a:extLst>
+          </p:cNvPr>
+          <p:cNvCxnSpPr>
+            <a:cxnSpLocks noGrp="1" noRot="1" noChangeAspect="1" noMove="1" noResize="1" noEditPoints="1" noAdjustHandles="1" noChangeArrowheads="1" noChangeShapeType="1"/>
+          </p:cNvCxnSpPr>
+          <p:nvPr>
+            <p:extLst>
+              <p:ext uri="{386F3935-93C4-4BCD-93E2-E3B085C9AB24}">
+                <p16:designElem xmlns:p16="http://schemas.microsoft.com/office/powerpoint/2015/main" val="1"/>
+              </p:ext>
+            </p:extLst>
+          </p:nvPr>
+        </p:nvCxnSpPr>
+        <p:spPr>
+          <a:xfrm flipV="1">
+            <a:off x="9274002" y="4502552"/>
+            <a:ext cx="2917998" cy="2355448"/>
+          </a:xfrm>
+          <a:prstGeom prst="line">
+            <a:avLst/>
+          </a:prstGeom>
+          <a:ln>
+            <a:solidFill>
+              <a:schemeClr val="bg1"/>
+            </a:solidFill>
+          </a:ln>
+        </p:spPr>
+        <p:style>
+          <a:lnRef idx="1">
+            <a:schemeClr val="accent1"/>
+          </a:lnRef>
+          <a:fillRef idx="0">
+            <a:schemeClr val="accent1"/>
+          </a:fillRef>
+          <a:effectRef idx="0">
+            <a:schemeClr val="accent1"/>
+          </a:effectRef>
+          <a:fontRef idx="minor">
+            <a:schemeClr val="tx1"/>
+          </a:fontRef>
+        </p:style>
+      </p:cxnSp>
+      <p:cxnSp>
+        <p:nvCxnSpPr>
+          <p:cNvPr id="27" name="Straight Connector 26">
+            <a:extLst>
+              <a:ext uri="{FF2B5EF4-FFF2-40B4-BE49-F238E27FC236}">
+                <a16:creationId xmlns:a16="http://schemas.microsoft.com/office/drawing/2014/main" id="{FB1FCEB1-A7E1-417C-A7EF-AA30D5A0859F}"/>
+              </a:ext>
+              <a:ext uri="{C183D7F6-B498-43B3-948B-1728B52AA6E4}">
+                <adec:decorative xmlns:adec="http://schemas.microsoft.com/office/drawing/2017/decorative" val="1"/>
+              </a:ext>
+            </a:extLst>
+          </p:cNvPr>
+          <p:cNvCxnSpPr>
+            <a:cxnSpLocks noGrp="1" noRot="1" noChangeAspect="1" noMove="1" noResize="1" noEditPoints="1" noAdjustHandles="1" noChangeArrowheads="1" noChangeShapeType="1"/>
+          </p:cNvCxnSpPr>
+          <p:nvPr>
+            <p:extLst>
+              <p:ext uri="{386F3935-93C4-4BCD-93E2-E3B085C9AB24}">
+                <p16:designElem xmlns:p16="http://schemas.microsoft.com/office/powerpoint/2015/main" val="1"/>
+              </p:ext>
+            </p:extLst>
+          </p:nvPr>
+        </p:nvCxnSpPr>
+        <p:spPr>
+          <a:xfrm>
+            <a:off x="8953500" y="-16625"/>
+            <a:ext cx="2667482" cy="6874625"/>
+          </a:xfrm>
+          <a:prstGeom prst="line">
+            <a:avLst/>
+          </a:prstGeom>
+          <a:ln>
+            <a:solidFill>
+              <a:schemeClr val="bg1"/>
+            </a:solidFill>
+          </a:ln>
+        </p:spPr>
+        <p:style>
+          <a:lnRef idx="1">
+            <a:schemeClr val="accent1"/>
+          </a:lnRef>
+          <a:fillRef idx="0">
+            <a:schemeClr val="accent1"/>
+          </a:fillRef>
+          <a:effectRef idx="0">
+            <a:schemeClr val="accent1"/>
+          </a:effectRef>
+          <a:fontRef idx="minor">
+            <a:schemeClr val="tx1"/>
+          </a:fontRef>
+        </p:style>
+      </p:cxnSp>
+      <p:sp>
+        <p:nvSpPr>
+          <p:cNvPr id="29" name="Freeform: Shape 28">
+            <a:extLst>
+              <a:ext uri="{FF2B5EF4-FFF2-40B4-BE49-F238E27FC236}">
+                <a16:creationId xmlns:a16="http://schemas.microsoft.com/office/drawing/2014/main" id="{7FBCF2A6-1F18-4B68-B5D2-5B763ED4159A}"/>
+              </a:ext>
+              <a:ext uri="{C183D7F6-B498-43B3-948B-1728B52AA6E4}">
+                <adec:decorative xmlns:adec="http://schemas.microsoft.com/office/drawing/2017/decorative" val="1"/>
+              </a:ext>
+            </a:extLst>
+          </p:cNvPr>
+          <p:cNvSpPr>
+            <a:spLocks noGrp="1" noRot="1" noChangeAspect="1" noMove="1" noResize="1" noEditPoints="1" noAdjustHandles="1" noChangeArrowheads="1" noChangeShapeType="1" noTextEdit="1"/>
+          </p:cNvSpPr>
+          <p:nvPr>
+            <p:extLst>
+              <p:ext uri="{386F3935-93C4-4BCD-93E2-E3B085C9AB24}">
+                <p16:designElem xmlns:p16="http://schemas.microsoft.com/office/powerpoint/2015/main" val="1"/>
+              </p:ext>
+            </p:extLst>
+          </p:nvPr>
+        </p:nvSpPr>
+        <p:spPr>
+          <a:xfrm>
+            <a:off x="10922923" y="-16625"/>
+            <a:ext cx="1269077" cy="6874625"/>
+          </a:xfrm>
+          <a:custGeom>
+            <a:avLst/>
+            <a:gdLst>
+              <a:gd name="connsiteX0" fmla="*/ 714894 w 1269077"/>
+              <a:gd name="connsiteY0" fmla="*/ 0 h 6874625"/>
+              <a:gd name="connsiteX1" fmla="*/ 1269077 w 1269077"/>
+              <a:gd name="connsiteY1" fmla="*/ 16625 h 6874625"/>
+              <a:gd name="connsiteX2" fmla="*/ 1269077 w 1269077"/>
+              <a:gd name="connsiteY2" fmla="*/ 6874625 h 6874625"/>
+              <a:gd name="connsiteX3" fmla="*/ 0 w 1269077"/>
+              <a:gd name="connsiteY3" fmla="*/ 6874625 h 6874625"/>
+            </a:gdLst>
+            <a:ahLst/>
+            <a:cxnLst>
+              <a:cxn ang="0">
+                <a:pos x="connsiteX0" y="connsiteY0"/>
+              </a:cxn>
+              <a:cxn ang="0">
+                <a:pos x="connsiteX1" y="connsiteY1"/>
+              </a:cxn>
+              <a:cxn ang="0">
+                <a:pos x="connsiteX2" y="connsiteY2"/>
+              </a:cxn>
+              <a:cxn ang="0">
+                <a:pos x="connsiteX3" y="connsiteY3"/>
+              </a:cxn>
+            </a:cxnLst>
+            <a:rect l="l" t="t" r="r" b="b"/>
+            <a:pathLst>
+              <a:path w="1269077" h="6874625">
+                <a:moveTo>
+                  <a:pt x="714894" y="0"/>
+                </a:moveTo>
+                <a:lnTo>
+                  <a:pt x="1269077" y="16625"/>
+                </a:lnTo>
+                <a:lnTo>
+                  <a:pt x="1269077" y="6874625"/>
+                </a:lnTo>
+                <a:lnTo>
+                  <a:pt x="0" y="6874625"/>
+                </a:lnTo>
+                <a:close/>
+              </a:path>
+            </a:pathLst>
+          </a:custGeom>
+          <a:solidFill>
+            <a:schemeClr val="accent1">
+              <a:alpha val="87000"/>
+            </a:schemeClr>
+          </a:solidFill>
+          <a:ln>
+            <a:noFill/>
+          </a:ln>
+        </p:spPr>
+        <p:style>
+          <a:lnRef idx="2">
+            <a:schemeClr val="accent1">
+              <a:shade val="50000"/>
+            </a:schemeClr>
+          </a:lnRef>
+          <a:fillRef idx="1">
+            <a:schemeClr val="accent1"/>
+          </a:fillRef>
+          <a:effectRef idx="0">
+            <a:schemeClr val="accent1"/>
+          </a:effectRef>
+          <a:fontRef idx="minor">
+            <a:schemeClr val="lt1"/>
+          </a:fontRef>
+        </p:style>
+        <p:txBody>
+          <a:bodyPr wrap="square" rtlCol="0" anchor="ctr">
+            <a:noAutofit/>
+          </a:bodyPr>
+          <a:lstStyle/>
+          <a:p>
+            <a:pPr algn="ctr"/>
+            <a:endParaRPr lang="en-US"/>
+          </a:p>
+        </p:txBody>
+      </p:sp>
+      <p:sp>
+        <p:nvSpPr>
+          <p:cNvPr id="31" name="Freeform: Shape 30">
+            <a:extLst>
+              <a:ext uri="{FF2B5EF4-FFF2-40B4-BE49-F238E27FC236}">
+                <a16:creationId xmlns:a16="http://schemas.microsoft.com/office/drawing/2014/main" id="{FF3A27FB-A693-4A75-951E-0C77CD98F032}"/>
+              </a:ext>
+              <a:ext uri="{C183D7F6-B498-43B3-948B-1728B52AA6E4}">
+                <adec:decorative xmlns:adec="http://schemas.microsoft.com/office/drawing/2017/decorative" val="1"/>
+              </a:ext>
+            </a:extLst>
+          </p:cNvPr>
+          <p:cNvSpPr>
+            <a:spLocks noGrp="1" noRot="1" noChangeAspect="1" noMove="1" noResize="1" noEditPoints="1" noAdjustHandles="1" noChangeArrowheads="1" noChangeShapeType="1" noTextEdit="1"/>
+          </p:cNvSpPr>
+          <p:nvPr>
+            <p:extLst>
+              <p:ext uri="{386F3935-93C4-4BCD-93E2-E3B085C9AB24}">
+                <p16:designElem xmlns:p16="http://schemas.microsoft.com/office/powerpoint/2015/main" val="1"/>
+              </p:ext>
+            </p:extLst>
+          </p:nvPr>
+        </p:nvSpPr>
+        <p:spPr>
+          <a:xfrm>
+            <a:off x="10208374" y="-16624"/>
+            <a:ext cx="1983626" cy="6874625"/>
+          </a:xfrm>
+          <a:custGeom>
+            <a:avLst/>
+            <a:gdLst>
+              <a:gd name="connsiteX0" fmla="*/ 0 w 1983626"/>
+              <a:gd name="connsiteY0" fmla="*/ 0 h 6874625"/>
+              <a:gd name="connsiteX1" fmla="*/ 1983626 w 1983626"/>
+              <a:gd name="connsiteY1" fmla="*/ 0 h 6874625"/>
+              <a:gd name="connsiteX2" fmla="*/ 1983626 w 1983626"/>
+              <a:gd name="connsiteY2" fmla="*/ 6874625 h 6874625"/>
+              <a:gd name="connsiteX3" fmla="*/ 1522181 w 1983626"/>
+              <a:gd name="connsiteY3" fmla="*/ 6874625 h 6874625"/>
+            </a:gdLst>
+            <a:ahLst/>
+            <a:cxnLst>
+              <a:cxn ang="0">
+                <a:pos x="connsiteX0" y="connsiteY0"/>
+              </a:cxn>
+              <a:cxn ang="0">
+                <a:pos x="connsiteX1" y="connsiteY1"/>
+              </a:cxn>
+              <a:cxn ang="0">
+                <a:pos x="connsiteX2" y="connsiteY2"/>
+              </a:cxn>
+              <a:cxn ang="0">
+                <a:pos x="connsiteX3" y="connsiteY3"/>
+              </a:cxn>
+            </a:cxnLst>
+            <a:rect l="l" t="t" r="r" b="b"/>
+            <a:pathLst>
+              <a:path w="1983626" h="6874625">
+                <a:moveTo>
+                  <a:pt x="0" y="0"/>
+                </a:moveTo>
+                <a:lnTo>
+                  <a:pt x="1983626" y="0"/>
+                </a:lnTo>
+                <a:lnTo>
+                  <a:pt x="1983626" y="6874625"/>
+                </a:lnTo>
+                <a:lnTo>
+                  <a:pt x="1522181" y="6874625"/>
+                </a:lnTo>
+                <a:close/>
+              </a:path>
+            </a:pathLst>
+          </a:custGeom>
+          <a:solidFill>
+            <a:schemeClr val="accent1">
+              <a:alpha val="71000"/>
+            </a:schemeClr>
+          </a:solidFill>
+          <a:ln>
+            <a:noFill/>
+          </a:ln>
+        </p:spPr>
+        <p:style>
+          <a:lnRef idx="2">
+            <a:schemeClr val="accent1">
+              <a:shade val="50000"/>
+            </a:schemeClr>
+          </a:lnRef>
+          <a:fillRef idx="1">
+            <a:schemeClr val="accent1"/>
+          </a:fillRef>
+          <a:effectRef idx="0">
+            <a:schemeClr val="accent1"/>
+          </a:effectRef>
+          <a:fontRef idx="minor">
+            <a:schemeClr val="lt1"/>
+          </a:fontRef>
+        </p:style>
+        <p:txBody>
+          <a:bodyPr wrap="square" rtlCol="0" anchor="ctr">
+            <a:noAutofit/>
+          </a:bodyPr>
+          <a:lstStyle/>
+          <a:p>
+            <a:pPr algn="ctr"/>
+            <a:endParaRPr lang="en-US"/>
+          </a:p>
+        </p:txBody>
+      </p:sp>
+    </p:spTree>
+    <p:extLst>
+      <p:ext uri="{BB962C8B-B14F-4D97-AF65-F5344CB8AC3E}">
+        <p14:creationId xmlns:p14="http://schemas.microsoft.com/office/powerpoint/2010/main" val="1027683964"/>
+      </p:ext>
+    </p:extLst>
+  </p:cSld>
+  <p:clrMapOvr>
+    <a:masterClrMapping/>
+  </p:clrMapOvr>
+</p:sld>
+</file>
+
+<file path=ppt/slides/slide17.xml><?xml version="1.0" encoding="utf-8"?>
+<p:sld xmlns:a="http://schemas.openxmlformats.org/drawingml/2006/main" xmlns:r="http://schemas.openxmlformats.org/officeDocument/2006/relationships" xmlns:p="http://schemas.openxmlformats.org/presentationml/2006/main">
+  <p:cSld>
+    <p:bg>
+      <p:bgPr>
+        <a:solidFill>
+          <a:schemeClr val="bg1"/>
+        </a:solidFill>
+        <a:effectLst/>
+      </p:bgPr>
+    </p:bg>
+    <p:spTree>
+      <p:nvGrpSpPr>
+        <p:cNvPr id="1" name=""/>
+        <p:cNvGrpSpPr/>
+        <p:nvPr/>
+      </p:nvGrpSpPr>
+      <p:grpSpPr>
+        <a:xfrm>
+          <a:off x="0" y="0"/>
+          <a:ext cx="0" cy="0"/>
+          <a:chOff x="0" y="0"/>
+          <a:chExt cx="0" cy="0"/>
+        </a:xfrm>
+      </p:grpSpPr>
+      <p:grpSp>
+        <p:nvGrpSpPr>
+          <p:cNvPr id="13" name="Group 12">
+            <a:extLst>
+              <a:ext uri="{FF2B5EF4-FFF2-40B4-BE49-F238E27FC236}">
+                <a16:creationId xmlns:a16="http://schemas.microsoft.com/office/drawing/2014/main" id="{609316A9-990D-4EC3-A671-70EE5C1493A4}"/>
+              </a:ext>
+              <a:ext uri="{C183D7F6-B498-43B3-948B-1728B52AA6E4}">
+                <adec:decorative xmlns:adec="http://schemas.microsoft.com/office/drawing/2017/decorative" val="1"/>
+              </a:ext>
+            </a:extLst>
+          </p:cNvPr>
+          <p:cNvGrpSpPr>
+            <a:grpSpLocks noGrp="1" noUngrp="1" noRot="1" noChangeAspect="1" noMove="1" noResize="1"/>
+          </p:cNvGrpSpPr>
+          <p:nvPr>
+            <p:extLst>
+              <p:ext uri="{386F3935-93C4-4BCD-93E2-E3B085C9AB24}">
+                <p16:designElem xmlns:p16="http://schemas.microsoft.com/office/powerpoint/2015/main" val="1"/>
+              </p:ext>
+            </p:extLst>
+          </p:nvPr>
+        </p:nvGrpSpPr>
+        <p:grpSpPr>
+          <a:xfrm>
+            <a:off x="0" y="-8467"/>
+            <a:ext cx="12192000" cy="6866467"/>
+            <a:chOff x="0" y="-8467"/>
+            <a:chExt cx="12192000" cy="6866467"/>
+          </a:xfrm>
+        </p:grpSpPr>
+        <p:cxnSp>
+          <p:nvCxnSpPr>
+            <p:cNvPr id="14" name="Straight Connector 13">
+              <a:extLst>
+                <a:ext uri="{FF2B5EF4-FFF2-40B4-BE49-F238E27FC236}">
+                  <a16:creationId xmlns:a16="http://schemas.microsoft.com/office/drawing/2014/main" id="{9B0C6109-9159-49CA-AD7A-F9035539DB7F}"/>
+                </a:ext>
+                <a:ext uri="{C183D7F6-B498-43B3-948B-1728B52AA6E4}">
+                  <adec:decorative xmlns:adec="http://schemas.microsoft.com/office/drawing/2017/decorative" val="1"/>
+                </a:ext>
+              </a:extLst>
+            </p:cNvPr>
+            <p:cNvCxnSpPr/>
+            <p:nvPr>
+              <p:extLst>
+                <p:ext uri="{386F3935-93C4-4BCD-93E2-E3B085C9AB24}">
+                  <p16:designElem xmlns:p16="http://schemas.microsoft.com/office/powerpoint/2015/main" val="1"/>
+                </p:ext>
+              </p:extLst>
+            </p:nvPr>
+          </p:nvCxnSpPr>
+          <p:spPr>
+            <a:xfrm>
+              <a:off x="9371012" y="0"/>
+              <a:ext cx="1219200" cy="6858000"/>
+            </a:xfrm>
+            <a:prstGeom prst="line">
+              <a:avLst/>
+            </a:prstGeom>
+            <a:ln w="9525">
+              <a:solidFill>
+                <a:schemeClr val="bg1">
+                  <a:lumMod val="75000"/>
+                </a:schemeClr>
+              </a:solidFill>
+            </a:ln>
+          </p:spPr>
+          <p:style>
+            <a:lnRef idx="2">
+              <a:schemeClr val="accent1"/>
+            </a:lnRef>
+            <a:fillRef idx="0">
+              <a:schemeClr val="accent1"/>
+            </a:fillRef>
+            <a:effectRef idx="1">
+              <a:schemeClr val="accent1"/>
+            </a:effectRef>
+            <a:fontRef idx="minor">
+              <a:schemeClr val="tx1"/>
+            </a:fontRef>
+          </p:style>
+        </p:cxnSp>
+        <p:cxnSp>
+          <p:nvCxnSpPr>
+            <p:cNvPr id="15" name="Straight Connector 14">
+              <a:extLst>
+                <a:ext uri="{FF2B5EF4-FFF2-40B4-BE49-F238E27FC236}">
+                  <a16:creationId xmlns:a16="http://schemas.microsoft.com/office/drawing/2014/main" id="{686F14F5-308C-4EB6-87AB-05DE9501B1AA}"/>
+                </a:ext>
+                <a:ext uri="{C183D7F6-B498-43B3-948B-1728B52AA6E4}">
+                  <adec:decorative xmlns:adec="http://schemas.microsoft.com/office/drawing/2017/decorative" val="1"/>
+                </a:ext>
+              </a:extLst>
+            </p:cNvPr>
+            <p:cNvCxnSpPr/>
+            <p:nvPr>
+              <p:extLst>
+                <p:ext uri="{386F3935-93C4-4BCD-93E2-E3B085C9AB24}">
+                  <p16:designElem xmlns:p16="http://schemas.microsoft.com/office/powerpoint/2015/main" val="1"/>
+                </p:ext>
+              </p:extLst>
+            </p:nvPr>
+          </p:nvCxnSpPr>
+          <p:spPr>
+            <a:xfrm flipH="1">
+              <a:off x="7425267" y="3681413"/>
+              <a:ext cx="4763558" cy="3176587"/>
+            </a:xfrm>
+            <a:prstGeom prst="line">
+              <a:avLst/>
+            </a:prstGeom>
+            <a:ln w="9525">
+              <a:solidFill>
+                <a:schemeClr val="bg1">
+                  <a:lumMod val="85000"/>
+                </a:schemeClr>
+              </a:solidFill>
+            </a:ln>
+          </p:spPr>
+          <p:style>
+            <a:lnRef idx="2">
+              <a:schemeClr val="accent1"/>
+            </a:lnRef>
+            <a:fillRef idx="0">
+              <a:schemeClr val="accent1"/>
+            </a:fillRef>
+            <a:effectRef idx="1">
+              <a:schemeClr val="accent1"/>
+            </a:effectRef>
+            <a:fontRef idx="minor">
+              <a:schemeClr val="tx1"/>
+            </a:fontRef>
+          </p:style>
+        </p:cxnSp>
+        <p:sp>
+          <p:nvSpPr>
+            <p:cNvPr id="16" name="Rectangle 23">
+              <a:extLst>
+                <a:ext uri="{FF2B5EF4-FFF2-40B4-BE49-F238E27FC236}">
+                  <a16:creationId xmlns:a16="http://schemas.microsoft.com/office/drawing/2014/main" id="{BA032363-A188-47C5-9D59-9B788809DCD2}"/>
+                </a:ext>
+                <a:ext uri="{C183D7F6-B498-43B3-948B-1728B52AA6E4}">
+                  <adec:decorative xmlns:adec="http://schemas.microsoft.com/office/drawing/2017/decorative" val="1"/>
+                </a:ext>
+              </a:extLst>
+            </p:cNvPr>
+            <p:cNvSpPr/>
+            <p:nvPr>
+              <p:extLst>
+                <p:ext uri="{386F3935-93C4-4BCD-93E2-E3B085C9AB24}">
+                  <p16:designElem xmlns:p16="http://schemas.microsoft.com/office/powerpoint/2015/main" val="1"/>
+                </p:ext>
+              </p:extLst>
+            </p:nvPr>
+          </p:nvSpPr>
+          <p:spPr>
+            <a:xfrm>
+              <a:off x="9181476" y="-8467"/>
+              <a:ext cx="3007349" cy="6866467"/>
+            </a:xfrm>
+            <a:custGeom>
+              <a:avLst/>
+              <a:gdLst/>
+              <a:ahLst/>
+              <a:cxnLst/>
+              <a:rect l="l" t="t" r="r" b="b"/>
+              <a:pathLst>
+                <a:path w="3007349" h="6866467">
+                  <a:moveTo>
+                    <a:pt x="2045532" y="0"/>
+                  </a:moveTo>
+                  <a:lnTo>
+                    <a:pt x="3007349" y="0"/>
+                  </a:lnTo>
+                  <a:lnTo>
+                    <a:pt x="3007349" y="6866467"/>
+                  </a:lnTo>
+                  <a:lnTo>
+                    <a:pt x="0" y="6866467"/>
+                  </a:lnTo>
+                  <a:lnTo>
+                    <a:pt x="2045532" y="0"/>
+                  </a:lnTo>
+                  <a:close/>
+                </a:path>
+              </a:pathLst>
+            </a:custGeom>
+            <a:solidFill>
+              <a:schemeClr val="accent1">
+                <a:alpha val="30000"/>
+              </a:schemeClr>
+            </a:solidFill>
+            <a:ln>
+              <a:noFill/>
+            </a:ln>
+            <a:effectLst/>
+          </p:spPr>
+          <p:style>
+            <a:lnRef idx="1">
+              <a:schemeClr val="accent1"/>
+            </a:lnRef>
+            <a:fillRef idx="3">
+              <a:schemeClr val="accent1"/>
+            </a:fillRef>
+            <a:effectRef idx="2">
+              <a:schemeClr val="accent1"/>
+            </a:effectRef>
+            <a:fontRef idx="minor">
+              <a:schemeClr val="lt1"/>
+            </a:fontRef>
+          </p:style>
+        </p:sp>
+        <p:sp>
+          <p:nvSpPr>
+            <p:cNvPr id="17" name="Rectangle 25">
+              <a:extLst>
+                <a:ext uri="{FF2B5EF4-FFF2-40B4-BE49-F238E27FC236}">
+                  <a16:creationId xmlns:a16="http://schemas.microsoft.com/office/drawing/2014/main" id="{2C4077DF-6BB9-4069-AD28-6B1664EBB064}"/>
+                </a:ext>
+                <a:ext uri="{C183D7F6-B498-43B3-948B-1728B52AA6E4}">
+                  <adec:decorative xmlns:adec="http://schemas.microsoft.com/office/drawing/2017/decorative" val="1"/>
+                </a:ext>
+              </a:extLst>
+            </p:cNvPr>
+            <p:cNvSpPr/>
+            <p:nvPr>
+              <p:extLst>
+                <p:ext uri="{386F3935-93C4-4BCD-93E2-E3B085C9AB24}">
+                  <p16:designElem xmlns:p16="http://schemas.microsoft.com/office/powerpoint/2015/main" val="1"/>
+                </p:ext>
+              </p:extLst>
+            </p:nvPr>
+          </p:nvSpPr>
+          <p:spPr>
+            <a:xfrm>
+              <a:off x="9603442" y="-8467"/>
+              <a:ext cx="2588558" cy="6866467"/>
+            </a:xfrm>
+            <a:custGeom>
+              <a:avLst/>
+              <a:gdLst/>
+              <a:ahLst/>
+              <a:cxnLst/>
+              <a:rect l="l" t="t" r="r" b="b"/>
+              <a:pathLst>
+                <a:path w="2573311" h="6866467">
+                  <a:moveTo>
+                    <a:pt x="0" y="0"/>
+                  </a:moveTo>
+                  <a:lnTo>
+                    <a:pt x="2573311" y="0"/>
+                  </a:lnTo>
+                  <a:lnTo>
+                    <a:pt x="2573311" y="6866467"/>
+                  </a:lnTo>
+                  <a:lnTo>
+                    <a:pt x="1202336" y="6866467"/>
+                  </a:lnTo>
+                  <a:lnTo>
+                    <a:pt x="0" y="0"/>
+                  </a:lnTo>
+                  <a:close/>
+                </a:path>
+              </a:pathLst>
+            </a:custGeom>
+            <a:solidFill>
+              <a:schemeClr val="accent1">
+                <a:alpha val="20000"/>
+              </a:schemeClr>
+            </a:solidFill>
+            <a:ln>
+              <a:noFill/>
+            </a:ln>
+            <a:effectLst/>
+          </p:spPr>
+          <p:style>
+            <a:lnRef idx="1">
+              <a:schemeClr val="accent1"/>
+            </a:lnRef>
+            <a:fillRef idx="3">
+              <a:schemeClr val="accent1"/>
+            </a:fillRef>
+            <a:effectRef idx="2">
+              <a:schemeClr val="accent1"/>
+            </a:effectRef>
+            <a:fontRef idx="minor">
+              <a:schemeClr val="lt1"/>
+            </a:fontRef>
+          </p:style>
+        </p:sp>
+        <p:sp>
+          <p:nvSpPr>
+            <p:cNvPr id="18" name="Isosceles Triangle 17">
+              <a:extLst>
+                <a:ext uri="{FF2B5EF4-FFF2-40B4-BE49-F238E27FC236}">
+                  <a16:creationId xmlns:a16="http://schemas.microsoft.com/office/drawing/2014/main" id="{1D2B8B50-3419-41ED-9A9F-3CF9EEBBD3F2}"/>
+                </a:ext>
+                <a:ext uri="{C183D7F6-B498-43B3-948B-1728B52AA6E4}">
+                  <adec:decorative xmlns:adec="http://schemas.microsoft.com/office/drawing/2017/decorative" val="1"/>
+                </a:ext>
+              </a:extLst>
+            </p:cNvPr>
+            <p:cNvSpPr/>
+            <p:nvPr>
+              <p:extLst>
+                <p:ext uri="{386F3935-93C4-4BCD-93E2-E3B085C9AB24}">
+                  <p16:designElem xmlns:p16="http://schemas.microsoft.com/office/powerpoint/2015/main" val="1"/>
+                </p:ext>
+              </p:extLst>
+            </p:nvPr>
+          </p:nvSpPr>
+          <p:spPr>
+            <a:xfrm>
+              <a:off x="8932333" y="3048000"/>
+              <a:ext cx="3259667" cy="3810000"/>
+            </a:xfrm>
+            <a:prstGeom prst="triangle">
+              <a:avLst>
+                <a:gd name="adj" fmla="val 100000"/>
+              </a:avLst>
+            </a:prstGeom>
+            <a:solidFill>
+              <a:schemeClr val="accent2">
+                <a:alpha val="72000"/>
+              </a:schemeClr>
+            </a:solidFill>
+            <a:ln>
+              <a:noFill/>
+            </a:ln>
+            <a:effectLst/>
+          </p:spPr>
+          <p:style>
+            <a:lnRef idx="1">
+              <a:schemeClr val="accent1"/>
+            </a:lnRef>
+            <a:fillRef idx="3">
+              <a:schemeClr val="accent1"/>
+            </a:fillRef>
+            <a:effectRef idx="2">
+              <a:schemeClr val="accent1"/>
+            </a:effectRef>
+            <a:fontRef idx="minor">
+              <a:schemeClr val="lt1"/>
+            </a:fontRef>
+          </p:style>
+        </p:sp>
+        <p:sp>
+          <p:nvSpPr>
+            <p:cNvPr id="19" name="Rectangle 27">
+              <a:extLst>
+                <a:ext uri="{FF2B5EF4-FFF2-40B4-BE49-F238E27FC236}">
+                  <a16:creationId xmlns:a16="http://schemas.microsoft.com/office/drawing/2014/main" id="{5C640498-2E73-4FA2-BEB6-C3596A458C8A}"/>
+                </a:ext>
+                <a:ext uri="{C183D7F6-B498-43B3-948B-1728B52AA6E4}">
+                  <adec:decorative xmlns:adec="http://schemas.microsoft.com/office/drawing/2017/decorative" val="1"/>
+                </a:ext>
+              </a:extLst>
+            </p:cNvPr>
+            <p:cNvSpPr/>
+            <p:nvPr>
+              <p:extLst>
+                <p:ext uri="{386F3935-93C4-4BCD-93E2-E3B085C9AB24}">
+                  <p16:designElem xmlns:p16="http://schemas.microsoft.com/office/powerpoint/2015/main" val="1"/>
+                </p:ext>
+              </p:extLst>
+            </p:nvPr>
+          </p:nvSpPr>
+          <p:spPr>
+            <a:xfrm>
+              <a:off x="9334500" y="-8467"/>
+              <a:ext cx="2854326" cy="6866467"/>
+            </a:xfrm>
+            <a:custGeom>
+              <a:avLst/>
+              <a:gdLst/>
+              <a:ahLst/>
+              <a:cxnLst/>
+              <a:rect l="l" t="t" r="r" b="b"/>
+              <a:pathLst>
+                <a:path w="2858013" h="6866467">
+                  <a:moveTo>
+                    <a:pt x="0" y="0"/>
+                  </a:moveTo>
+                  <a:lnTo>
+                    <a:pt x="2858013" y="0"/>
+                  </a:lnTo>
+                  <a:lnTo>
+                    <a:pt x="2858013" y="6866467"/>
+                  </a:lnTo>
+                  <a:lnTo>
+                    <a:pt x="2473942" y="6866467"/>
+                  </a:lnTo>
+                  <a:lnTo>
+                    <a:pt x="0" y="0"/>
+                  </a:lnTo>
+                  <a:close/>
+                </a:path>
+              </a:pathLst>
+            </a:custGeom>
+            <a:solidFill>
+              <a:schemeClr val="accent2">
+                <a:lumMod val="75000"/>
+                <a:alpha val="70000"/>
+              </a:schemeClr>
+            </a:solidFill>
+            <a:ln>
+              <a:noFill/>
+            </a:ln>
+            <a:effectLst/>
+          </p:spPr>
+          <p:style>
+            <a:lnRef idx="1">
+              <a:schemeClr val="accent1"/>
+            </a:lnRef>
+            <a:fillRef idx="3">
+              <a:schemeClr val="accent1"/>
+            </a:fillRef>
+            <a:effectRef idx="2">
+              <a:schemeClr val="accent1"/>
+            </a:effectRef>
+            <a:fontRef idx="minor">
+              <a:schemeClr val="lt1"/>
+            </a:fontRef>
+          </p:style>
+        </p:sp>
+        <p:sp>
+          <p:nvSpPr>
+            <p:cNvPr id="20" name="Rectangle 28">
+              <a:extLst>
+                <a:ext uri="{FF2B5EF4-FFF2-40B4-BE49-F238E27FC236}">
+                  <a16:creationId xmlns:a16="http://schemas.microsoft.com/office/drawing/2014/main" id="{3240EEFC-4112-4C39-A816-C815774F6D69}"/>
+                </a:ext>
+                <a:ext uri="{C183D7F6-B498-43B3-948B-1728B52AA6E4}">
+                  <adec:decorative xmlns:adec="http://schemas.microsoft.com/office/drawing/2017/decorative" val="1"/>
+                </a:ext>
+              </a:extLst>
+            </p:cNvPr>
+            <p:cNvSpPr/>
+            <p:nvPr>
+              <p:extLst>
+                <p:ext uri="{386F3935-93C4-4BCD-93E2-E3B085C9AB24}">
+                  <p16:designElem xmlns:p16="http://schemas.microsoft.com/office/powerpoint/2015/main" val="1"/>
+                </p:ext>
+              </p:extLst>
+            </p:nvPr>
+          </p:nvSpPr>
+          <p:spPr>
+            <a:xfrm>
+              <a:off x="10898730" y="-8467"/>
+              <a:ext cx="1290094" cy="6866467"/>
+            </a:xfrm>
+            <a:custGeom>
+              <a:avLst/>
+              <a:gdLst/>
+              <a:ahLst/>
+              <a:cxnLst/>
+              <a:rect l="l" t="t" r="r" b="b"/>
+              <a:pathLst>
+                <a:path w="1290094" h="6858000">
+                  <a:moveTo>
+                    <a:pt x="1019735" y="0"/>
+                  </a:moveTo>
+                  <a:lnTo>
+                    <a:pt x="1290094" y="0"/>
+                  </a:lnTo>
+                  <a:lnTo>
+                    <a:pt x="1290094" y="6858000"/>
+                  </a:lnTo>
+                  <a:lnTo>
+                    <a:pt x="0" y="6858000"/>
+                  </a:lnTo>
+                  <a:lnTo>
+                    <a:pt x="1019735" y="0"/>
+                  </a:lnTo>
+                  <a:close/>
+                </a:path>
+              </a:pathLst>
+            </a:custGeom>
+            <a:solidFill>
+              <a:schemeClr val="accent1">
+                <a:lumMod val="60000"/>
+                <a:lumOff val="40000"/>
+                <a:alpha val="70000"/>
+              </a:schemeClr>
+            </a:solidFill>
+            <a:ln>
+              <a:noFill/>
+            </a:ln>
+            <a:effectLst/>
+          </p:spPr>
+          <p:style>
+            <a:lnRef idx="1">
+              <a:schemeClr val="accent1"/>
+            </a:lnRef>
+            <a:fillRef idx="3">
+              <a:schemeClr val="accent1"/>
+            </a:fillRef>
+            <a:effectRef idx="2">
+              <a:schemeClr val="accent1"/>
+            </a:effectRef>
+            <a:fontRef idx="minor">
+              <a:schemeClr val="lt1"/>
+            </a:fontRef>
+          </p:style>
+        </p:sp>
+        <p:sp>
+          <p:nvSpPr>
+            <p:cNvPr id="21" name="Rectangle 29">
+              <a:extLst>
+                <a:ext uri="{FF2B5EF4-FFF2-40B4-BE49-F238E27FC236}">
+                  <a16:creationId xmlns:a16="http://schemas.microsoft.com/office/drawing/2014/main" id="{ADF362B0-03EA-4800-9FAA-9F128587E428}"/>
+                </a:ext>
+                <a:ext uri="{C183D7F6-B498-43B3-948B-1728B52AA6E4}">
+                  <adec:decorative xmlns:adec="http://schemas.microsoft.com/office/drawing/2017/decorative" val="1"/>
+                </a:ext>
+              </a:extLst>
+            </p:cNvPr>
+            <p:cNvSpPr/>
+            <p:nvPr>
+              <p:extLst>
+                <p:ext uri="{386F3935-93C4-4BCD-93E2-E3B085C9AB24}">
+                  <p16:designElem xmlns:p16="http://schemas.microsoft.com/office/powerpoint/2015/main" val="1"/>
+                </p:ext>
+              </p:extLst>
+            </p:nvPr>
+          </p:nvSpPr>
+          <p:spPr>
+            <a:xfrm>
+              <a:off x="10938999" y="-8467"/>
+              <a:ext cx="1249825" cy="6866467"/>
+            </a:xfrm>
+            <a:custGeom>
+              <a:avLst/>
+              <a:gdLst/>
+              <a:ahLst/>
+              <a:cxnLst/>
+              <a:rect l="l" t="t" r="r" b="b"/>
+              <a:pathLst>
+                <a:path w="1249825" h="6858000">
+                  <a:moveTo>
+                    <a:pt x="0" y="0"/>
+                  </a:moveTo>
+                  <a:lnTo>
+                    <a:pt x="1249825" y="0"/>
+                  </a:lnTo>
+                  <a:lnTo>
+                    <a:pt x="1249825" y="6858000"/>
+                  </a:lnTo>
+                  <a:lnTo>
+                    <a:pt x="1109382" y="6858000"/>
+                  </a:lnTo>
+                  <a:lnTo>
+                    <a:pt x="0" y="0"/>
+                  </a:lnTo>
+                  <a:close/>
+                </a:path>
+              </a:pathLst>
+            </a:custGeom>
+            <a:solidFill>
+              <a:schemeClr val="accent1">
+                <a:alpha val="65000"/>
+              </a:schemeClr>
+            </a:solidFill>
+            <a:ln>
+              <a:noFill/>
+            </a:ln>
+            <a:effectLst/>
+          </p:spPr>
+          <p:style>
+            <a:lnRef idx="1">
+              <a:schemeClr val="accent1"/>
+            </a:lnRef>
+            <a:fillRef idx="3">
+              <a:schemeClr val="accent1"/>
+            </a:fillRef>
+            <a:effectRef idx="2">
+              <a:schemeClr val="accent1"/>
+            </a:effectRef>
+            <a:fontRef idx="minor">
+              <a:schemeClr val="lt1"/>
+            </a:fontRef>
+          </p:style>
+        </p:sp>
+        <p:sp>
+          <p:nvSpPr>
+            <p:cNvPr id="22" name="Isosceles Triangle 21">
+              <a:extLst>
+                <a:ext uri="{FF2B5EF4-FFF2-40B4-BE49-F238E27FC236}">
+                  <a16:creationId xmlns:a16="http://schemas.microsoft.com/office/drawing/2014/main" id="{0BA84559-2F4C-4795-9246-4C563F942DB9}"/>
+                </a:ext>
+                <a:ext uri="{C183D7F6-B498-43B3-948B-1728B52AA6E4}">
+                  <adec:decorative xmlns:adec="http://schemas.microsoft.com/office/drawing/2017/decorative" val="1"/>
+                </a:ext>
+              </a:extLst>
+            </p:cNvPr>
+            <p:cNvSpPr/>
+            <p:nvPr>
+              <p:extLst>
+                <p:ext uri="{386F3935-93C4-4BCD-93E2-E3B085C9AB24}">
+                  <p16:designElem xmlns:p16="http://schemas.microsoft.com/office/powerpoint/2015/main" val="1"/>
+                </p:ext>
+              </p:extLst>
+            </p:nvPr>
+          </p:nvSpPr>
+          <p:spPr>
+            <a:xfrm>
+              <a:off x="10371666" y="3589867"/>
+              <a:ext cx="1817159" cy="3268133"/>
+            </a:xfrm>
+            <a:prstGeom prst="triangle">
+              <a:avLst>
+                <a:gd name="adj" fmla="val 100000"/>
+              </a:avLst>
+            </a:prstGeom>
+            <a:solidFill>
+              <a:schemeClr val="accent1">
+                <a:alpha val="80000"/>
+              </a:schemeClr>
+            </a:solidFill>
+            <a:ln>
+              <a:noFill/>
+            </a:ln>
+            <a:effectLst/>
+          </p:spPr>
+          <p:style>
+            <a:lnRef idx="1">
+              <a:schemeClr val="accent1"/>
+            </a:lnRef>
+            <a:fillRef idx="3">
+              <a:schemeClr val="accent1"/>
+            </a:fillRef>
+            <a:effectRef idx="2">
+              <a:schemeClr val="accent1"/>
+            </a:effectRef>
+            <a:fontRef idx="minor">
+              <a:schemeClr val="lt1"/>
+            </a:fontRef>
+          </p:style>
+        </p:sp>
+        <p:sp>
+          <p:nvSpPr>
+            <p:cNvPr id="23" name="Isosceles Triangle 22">
+              <a:extLst>
+                <a:ext uri="{FF2B5EF4-FFF2-40B4-BE49-F238E27FC236}">
+                  <a16:creationId xmlns:a16="http://schemas.microsoft.com/office/drawing/2014/main" id="{FA77A1AA-CA47-4A91-A0A1-0A8CE31A985E}"/>
+                </a:ext>
+                <a:ext uri="{C183D7F6-B498-43B3-948B-1728B52AA6E4}">
+                  <adec:decorative xmlns:adec="http://schemas.microsoft.com/office/drawing/2017/decorative" val="1"/>
+                </a:ext>
+              </a:extLst>
+            </p:cNvPr>
+            <p:cNvSpPr/>
+            <p:nvPr>
+              <p:extLst>
+                <p:ext uri="{386F3935-93C4-4BCD-93E2-E3B085C9AB24}">
+                  <p16:designElem xmlns:p16="http://schemas.microsoft.com/office/powerpoint/2015/main" val="1"/>
+                </p:ext>
+              </p:extLst>
+            </p:nvPr>
+          </p:nvSpPr>
+          <p:spPr>
+            <a:xfrm>
+              <a:off x="0" y="4013200"/>
+              <a:ext cx="448733" cy="2844800"/>
+            </a:xfrm>
+            <a:prstGeom prst="triangle">
+              <a:avLst>
+                <a:gd name="adj" fmla="val 0"/>
+              </a:avLst>
+            </a:prstGeom>
+            <a:solidFill>
+              <a:schemeClr val="accent1">
+                <a:alpha val="85000"/>
+              </a:schemeClr>
+            </a:solidFill>
+            <a:ln>
+              <a:noFill/>
+            </a:ln>
+            <a:effectLst/>
+          </p:spPr>
+          <p:style>
+            <a:lnRef idx="1">
+              <a:schemeClr val="accent1"/>
+            </a:lnRef>
+            <a:fillRef idx="3">
+              <a:schemeClr val="accent1"/>
+            </a:fillRef>
+            <a:effectRef idx="2">
+              <a:schemeClr val="accent1"/>
+            </a:effectRef>
+            <a:fontRef idx="minor">
+              <a:schemeClr val="lt1"/>
+            </a:fontRef>
+          </p:style>
+        </p:sp>
+      </p:grpSp>
+      <p:sp useBgFill="1">
+        <p:nvSpPr>
+          <p:cNvPr id="25" name="Rectangle 24">
+            <a:extLst>
+              <a:ext uri="{FF2B5EF4-FFF2-40B4-BE49-F238E27FC236}">
+                <a16:creationId xmlns:a16="http://schemas.microsoft.com/office/drawing/2014/main" id="{39178BE9-53D8-441A-8691-0ED3B464BCD4}"/>
+              </a:ext>
+              <a:ext uri="{C183D7F6-B498-43B3-948B-1728B52AA6E4}">
+                <adec:decorative xmlns:adec="http://schemas.microsoft.com/office/drawing/2017/decorative" val="1"/>
+              </a:ext>
+            </a:extLst>
+          </p:cNvPr>
+          <p:cNvSpPr>
+            <a:spLocks noGrp="1" noRot="1" noChangeAspect="1" noMove="1" noResize="1" noEditPoints="1" noAdjustHandles="1" noChangeArrowheads="1" noChangeShapeType="1" noTextEdit="1"/>
+          </p:cNvSpPr>
+          <p:nvPr>
+            <p:extLst>
+              <p:ext uri="{386F3935-93C4-4BCD-93E2-E3B085C9AB24}">
+                <p16:designElem xmlns:p16="http://schemas.microsoft.com/office/powerpoint/2015/main" val="1"/>
+              </p:ext>
+            </p:extLst>
+          </p:nvPr>
+        </p:nvSpPr>
+        <p:spPr>
+          <a:xfrm>
+            <a:off x="0" y="0"/>
+            <a:ext cx="12188952" cy="6858000"/>
+          </a:xfrm>
+          <a:prstGeom prst="rect">
+            <a:avLst/>
+          </a:prstGeom>
+          <a:ln>
+            <a:noFill/>
+          </a:ln>
+        </p:spPr>
+        <p:style>
+          <a:lnRef idx="2">
+            <a:schemeClr val="accent1">
+              <a:shade val="50000"/>
+            </a:schemeClr>
+          </a:lnRef>
+          <a:fillRef idx="1">
+            <a:schemeClr val="accent1"/>
+          </a:fillRef>
+          <a:effectRef idx="0">
+            <a:schemeClr val="accent1"/>
+          </a:effectRef>
+          <a:fontRef idx="minor">
+            <a:schemeClr val="lt1"/>
+          </a:fontRef>
+        </p:style>
+        <p:txBody>
+          <a:bodyPr rtlCol="0" anchor="ctr"/>
+          <a:lstStyle/>
+          <a:p>
+            <a:pPr algn="ctr"/>
+            <a:endParaRPr lang="en-US" dirty="0"/>
+          </a:p>
+        </p:txBody>
+      </p:sp>
+      <p:pic>
+        <p:nvPicPr>
+          <p:cNvPr id="8" name="Kép 7">
+            <a:extLst>
+              <a:ext uri="{FF2B5EF4-FFF2-40B4-BE49-F238E27FC236}">
+                <a16:creationId xmlns:a16="http://schemas.microsoft.com/office/drawing/2014/main" id="{AD5D6593-7068-058F-1A7B-BCEDFE8C92FC}"/>
+              </a:ext>
+            </a:extLst>
+          </p:cNvPr>
+          <p:cNvPicPr>
+            <a:picLocks noChangeAspect="1"/>
+          </p:cNvPicPr>
+          <p:nvPr/>
+        </p:nvPicPr>
+        <p:blipFill>
+          <a:blip r:embed="rId3"/>
+          <a:stretch>
+            <a:fillRect/>
+          </a:stretch>
+        </p:blipFill>
+        <p:spPr>
+          <a:xfrm>
+            <a:off x="643467" y="864689"/>
+            <a:ext cx="10905066" cy="5128620"/>
+          </a:xfrm>
+          <a:prstGeom prst="rect">
+            <a:avLst/>
+          </a:prstGeom>
+        </p:spPr>
+      </p:pic>
+    </p:spTree>
+    <p:extLst>
+      <p:ext uri="{BB962C8B-B14F-4D97-AF65-F5344CB8AC3E}">
+        <p14:creationId xmlns:p14="http://schemas.microsoft.com/office/powerpoint/2010/main" val="1387276531"/>
+      </p:ext>
+    </p:extLst>
+  </p:cSld>
+  <p:clrMapOvr>
+    <a:masterClrMapping/>
+  </p:clrMapOvr>
+</p:sld>
+</file>
+
+<file path=ppt/slides/slide18.xml><?xml version="1.0" encoding="utf-8"?>
+<p:sld xmlns:a="http://schemas.openxmlformats.org/drawingml/2006/main" xmlns:r="http://schemas.openxmlformats.org/officeDocument/2006/relationships" xmlns:p="http://schemas.openxmlformats.org/presentationml/2006/main">
+  <p:cSld>
+    <p:spTree>
+      <p:nvGrpSpPr>
+        <p:cNvPr id="1" name=""/>
+        <p:cNvGrpSpPr/>
+        <p:nvPr/>
+      </p:nvGrpSpPr>
+      <p:grpSpPr>
+        <a:xfrm>
+          <a:off x="0" y="0"/>
+          <a:ext cx="0" cy="0"/>
+          <a:chOff x="0" y="0"/>
+          <a:chExt cx="0" cy="0"/>
+        </a:xfrm>
+      </p:grpSpPr>
+      <p:sp>
+        <p:nvSpPr>
+          <p:cNvPr id="2" name="Cím 1">
+            <a:extLst>
+              <a:ext uri="{FF2B5EF4-FFF2-40B4-BE49-F238E27FC236}">
                 <a16:creationId xmlns:a16="http://schemas.microsoft.com/office/drawing/2014/main" id="{307E234C-2A99-C06F-60E5-115E4215A7D3}"/>
               </a:ext>
             </a:extLst>
@@ -5949,7 +11307,7 @@
           <p:nvPr/>
         </p:nvPicPr>
         <p:blipFill>
-          <a:blip r:embed="rId2">
+          <a:blip r:embed="rId3">
             <a:extLst>
               <a:ext uri="{28A0092B-C50C-407E-A947-70E740481C1C}">
                 <a14:useLocalDpi xmlns:a14="http://schemas.microsoft.com/office/drawing/2010/main" val="0"/>
@@ -5985,7 +11343,7 @@
           <p:nvPr/>
         </p:nvPicPr>
         <p:blipFill>
-          <a:blip r:embed="rId3">
+          <a:blip r:embed="rId4">
             <a:extLst>
               <a:ext uri="{28A0092B-C50C-407E-A947-70E740481C1C}">
                 <a14:useLocalDpi xmlns:a14="http://schemas.microsoft.com/office/drawing/2010/main" val="0"/>
@@ -6021,7 +11379,7 @@
           <p:nvPr/>
         </p:nvPicPr>
         <p:blipFill>
-          <a:blip r:embed="rId4">
+          <a:blip r:embed="rId5">
             <a:extLst>
               <a:ext uri="{28A0092B-C50C-407E-A947-70E740481C1C}">
                 <a14:useLocalDpi xmlns:a14="http://schemas.microsoft.com/office/drawing/2010/main" val="0"/>
@@ -6057,7 +11415,7 @@
           <p:nvPr/>
         </p:nvPicPr>
         <p:blipFill>
-          <a:blip r:embed="rId5">
+          <a:blip r:embed="rId6">
             <a:extLst>
               <a:ext uri="{28A0092B-C50C-407E-A947-70E740481C1C}">
                 <a14:useLocalDpi xmlns:a14="http://schemas.microsoft.com/office/drawing/2010/main" val="0"/>
@@ -6093,7 +11451,7 @@
           <p:nvPr/>
         </p:nvPicPr>
         <p:blipFill>
-          <a:blip r:embed="rId6">
+          <a:blip r:embed="rId7">
             <a:extLst>
               <a:ext uri="{28A0092B-C50C-407E-A947-70E740481C1C}">
                 <a14:useLocalDpi xmlns:a14="http://schemas.microsoft.com/office/drawing/2010/main" val="0"/>
@@ -6127,7 +11485,7 @@
 </p:sld>
 </file>
 
-<file path=ppt/slides/slide11.xml><?xml version="1.0" encoding="utf-8"?>
+<file path=ppt/slides/slide19.xml><?xml version="1.0" encoding="utf-8"?>
 <p:sld xmlns:a="http://schemas.openxmlformats.org/drawingml/2006/main" xmlns:r="http://schemas.openxmlformats.org/officeDocument/2006/relationships" xmlns:p="http://schemas.openxmlformats.org/presentationml/2006/main">
   <p:cSld>
     <p:spTree>
@@ -6381,6 +11739,100 @@
           </a:p>
         </p:txBody>
       </p:sp>
+      <p:pic>
+        <p:nvPicPr>
+          <p:cNvPr id="1026" name="Picture 2" descr="A Discord letöltése ingyen, magyarul - INTO">
+            <a:extLst>
+              <a:ext uri="{FF2B5EF4-FFF2-40B4-BE49-F238E27FC236}">
+                <a16:creationId xmlns:a16="http://schemas.microsoft.com/office/drawing/2014/main" id="{6D91697A-523E-1C5A-FCAE-DC4235C77DDB}"/>
+              </a:ext>
+            </a:extLst>
+          </p:cNvPr>
+          <p:cNvPicPr>
+            <a:picLocks noChangeAspect="1" noChangeArrowheads="1"/>
+          </p:cNvPicPr>
+          <p:nvPr/>
+        </p:nvPicPr>
+        <p:blipFill>
+          <a:blip r:embed="rId3">
+            <a:extLst>
+              <a:ext uri="{28A0092B-C50C-407E-A947-70E740481C1C}">
+                <a14:useLocalDpi xmlns:a14="http://schemas.microsoft.com/office/drawing/2010/main" val="0"/>
+              </a:ext>
+            </a:extLst>
+          </a:blip>
+          <a:srcRect/>
+          <a:stretch>
+            <a:fillRect/>
+          </a:stretch>
+        </p:blipFill>
+        <p:spPr bwMode="auto">
+          <a:xfrm>
+            <a:off x="6835602" y="3602962"/>
+            <a:ext cx="2438400" cy="2438400"/>
+          </a:xfrm>
+          <a:prstGeom prst="rect">
+            <a:avLst/>
+          </a:prstGeom>
+          <a:noFill/>
+          <a:extLst>
+            <a:ext uri="{909E8E84-426E-40DD-AFC4-6F175D3DCCD1}">
+              <a14:hiddenFill xmlns:a14="http://schemas.microsoft.com/office/drawing/2010/main">
+                <a:solidFill>
+                  <a:srgbClr val="FFFFFF"/>
+                </a:solidFill>
+              </a14:hiddenFill>
+            </a:ext>
+          </a:extLst>
+        </p:spPr>
+      </p:pic>
+      <p:pic>
+        <p:nvPicPr>
+          <p:cNvPr id="1028" name="Picture 4" descr="Jira Logo and symbol, meaning, history, PNG">
+            <a:extLst>
+              <a:ext uri="{FF2B5EF4-FFF2-40B4-BE49-F238E27FC236}">
+                <a16:creationId xmlns:a16="http://schemas.microsoft.com/office/drawing/2014/main" id="{671602BE-551F-6716-0698-D49161FBDB72}"/>
+              </a:ext>
+            </a:extLst>
+          </p:cNvPr>
+          <p:cNvPicPr>
+            <a:picLocks noChangeAspect="1" noChangeArrowheads="1"/>
+          </p:cNvPicPr>
+          <p:nvPr/>
+        </p:nvPicPr>
+        <p:blipFill>
+          <a:blip r:embed="rId4">
+            <a:extLst>
+              <a:ext uri="{28A0092B-C50C-407E-A947-70E740481C1C}">
+                <a14:useLocalDpi xmlns:a14="http://schemas.microsoft.com/office/drawing/2010/main" val="0"/>
+              </a:ext>
+            </a:extLst>
+          </a:blip>
+          <a:srcRect/>
+          <a:stretch>
+            <a:fillRect/>
+          </a:stretch>
+        </p:blipFill>
+        <p:spPr bwMode="auto">
+          <a:xfrm>
+            <a:off x="4759152" y="609600"/>
+            <a:ext cx="4514850" cy="2533650"/>
+          </a:xfrm>
+          <a:prstGeom prst="rect">
+            <a:avLst/>
+          </a:prstGeom>
+          <a:noFill/>
+          <a:extLst>
+            <a:ext uri="{909E8E84-426E-40DD-AFC4-6F175D3DCCD1}">
+              <a14:hiddenFill xmlns:a14="http://schemas.microsoft.com/office/drawing/2010/main">
+                <a:solidFill>
+                  <a:srgbClr val="FFFFFF"/>
+                </a:solidFill>
+              </a14:hiddenFill>
+            </a:ext>
+          </a:extLst>
+        </p:spPr>
+      </p:pic>
     </p:spTree>
     <p:extLst>
       <p:ext uri="{BB962C8B-B14F-4D97-AF65-F5344CB8AC3E}">
@@ -6466,7 +11918,7 @@
         <p:spPr/>
         <p:txBody>
           <a:bodyPr>
-            <a:normAutofit fontScale="92500" lnSpcReduction="10000"/>
+            <a:normAutofit/>
           </a:bodyPr>
           <a:lstStyle/>
           <a:p>
@@ -6478,17 +11930,6 @@
             <a:r>
               <a:rPr lang="hu-HU" dirty="0"/>
               <a:t>Probléma felderítése</a:t>
-            </a:r>
-          </a:p>
-          <a:p>
-            <a:pPr>
-              <a:lnSpc>
-                <a:spcPct val="200000"/>
-              </a:lnSpc>
-            </a:pPr>
-            <a:r>
-              <a:rPr lang="hu-HU" dirty="0"/>
-              <a:t>Halszálka diagram</a:t>
             </a:r>
           </a:p>
           <a:p>
@@ -6573,7 +12014,7 @@
           <p:cNvPr id="2" name="Cím 1">
             <a:extLst>
               <a:ext uri="{FF2B5EF4-FFF2-40B4-BE49-F238E27FC236}">
-                <a16:creationId xmlns:a16="http://schemas.microsoft.com/office/drawing/2014/main" id="{D9D0667F-908D-93C6-6372-0F3DD7D99448}"/>
+                <a16:creationId xmlns:a16="http://schemas.microsoft.com/office/drawing/2014/main" id="{92ACD02C-BA36-2BE7-44DE-8EB1123DB3BE}"/>
               </a:ext>
             </a:extLst>
           </p:cNvPr>
@@ -6584,116 +12025,65 @@
             <p:ph type="title"/>
           </p:nvPr>
         </p:nvSpPr>
-        <p:spPr/>
+        <p:spPr>
+          <a:xfrm>
+            <a:off x="515970" y="294897"/>
+            <a:ext cx="8596668" cy="1320800"/>
+          </a:xfrm>
+        </p:spPr>
         <p:txBody>
           <a:bodyPr/>
           <a:lstStyle/>
           <a:p>
             <a:r>
               <a:rPr lang="hu-HU" dirty="0"/>
-              <a:t>Üzleti igényspecifikáció</a:t>
+              <a:t>Bevezetés</a:t>
             </a:r>
             <a:br>
               <a:rPr lang="hu-HU" dirty="0"/>
             </a:br>
             <a:r>
               <a:rPr lang="hu-HU" sz="2800" dirty="0"/>
-              <a:t>(3. sprint)</a:t>
+              <a:t>(2. sprint)</a:t>
             </a:r>
             <a:endParaRPr lang="hu-HU" dirty="0"/>
           </a:p>
         </p:txBody>
       </p:sp>
-      <p:sp>
-        <p:nvSpPr>
-          <p:cNvPr id="3" name="Tartalom helye 2">
+      <p:pic>
+        <p:nvPicPr>
+          <p:cNvPr id="6" name="Kép 5">
             <a:extLst>
               <a:ext uri="{FF2B5EF4-FFF2-40B4-BE49-F238E27FC236}">
-                <a16:creationId xmlns:a16="http://schemas.microsoft.com/office/drawing/2014/main" id="{41EFC08F-507A-FD33-C747-A1E048FC9671}"/>
+                <a16:creationId xmlns:a16="http://schemas.microsoft.com/office/drawing/2014/main" id="{502E5DAB-11C0-7FD6-23B9-941B3D748B8B}"/>
               </a:ext>
             </a:extLst>
           </p:cNvPr>
-          <p:cNvSpPr>
-            <a:spLocks noGrp="1"/>
-          </p:cNvSpPr>
-          <p:nvPr>
-            <p:ph idx="1"/>
-          </p:nvPr>
-        </p:nvSpPr>
-        <p:spPr/>
-        <p:txBody>
-          <a:bodyPr/>
-          <a:lstStyle/>
-          <a:p>
-            <a:pPr>
-              <a:lnSpc>
-                <a:spcPct val="200000"/>
-              </a:lnSpc>
-            </a:pPr>
-            <a:r>
-              <a:rPr lang="hu-HU" dirty="0"/>
-              <a:t>Célok meghatározása</a:t>
-            </a:r>
-          </a:p>
-          <a:p>
-            <a:pPr>
-              <a:lnSpc>
-                <a:spcPct val="200000"/>
-              </a:lnSpc>
-            </a:pPr>
-            <a:r>
-              <a:rPr lang="hu-HU" dirty="0" err="1"/>
-              <a:t>Stakeholderek</a:t>
-            </a:r>
-            <a:r>
-              <a:rPr lang="hu-HU" dirty="0"/>
-              <a:t> meghatározása</a:t>
-            </a:r>
-          </a:p>
-          <a:p>
-            <a:pPr>
-              <a:lnSpc>
-                <a:spcPct val="200000"/>
-              </a:lnSpc>
-            </a:pPr>
-            <a:r>
-              <a:rPr lang="hu-HU" dirty="0"/>
-              <a:t>Működés az új rendszer bevezetése után</a:t>
-            </a:r>
-          </a:p>
-          <a:p>
-            <a:pPr>
-              <a:lnSpc>
-                <a:spcPct val="200000"/>
-              </a:lnSpc>
-            </a:pPr>
-            <a:r>
-              <a:rPr lang="hu-HU" dirty="0"/>
-              <a:t>Üzleti </a:t>
-            </a:r>
-            <a:r>
-              <a:rPr lang="hu-HU" dirty="0" err="1"/>
-              <a:t>use</a:t>
-            </a:r>
-            <a:r>
-              <a:rPr lang="hu-HU" dirty="0"/>
-              <a:t> </a:t>
-            </a:r>
-            <a:r>
-              <a:rPr lang="hu-HU" dirty="0" err="1"/>
-              <a:t>case</a:t>
-            </a:r>
-            <a:r>
-              <a:rPr lang="hu-HU" dirty="0"/>
-              <a:t> </a:t>
-            </a:r>
-          </a:p>
-        </p:txBody>
-      </p:sp>
+          <p:cNvPicPr>
+            <a:picLocks noChangeAspect="1"/>
+          </p:cNvPicPr>
+          <p:nvPr/>
+        </p:nvPicPr>
+        <p:blipFill>
+          <a:blip r:embed="rId3"/>
+          <a:stretch>
+            <a:fillRect/>
+          </a:stretch>
+        </p:blipFill>
+        <p:spPr>
+          <a:xfrm>
+            <a:off x="515970" y="1615697"/>
+            <a:ext cx="8332195" cy="5358064"/>
+          </a:xfrm>
+          <a:prstGeom prst="rect">
+            <a:avLst/>
+          </a:prstGeom>
+        </p:spPr>
+      </p:pic>
     </p:spTree>
     <p:extLst>
       <p:ext uri="{BB962C8B-B14F-4D97-AF65-F5344CB8AC3E}">
-        <p14:creationId xmlns:p14="http://schemas.microsoft.com/office/powerpoint/2010/main" val="2122353920"/>
+        <p14:creationId xmlns:p14="http://schemas.microsoft.com/office/powerpoint/2010/main" val="2213876828"/>
       </p:ext>
     </p:extLst>
   </p:cSld>
@@ -6725,7 +12115,7 @@
           <p:cNvPr id="2" name="Cím 1">
             <a:extLst>
               <a:ext uri="{FF2B5EF4-FFF2-40B4-BE49-F238E27FC236}">
-                <a16:creationId xmlns:a16="http://schemas.microsoft.com/office/drawing/2014/main" id="{3C189436-1C01-0B3E-00C8-9D2BC5FA46BA}"/>
+                <a16:creationId xmlns:a16="http://schemas.microsoft.com/office/drawing/2014/main" id="{D9D0667F-908D-93C6-6372-0F3DD7D99448}"/>
               </a:ext>
             </a:extLst>
           </p:cNvPr>
@@ -6743,14 +12133,14 @@
           <a:p>
             <a:r>
               <a:rPr lang="hu-HU" dirty="0"/>
-              <a:t>Követelmény specifikáció</a:t>
+              <a:t>Üzleti igényspecifikáció</a:t>
             </a:r>
             <a:br>
               <a:rPr lang="hu-HU" dirty="0"/>
             </a:br>
             <a:r>
               <a:rPr lang="hu-HU" sz="2800" dirty="0"/>
-              <a:t>(4. sprint)</a:t>
+              <a:t>(3. sprint)</a:t>
             </a:r>
             <a:endParaRPr lang="hu-HU" dirty="0"/>
           </a:p>
@@ -6761,7 +12151,7 @@
           <p:cNvPr id="3" name="Tartalom helye 2">
             <a:extLst>
               <a:ext uri="{FF2B5EF4-FFF2-40B4-BE49-F238E27FC236}">
-                <a16:creationId xmlns:a16="http://schemas.microsoft.com/office/drawing/2014/main" id="{6866E574-8263-7AE7-DA8F-EDD99AB8B6BD}"/>
+                <a16:creationId xmlns:a16="http://schemas.microsoft.com/office/drawing/2014/main" id="{41EFC08F-507A-FD33-C747-A1E048FC9671}"/>
               </a:ext>
             </a:extLst>
           </p:cNvPr>
@@ -6777,20 +12167,75 @@
           <a:bodyPr/>
           <a:lstStyle/>
           <a:p>
+            <a:pPr>
+              <a:lnSpc>
+                <a:spcPct val="200000"/>
+              </a:lnSpc>
+            </a:pPr>
             <a:r>
               <a:rPr lang="hu-HU" dirty="0"/>
-              <a:t>Nem funkcionális követelmények</a:t>
-            </a:r>
-          </a:p>
-          <a:p>
-            <a:endParaRPr lang="hu-HU" dirty="0"/>
+              <a:t>Célok meghatározása</a:t>
+            </a:r>
+          </a:p>
+          <a:p>
+            <a:pPr>
+              <a:lnSpc>
+                <a:spcPct val="200000"/>
+              </a:lnSpc>
+            </a:pPr>
+            <a:r>
+              <a:rPr lang="hu-HU" dirty="0" err="1"/>
+              <a:t>Stakeholderek</a:t>
+            </a:r>
+            <a:r>
+              <a:rPr lang="hu-HU" dirty="0"/>
+              <a:t> meghatározása</a:t>
+            </a:r>
+          </a:p>
+          <a:p>
+            <a:pPr>
+              <a:lnSpc>
+                <a:spcPct val="200000"/>
+              </a:lnSpc>
+            </a:pPr>
+            <a:r>
+              <a:rPr lang="hu-HU" dirty="0"/>
+              <a:t>Működés az új rendszer bevezetése után</a:t>
+            </a:r>
+          </a:p>
+          <a:p>
+            <a:pPr>
+              <a:lnSpc>
+                <a:spcPct val="200000"/>
+              </a:lnSpc>
+            </a:pPr>
+            <a:r>
+              <a:rPr lang="hu-HU" dirty="0"/>
+              <a:t>Üzleti </a:t>
+            </a:r>
+            <a:r>
+              <a:rPr lang="hu-HU" dirty="0" err="1"/>
+              <a:t>use</a:t>
+            </a:r>
+            <a:r>
+              <a:rPr lang="hu-HU" dirty="0"/>
+              <a:t> </a:t>
+            </a:r>
+            <a:r>
+              <a:rPr lang="hu-HU" dirty="0" err="1"/>
+              <a:t>case</a:t>
+            </a:r>
+            <a:r>
+              <a:rPr lang="hu-HU" dirty="0"/>
+              <a:t> </a:t>
+            </a:r>
           </a:p>
         </p:txBody>
       </p:sp>
     </p:spTree>
     <p:extLst>
       <p:ext uri="{BB962C8B-B14F-4D97-AF65-F5344CB8AC3E}">
-        <p14:creationId xmlns:p14="http://schemas.microsoft.com/office/powerpoint/2010/main" val="2890381392"/>
+        <p14:creationId xmlns:p14="http://schemas.microsoft.com/office/powerpoint/2010/main" val="2122353920"/>
       </p:ext>
     </p:extLst>
   </p:cSld>
@@ -6822,7 +12267,7 @@
           <p:cNvPr id="2" name="Cím 1">
             <a:extLst>
               <a:ext uri="{FF2B5EF4-FFF2-40B4-BE49-F238E27FC236}">
-                <a16:creationId xmlns:a16="http://schemas.microsoft.com/office/drawing/2014/main" id="{667F58C9-5E6B-AF88-632F-950BF21C903D}"/>
+                <a16:creationId xmlns:a16="http://schemas.microsoft.com/office/drawing/2014/main" id="{D9D0667F-908D-93C6-6372-0F3DD7D99448}"/>
               </a:ext>
             </a:extLst>
           </p:cNvPr>
@@ -6840,100 +12285,55 @@
           <a:p>
             <a:r>
               <a:rPr lang="hu-HU" dirty="0"/>
-              <a:t>Követelmény specifikáció 2</a:t>
+              <a:t>Üzleti igényspecifikáció</a:t>
             </a:r>
             <a:br>
               <a:rPr lang="hu-HU" dirty="0"/>
             </a:br>
             <a:r>
               <a:rPr lang="hu-HU" sz="2800" dirty="0"/>
-              <a:t>(5. sprint)</a:t>
+              <a:t>(3. sprint)</a:t>
             </a:r>
             <a:endParaRPr lang="hu-HU" dirty="0"/>
           </a:p>
         </p:txBody>
       </p:sp>
-      <p:sp>
-        <p:nvSpPr>
-          <p:cNvPr id="3" name="Tartalom helye 2">
+      <p:pic>
+        <p:nvPicPr>
+          <p:cNvPr id="6" name="Tartalom helye 5">
             <a:extLst>
               <a:ext uri="{FF2B5EF4-FFF2-40B4-BE49-F238E27FC236}">
-                <a16:creationId xmlns:a16="http://schemas.microsoft.com/office/drawing/2014/main" id="{4EBA657C-FE59-9142-8859-9EF6EFB07586}"/>
+                <a16:creationId xmlns:a16="http://schemas.microsoft.com/office/drawing/2014/main" id="{C72B6E6E-D3F6-C811-4314-D6DD6029587E}"/>
               </a:ext>
             </a:extLst>
           </p:cNvPr>
-          <p:cNvSpPr>
-            <a:spLocks noGrp="1"/>
-          </p:cNvSpPr>
+          <p:cNvPicPr>
+            <a:picLocks noGrp="1" noChangeAspect="1"/>
+          </p:cNvPicPr>
           <p:nvPr>
             <p:ph idx="1"/>
           </p:nvPr>
-        </p:nvSpPr>
-        <p:spPr/>
-        <p:txBody>
-          <a:bodyPr/>
-          <a:lstStyle/>
-          <a:p>
-            <a:pPr>
-              <a:lnSpc>
-                <a:spcPct val="200000"/>
-              </a:lnSpc>
-            </a:pPr>
-            <a:r>
-              <a:rPr lang="hu-HU" dirty="0"/>
-              <a:t>Funkcionális követelmények:</a:t>
-            </a:r>
-          </a:p>
-          <a:p>
-            <a:pPr>
-              <a:lnSpc>
-                <a:spcPct val="200000"/>
-              </a:lnSpc>
-            </a:pPr>
-            <a:r>
-              <a:rPr lang="hu-HU" dirty="0"/>
-              <a:t>Használhatóság</a:t>
-            </a:r>
-          </a:p>
-          <a:p>
-            <a:pPr>
-              <a:lnSpc>
-                <a:spcPct val="200000"/>
-              </a:lnSpc>
-            </a:pPr>
-            <a:r>
-              <a:rPr lang="hu-HU" dirty="0"/>
-              <a:t>Felhasználó támogatás</a:t>
-            </a:r>
-          </a:p>
-          <a:p>
-            <a:pPr>
-              <a:lnSpc>
-                <a:spcPct val="200000"/>
-              </a:lnSpc>
-            </a:pPr>
-            <a:r>
-              <a:rPr lang="hu-HU" dirty="0"/>
-              <a:t>Megbízhatóság</a:t>
-            </a:r>
-          </a:p>
-          <a:p>
-            <a:pPr>
-              <a:lnSpc>
-                <a:spcPct val="200000"/>
-              </a:lnSpc>
-            </a:pPr>
-            <a:r>
-              <a:rPr lang="hu-HU" dirty="0"/>
-              <a:t>Teljesítmény</a:t>
-            </a:r>
-          </a:p>
-        </p:txBody>
-      </p:sp>
+        </p:nvPicPr>
+        <p:blipFill>
+          <a:blip r:embed="rId3"/>
+          <a:stretch>
+            <a:fillRect/>
+          </a:stretch>
+        </p:blipFill>
+        <p:spPr>
+          <a:xfrm>
+            <a:off x="666738" y="1721224"/>
+            <a:ext cx="8618562" cy="4760166"/>
+          </a:xfrm>
+          <a:prstGeom prst="rect">
+            <a:avLst/>
+          </a:prstGeom>
+        </p:spPr>
+      </p:pic>
     </p:spTree>
     <p:extLst>
       <p:ext uri="{BB962C8B-B14F-4D97-AF65-F5344CB8AC3E}">
-        <p14:creationId xmlns:p14="http://schemas.microsoft.com/office/powerpoint/2010/main" val="3427813026"/>
+        <p14:creationId xmlns:p14="http://schemas.microsoft.com/office/powerpoint/2010/main" val="828916236"/>
       </p:ext>
     </p:extLst>
   </p:cSld>
@@ -6965,7 +12365,7 @@
           <p:cNvPr id="2" name="Cím 1">
             <a:extLst>
               <a:ext uri="{FF2B5EF4-FFF2-40B4-BE49-F238E27FC236}">
-                <a16:creationId xmlns:a16="http://schemas.microsoft.com/office/drawing/2014/main" id="{A77A23B4-2C04-5148-C61D-70A9339B6040}"/>
+                <a16:creationId xmlns:a16="http://schemas.microsoft.com/office/drawing/2014/main" id="{D9D0667F-908D-93C6-6372-0F3DD7D99448}"/>
               </a:ext>
             </a:extLst>
           </p:cNvPr>
@@ -6983,89 +12383,53 @@
           <a:p>
             <a:r>
               <a:rPr lang="hu-HU" dirty="0"/>
-              <a:t>Gazdasági számítások</a:t>
+              <a:t>Üzleti igényspecifikáció</a:t>
             </a:r>
             <a:br>
               <a:rPr lang="hu-HU" dirty="0"/>
             </a:br>
             <a:r>
               <a:rPr lang="hu-HU" sz="2800" dirty="0"/>
-              <a:t>(6. sprint)</a:t>
+              <a:t>(3. sprint)</a:t>
             </a:r>
             <a:endParaRPr lang="hu-HU" dirty="0"/>
           </a:p>
         </p:txBody>
       </p:sp>
-      <p:sp>
-        <p:nvSpPr>
-          <p:cNvPr id="3" name="Tartalom helye 2">
+      <p:pic>
+        <p:nvPicPr>
+          <p:cNvPr id="5" name="Kép 4">
             <a:extLst>
               <a:ext uri="{FF2B5EF4-FFF2-40B4-BE49-F238E27FC236}">
-                <a16:creationId xmlns:a16="http://schemas.microsoft.com/office/drawing/2014/main" id="{A88EDC02-5649-5ECA-D0CF-4E2F48B28934}"/>
+                <a16:creationId xmlns:a16="http://schemas.microsoft.com/office/drawing/2014/main" id="{FD0A8524-FB80-58E5-51B2-1BAF9E61F96E}"/>
               </a:ext>
             </a:extLst>
           </p:cNvPr>
-          <p:cNvSpPr>
-            <a:spLocks noGrp="1"/>
-          </p:cNvSpPr>
-          <p:nvPr>
-            <p:ph idx="1"/>
-          </p:nvPr>
-        </p:nvSpPr>
-        <p:spPr/>
-        <p:txBody>
-          <a:bodyPr/>
-          <a:lstStyle/>
-          <a:p>
-            <a:pPr>
-              <a:lnSpc>
-                <a:spcPct val="200000"/>
-              </a:lnSpc>
-            </a:pPr>
-            <a:r>
-              <a:rPr lang="hu-HU" dirty="0"/>
-              <a:t>Ráfordítások</a:t>
-            </a:r>
-          </a:p>
-          <a:p>
-            <a:pPr>
-              <a:lnSpc>
-                <a:spcPct val="200000"/>
-              </a:lnSpc>
-            </a:pPr>
-            <a:r>
-              <a:rPr lang="hu-HU" dirty="0"/>
-              <a:t>Beszerzési, üzemeltetési költségek</a:t>
-            </a:r>
-          </a:p>
-          <a:p>
-            <a:pPr>
-              <a:lnSpc>
-                <a:spcPct val="200000"/>
-              </a:lnSpc>
-            </a:pPr>
-            <a:r>
-              <a:rPr lang="hu-HU" dirty="0"/>
-              <a:t>Amortizáció</a:t>
-            </a:r>
-          </a:p>
-          <a:p>
-            <a:pPr>
-              <a:lnSpc>
-                <a:spcPct val="200000"/>
-              </a:lnSpc>
-            </a:pPr>
-            <a:r>
-              <a:rPr lang="hu-HU" dirty="0"/>
-              <a:t>Bevételek</a:t>
-            </a:r>
-          </a:p>
-        </p:txBody>
-      </p:sp>
+          <p:cNvPicPr>
+            <a:picLocks noChangeAspect="1"/>
+          </p:cNvPicPr>
+          <p:nvPr/>
+        </p:nvPicPr>
+        <p:blipFill>
+          <a:blip r:embed="rId3"/>
+          <a:stretch>
+            <a:fillRect/>
+          </a:stretch>
+        </p:blipFill>
+        <p:spPr>
+          <a:xfrm>
+            <a:off x="645971" y="2074095"/>
+            <a:ext cx="9047016" cy="4655412"/>
+          </a:xfrm>
+          <a:prstGeom prst="rect">
+            <a:avLst/>
+          </a:prstGeom>
+        </p:spPr>
+      </p:pic>
     </p:spTree>
     <p:extLst>
       <p:ext uri="{BB962C8B-B14F-4D97-AF65-F5344CB8AC3E}">
-        <p14:creationId xmlns:p14="http://schemas.microsoft.com/office/powerpoint/2010/main" val="2383492499"/>
+        <p14:creationId xmlns:p14="http://schemas.microsoft.com/office/powerpoint/2010/main" val="1013510558"/>
       </p:ext>
     </p:extLst>
   </p:cSld>
@@ -7097,7 +12461,7 @@
           <p:cNvPr id="2" name="Cím 1">
             <a:extLst>
               <a:ext uri="{FF2B5EF4-FFF2-40B4-BE49-F238E27FC236}">
-                <a16:creationId xmlns:a16="http://schemas.microsoft.com/office/drawing/2014/main" id="{1A0F41BC-7CF5-2B06-6082-7F403A0EF775}"/>
+                <a16:creationId xmlns:a16="http://schemas.microsoft.com/office/drawing/2014/main" id="{3C189436-1C01-0B3E-00C8-9D2BC5FA46BA}"/>
               </a:ext>
             </a:extLst>
           </p:cNvPr>
@@ -7115,14 +12479,14 @@
           <a:p>
             <a:r>
               <a:rPr lang="hu-HU" dirty="0"/>
-              <a:t>Technikai specifikáció</a:t>
+              <a:t>Követelmény specifikáció</a:t>
             </a:r>
             <a:br>
               <a:rPr lang="hu-HU" dirty="0"/>
             </a:br>
             <a:r>
               <a:rPr lang="hu-HU" sz="2800" dirty="0"/>
-              <a:t>(7. sprint)</a:t>
+              <a:t>(4-5. sprint)</a:t>
             </a:r>
             <a:endParaRPr lang="hu-HU" dirty="0"/>
           </a:p>
@@ -7133,7 +12497,7 @@
           <p:cNvPr id="3" name="Tartalom helye 2">
             <a:extLst>
               <a:ext uri="{FF2B5EF4-FFF2-40B4-BE49-F238E27FC236}">
-                <a16:creationId xmlns:a16="http://schemas.microsoft.com/office/drawing/2014/main" id="{9D010C11-3E30-2478-B674-33468B70E12B}"/>
+                <a16:creationId xmlns:a16="http://schemas.microsoft.com/office/drawing/2014/main" id="{6866E574-8263-7AE7-DA8F-EDD99AB8B6BD}"/>
               </a:ext>
             </a:extLst>
           </p:cNvPr>
@@ -7148,6 +12512,12 @@
         <p:txBody>
           <a:bodyPr/>
           <a:lstStyle/>
+          <a:p>
+            <a:r>
+              <a:rPr lang="hu-HU" dirty="0"/>
+              <a:t>Nem funkcionális követelmények</a:t>
+            </a:r>
+          </a:p>
           <a:p>
             <a:pPr>
               <a:lnSpc>
@@ -7156,7 +12526,7 @@
             </a:pPr>
             <a:r>
               <a:rPr lang="hu-HU" dirty="0"/>
-              <a:t>Platform</a:t>
+              <a:t>Funkcionális követelmények</a:t>
             </a:r>
           </a:p>
           <a:p>
@@ -7167,7 +12537,7 @@
             </a:pPr>
             <a:r>
               <a:rPr lang="hu-HU" dirty="0"/>
-              <a:t>Fejlesztési eszközök</a:t>
+              <a:t>Használhatóság</a:t>
             </a:r>
           </a:p>
           <a:p>
@@ -7178,18 +12548,37 @@
             </a:pPr>
             <a:r>
               <a:rPr lang="hu-HU" dirty="0"/>
-              <a:t>Architektúra terv</a:t>
-            </a:r>
-          </a:p>
-          <a:p>
-            <a:endParaRPr lang="hu-HU" dirty="0"/>
+              <a:t>Felhasználó támogatás</a:t>
+            </a:r>
+          </a:p>
+          <a:p>
+            <a:pPr>
+              <a:lnSpc>
+                <a:spcPct val="200000"/>
+              </a:lnSpc>
+            </a:pPr>
+            <a:r>
+              <a:rPr lang="hu-HU" dirty="0"/>
+              <a:t>Megbízhatóság</a:t>
+            </a:r>
+          </a:p>
+          <a:p>
+            <a:pPr>
+              <a:lnSpc>
+                <a:spcPct val="200000"/>
+              </a:lnSpc>
+            </a:pPr>
+            <a:r>
+              <a:rPr lang="hu-HU" dirty="0"/>
+              <a:t>Teljesítmény</a:t>
+            </a:r>
           </a:p>
         </p:txBody>
       </p:sp>
     </p:spTree>
     <p:extLst>
       <p:ext uri="{BB962C8B-B14F-4D97-AF65-F5344CB8AC3E}">
-        <p14:creationId xmlns:p14="http://schemas.microsoft.com/office/powerpoint/2010/main" val="2575587931"/>
+        <p14:creationId xmlns:p14="http://schemas.microsoft.com/office/powerpoint/2010/main" val="2890381392"/>
       </p:ext>
     </p:extLst>
   </p:cSld>
@@ -7221,7 +12610,7 @@
           <p:cNvPr id="2" name="Cím 1">
             <a:extLst>
               <a:ext uri="{FF2B5EF4-FFF2-40B4-BE49-F238E27FC236}">
-                <a16:creationId xmlns:a16="http://schemas.microsoft.com/office/drawing/2014/main" id="{AA34CEF9-0658-C6A8-5829-90D8E35B2C87}"/>
+                <a16:creationId xmlns:a16="http://schemas.microsoft.com/office/drawing/2014/main" id="{3C189436-1C01-0B3E-00C8-9D2BC5FA46BA}"/>
               </a:ext>
             </a:extLst>
           </p:cNvPr>
@@ -7239,78 +12628,55 @@
           <a:p>
             <a:r>
               <a:rPr lang="hu-HU" dirty="0"/>
-              <a:t>Adatbázis terv</a:t>
+              <a:t>Követelmény specifikáció</a:t>
             </a:r>
             <a:br>
               <a:rPr lang="hu-HU" dirty="0"/>
             </a:br>
             <a:r>
               <a:rPr lang="hu-HU" sz="2800" dirty="0"/>
-              <a:t>(8. sprint)</a:t>
+              <a:t>(4-5. sprint)</a:t>
             </a:r>
             <a:endParaRPr lang="hu-HU" dirty="0"/>
           </a:p>
         </p:txBody>
       </p:sp>
-      <p:sp>
-        <p:nvSpPr>
-          <p:cNvPr id="3" name="Tartalom helye 2">
+      <p:pic>
+        <p:nvPicPr>
+          <p:cNvPr id="6" name="Tartalom helye 5">
             <a:extLst>
               <a:ext uri="{FF2B5EF4-FFF2-40B4-BE49-F238E27FC236}">
-                <a16:creationId xmlns:a16="http://schemas.microsoft.com/office/drawing/2014/main" id="{ECEABDAB-2AE3-4719-DFB8-4E089DB44717}"/>
+                <a16:creationId xmlns:a16="http://schemas.microsoft.com/office/drawing/2014/main" id="{EF4A9F19-BB5F-D074-F0DC-7C2D6BD26106}"/>
               </a:ext>
             </a:extLst>
           </p:cNvPr>
-          <p:cNvSpPr>
-            <a:spLocks noGrp="1"/>
-          </p:cNvSpPr>
+          <p:cNvPicPr>
+            <a:picLocks noGrp="1" noChangeAspect="1"/>
+          </p:cNvPicPr>
           <p:nvPr>
             <p:ph idx="1"/>
           </p:nvPr>
-        </p:nvSpPr>
-        <p:spPr/>
-        <p:txBody>
-          <a:bodyPr/>
-          <a:lstStyle/>
-          <a:p>
-            <a:pPr>
-              <a:lnSpc>
-                <a:spcPct val="200000"/>
-              </a:lnSpc>
-            </a:pPr>
-            <a:r>
-              <a:rPr lang="hu-HU" dirty="0"/>
-              <a:t>Táblák</a:t>
-            </a:r>
-          </a:p>
-          <a:p>
-            <a:pPr>
-              <a:lnSpc>
-                <a:spcPct val="200000"/>
-              </a:lnSpc>
-            </a:pPr>
-            <a:r>
-              <a:rPr lang="hu-HU" dirty="0"/>
-              <a:t>Egyed-kapcsolat</a:t>
-            </a:r>
-          </a:p>
-          <a:p>
-            <a:pPr>
-              <a:lnSpc>
-                <a:spcPct val="200000"/>
-              </a:lnSpc>
-            </a:pPr>
-            <a:r>
-              <a:rPr lang="hu-HU" dirty="0"/>
-              <a:t>Adatmodell</a:t>
-            </a:r>
-          </a:p>
-        </p:txBody>
-      </p:sp>
+        </p:nvPicPr>
+        <p:blipFill>
+          <a:blip r:embed="rId3"/>
+          <a:stretch>
+            <a:fillRect/>
+          </a:stretch>
+        </p:blipFill>
+        <p:spPr>
+          <a:xfrm>
+            <a:off x="457201" y="1672142"/>
+            <a:ext cx="9037636" cy="4858328"/>
+          </a:xfrm>
+          <a:prstGeom prst="rect">
+            <a:avLst/>
+          </a:prstGeom>
+        </p:spPr>
+      </p:pic>
     </p:spTree>
     <p:extLst>
       <p:ext uri="{BB962C8B-B14F-4D97-AF65-F5344CB8AC3E}">
-        <p14:creationId xmlns:p14="http://schemas.microsoft.com/office/powerpoint/2010/main" val="3677927701"/>
+        <p14:creationId xmlns:p14="http://schemas.microsoft.com/office/powerpoint/2010/main" val="3155479853"/>
       </p:ext>
     </p:extLst>
   </p:cSld>
@@ -7575,4 +12941,299 @@
     </a:ext>
   </a:extLst>
 </a:theme>
+</file>
+
+<file path=ppt/theme/theme2.xml><?xml version="1.0" encoding="utf-8"?>
+<a:theme xmlns:a="http://schemas.openxmlformats.org/drawingml/2006/main" name="Office-téma">
+  <a:themeElements>
+    <a:clrScheme name="Office">
+      <a:dk1>
+        <a:sysClr val="windowText" lastClr="000000"/>
+      </a:dk1>
+      <a:lt1>
+        <a:sysClr val="window" lastClr="FFFFFF"/>
+      </a:lt1>
+      <a:dk2>
+        <a:srgbClr val="44546A"/>
+      </a:dk2>
+      <a:lt2>
+        <a:srgbClr val="E7E6E6"/>
+      </a:lt2>
+      <a:accent1>
+        <a:srgbClr val="4472C4"/>
+      </a:accent1>
+      <a:accent2>
+        <a:srgbClr val="ED7D31"/>
+      </a:accent2>
+      <a:accent3>
+        <a:srgbClr val="A5A5A5"/>
+      </a:accent3>
+      <a:accent4>
+        <a:srgbClr val="FFC000"/>
+      </a:accent4>
+      <a:accent5>
+        <a:srgbClr val="5B9BD5"/>
+      </a:accent5>
+      <a:accent6>
+        <a:srgbClr val="70AD47"/>
+      </a:accent6>
+      <a:hlink>
+        <a:srgbClr val="0563C1"/>
+      </a:hlink>
+      <a:folHlink>
+        <a:srgbClr val="954F72"/>
+      </a:folHlink>
+    </a:clrScheme>
+    <a:fontScheme name="Office">
+      <a:majorFont>
+        <a:latin typeface="Calibri Light" panose="020F0302020204030204"/>
+        <a:ea typeface=""/>
+        <a:cs typeface=""/>
+        <a:font script="Jpan" typeface="游ゴシック Light"/>
+        <a:font script="Hang" typeface="맑은 고딕"/>
+        <a:font script="Hans" typeface="等线 Light"/>
+        <a:font script="Hant" typeface="新細明體"/>
+        <a:font script="Arab" typeface="Times New Roman"/>
+        <a:font script="Hebr" typeface="Times New Roman"/>
+        <a:font script="Thai" typeface="Angsana New"/>
+        <a:font script="Ethi" typeface="Nyala"/>
+        <a:font script="Beng" typeface="Vrinda"/>
+        <a:font script="Gujr" typeface="Shruti"/>
+        <a:font script="Khmr" typeface="MoolBoran"/>
+        <a:font script="Knda" typeface="Tunga"/>
+        <a:font script="Guru" typeface="Raavi"/>
+        <a:font script="Cans" typeface="Euphemia"/>
+        <a:font script="Cher" typeface="Plantagenet Cherokee"/>
+        <a:font script="Yiii" typeface="Microsoft Yi Baiti"/>
+        <a:font script="Tibt" typeface="Microsoft Himalaya"/>
+        <a:font script="Thaa" typeface="MV Boli"/>
+        <a:font script="Deva" typeface="Mangal"/>
+        <a:font script="Telu" typeface="Gautami"/>
+        <a:font script="Taml" typeface="Latha"/>
+        <a:font script="Syrc" typeface="Estrangelo Edessa"/>
+        <a:font script="Orya" typeface="Kalinga"/>
+        <a:font script="Mlym" typeface="Kartika"/>
+        <a:font script="Laoo" typeface="DokChampa"/>
+        <a:font script="Sinh" typeface="Iskoola Pota"/>
+        <a:font script="Mong" typeface="Mongolian Baiti"/>
+        <a:font script="Viet" typeface="Times New Roman"/>
+        <a:font script="Uigh" typeface="Microsoft Uighur"/>
+        <a:font script="Geor" typeface="Sylfaen"/>
+        <a:font script="Armn" typeface="Arial"/>
+        <a:font script="Bugi" typeface="Leelawadee UI"/>
+        <a:font script="Bopo" typeface="Microsoft JhengHei"/>
+        <a:font script="Java" typeface="Javanese Text"/>
+        <a:font script="Lisu" typeface="Segoe UI"/>
+        <a:font script="Mymr" typeface="Myanmar Text"/>
+        <a:font script="Nkoo" typeface="Ebrima"/>
+        <a:font script="Olck" typeface="Nirmala UI"/>
+        <a:font script="Osma" typeface="Ebrima"/>
+        <a:font script="Phag" typeface="Phagspa"/>
+        <a:font script="Syrn" typeface="Estrangelo Edessa"/>
+        <a:font script="Syrj" typeface="Estrangelo Edessa"/>
+        <a:font script="Syre" typeface="Estrangelo Edessa"/>
+        <a:font script="Sora" typeface="Nirmala UI"/>
+        <a:font script="Tale" typeface="Microsoft Tai Le"/>
+        <a:font script="Talu" typeface="Microsoft New Tai Lue"/>
+        <a:font script="Tfng" typeface="Ebrima"/>
+      </a:majorFont>
+      <a:minorFont>
+        <a:latin typeface="Calibri" panose="020F0502020204030204"/>
+        <a:ea typeface=""/>
+        <a:cs typeface=""/>
+        <a:font script="Jpan" typeface="游ゴシック"/>
+        <a:font script="Hang" typeface="맑은 고딕"/>
+        <a:font script="Hans" typeface="等线"/>
+        <a:font script="Hant" typeface="新細明體"/>
+        <a:font script="Arab" typeface="Arial"/>
+        <a:font script="Hebr" typeface="Arial"/>
+        <a:font script="Thai" typeface="Cordia New"/>
+        <a:font script="Ethi" typeface="Nyala"/>
+        <a:font script="Beng" typeface="Vrinda"/>
+        <a:font script="Gujr" typeface="Shruti"/>
+        <a:font script="Khmr" typeface="DaunPenh"/>
+        <a:font script="Knda" typeface="Tunga"/>
+        <a:font script="Guru" typeface="Raavi"/>
+        <a:font script="Cans" typeface="Euphemia"/>
+        <a:font script="Cher" typeface="Plantagenet Cherokee"/>
+        <a:font script="Yiii" typeface="Microsoft Yi Baiti"/>
+        <a:font script="Tibt" typeface="Microsoft Himalaya"/>
+        <a:font script="Thaa" typeface="MV Boli"/>
+        <a:font script="Deva" typeface="Mangal"/>
+        <a:font script="Telu" typeface="Gautami"/>
+        <a:font script="Taml" typeface="Latha"/>
+        <a:font script="Syrc" typeface="Estrangelo Edessa"/>
+        <a:font script="Orya" typeface="Kalinga"/>
+        <a:font script="Mlym" typeface="Kartika"/>
+        <a:font script="Laoo" typeface="DokChampa"/>
+        <a:font script="Sinh" typeface="Iskoola Pota"/>
+        <a:font script="Mong" typeface="Mongolian Baiti"/>
+        <a:font script="Viet" typeface="Arial"/>
+        <a:font script="Uigh" typeface="Microsoft Uighur"/>
+        <a:font script="Geor" typeface="Sylfaen"/>
+        <a:font script="Armn" typeface="Arial"/>
+        <a:font script="Bugi" typeface="Leelawadee UI"/>
+        <a:font script="Bopo" typeface="Microsoft JhengHei"/>
+        <a:font script="Java" typeface="Javanese Text"/>
+        <a:font script="Lisu" typeface="Segoe UI"/>
+        <a:font script="Mymr" typeface="Myanmar Text"/>
+        <a:font script="Nkoo" typeface="Ebrima"/>
+        <a:font script="Olck" typeface="Nirmala UI"/>
+        <a:font script="Osma" typeface="Ebrima"/>
+        <a:font script="Phag" typeface="Phagspa"/>
+        <a:font script="Syrn" typeface="Estrangelo Edessa"/>
+        <a:font script="Syrj" typeface="Estrangelo Edessa"/>
+        <a:font script="Syre" typeface="Estrangelo Edessa"/>
+        <a:font script="Sora" typeface="Nirmala UI"/>
+        <a:font script="Tale" typeface="Microsoft Tai Le"/>
+        <a:font script="Talu" typeface="Microsoft New Tai Lue"/>
+        <a:font script="Tfng" typeface="Ebrima"/>
+      </a:minorFont>
+    </a:fontScheme>
+    <a:fmtScheme name="Office">
+      <a:fillStyleLst>
+        <a:solidFill>
+          <a:schemeClr val="phClr"/>
+        </a:solidFill>
+        <a:gradFill rotWithShape="1">
+          <a:gsLst>
+            <a:gs pos="0">
+              <a:schemeClr val="phClr">
+                <a:lumMod val="110000"/>
+                <a:satMod val="105000"/>
+                <a:tint val="67000"/>
+              </a:schemeClr>
+            </a:gs>
+            <a:gs pos="50000">
+              <a:schemeClr val="phClr">
+                <a:lumMod val="105000"/>
+                <a:satMod val="103000"/>
+                <a:tint val="73000"/>
+              </a:schemeClr>
+            </a:gs>
+            <a:gs pos="100000">
+              <a:schemeClr val="phClr">
+                <a:lumMod val="105000"/>
+                <a:satMod val="109000"/>
+                <a:tint val="81000"/>
+              </a:schemeClr>
+            </a:gs>
+          </a:gsLst>
+          <a:lin ang="5400000" scaled="0"/>
+        </a:gradFill>
+        <a:gradFill rotWithShape="1">
+          <a:gsLst>
+            <a:gs pos="0">
+              <a:schemeClr val="phClr">
+                <a:satMod val="103000"/>
+                <a:lumMod val="102000"/>
+                <a:tint val="94000"/>
+              </a:schemeClr>
+            </a:gs>
+            <a:gs pos="50000">
+              <a:schemeClr val="phClr">
+                <a:satMod val="110000"/>
+                <a:lumMod val="100000"/>
+                <a:shade val="100000"/>
+              </a:schemeClr>
+            </a:gs>
+            <a:gs pos="100000">
+              <a:schemeClr val="phClr">
+                <a:lumMod val="99000"/>
+                <a:satMod val="120000"/>
+                <a:shade val="78000"/>
+              </a:schemeClr>
+            </a:gs>
+          </a:gsLst>
+          <a:lin ang="5400000" scaled="0"/>
+        </a:gradFill>
+      </a:fillStyleLst>
+      <a:lnStyleLst>
+        <a:ln w="6350" cap="flat" cmpd="sng" algn="ctr">
+          <a:solidFill>
+            <a:schemeClr val="phClr"/>
+          </a:solidFill>
+          <a:prstDash val="solid"/>
+          <a:miter lim="800000"/>
+        </a:ln>
+        <a:ln w="12700" cap="flat" cmpd="sng" algn="ctr">
+          <a:solidFill>
+            <a:schemeClr val="phClr"/>
+          </a:solidFill>
+          <a:prstDash val="solid"/>
+          <a:miter lim="800000"/>
+        </a:ln>
+        <a:ln w="19050" cap="flat" cmpd="sng" algn="ctr">
+          <a:solidFill>
+            <a:schemeClr val="phClr"/>
+          </a:solidFill>
+          <a:prstDash val="solid"/>
+          <a:miter lim="800000"/>
+        </a:ln>
+      </a:lnStyleLst>
+      <a:effectStyleLst>
+        <a:effectStyle>
+          <a:effectLst/>
+        </a:effectStyle>
+        <a:effectStyle>
+          <a:effectLst/>
+        </a:effectStyle>
+        <a:effectStyle>
+          <a:effectLst>
+            <a:outerShdw blurRad="57150" dist="19050" dir="5400000" algn="ctr" rotWithShape="0">
+              <a:srgbClr val="000000">
+                <a:alpha val="63000"/>
+              </a:srgbClr>
+            </a:outerShdw>
+          </a:effectLst>
+        </a:effectStyle>
+      </a:effectStyleLst>
+      <a:bgFillStyleLst>
+        <a:solidFill>
+          <a:schemeClr val="phClr"/>
+        </a:solidFill>
+        <a:solidFill>
+          <a:schemeClr val="phClr">
+            <a:tint val="95000"/>
+            <a:satMod val="170000"/>
+          </a:schemeClr>
+        </a:solidFill>
+        <a:gradFill rotWithShape="1">
+          <a:gsLst>
+            <a:gs pos="0">
+              <a:schemeClr val="phClr">
+                <a:tint val="93000"/>
+                <a:satMod val="150000"/>
+                <a:shade val="98000"/>
+                <a:lumMod val="102000"/>
+              </a:schemeClr>
+            </a:gs>
+            <a:gs pos="50000">
+              <a:schemeClr val="phClr">
+                <a:tint val="98000"/>
+                <a:satMod val="130000"/>
+                <a:shade val="90000"/>
+                <a:lumMod val="103000"/>
+              </a:schemeClr>
+            </a:gs>
+            <a:gs pos="100000">
+              <a:schemeClr val="phClr">
+                <a:shade val="63000"/>
+                <a:satMod val="120000"/>
+              </a:schemeClr>
+            </a:gs>
+          </a:gsLst>
+          <a:lin ang="5400000" scaled="0"/>
+        </a:gradFill>
+      </a:bgFillStyleLst>
+    </a:fmtScheme>
+  </a:themeElements>
+  <a:objectDefaults/>
+  <a:extraClrSchemeLst/>
+  <a:extLst>
+    <a:ext uri="{05A4C25C-085E-4340-85A3-A5531E510DB2}">
+      <thm15:themeFamily xmlns:thm15="http://schemas.microsoft.com/office/thememl/2012/main" name="Office Theme" id="{62F939B6-93AF-4DB8-9C6B-D6C7DFDC589F}" vid="{4A3C46E8-61CC-4603-A589-7422A47A8E4A}"/>
+    </a:ext>
+  </a:extLst>
+</a:theme>
 </file>
--- a/Rejtély.pptx
+++ b/Rejtély.pptx
@@ -9926,35 +9926,6 @@
           </p:style>
         </p:sp>
       </p:grpSp>
-      <p:pic>
-        <p:nvPicPr>
-          <p:cNvPr id="6" name="Kép 5">
-            <a:extLst>
-              <a:ext uri="{FF2B5EF4-FFF2-40B4-BE49-F238E27FC236}">
-                <a16:creationId xmlns:a16="http://schemas.microsoft.com/office/drawing/2014/main" id="{CF2C9AD9-B253-AC2F-C141-54A4AE29EC2E}"/>
-              </a:ext>
-            </a:extLst>
-          </p:cNvPr>
-          <p:cNvPicPr>
-            <a:picLocks noChangeAspect="1"/>
-          </p:cNvPicPr>
-          <p:nvPr/>
-        </p:nvPicPr>
-        <p:blipFill rotWithShape="1">
-          <a:blip r:embed="rId3"/>
-          <a:srcRect t="7859"/>
-          <a:stretch/>
-        </p:blipFill>
-        <p:spPr>
-          <a:xfrm>
-            <a:off x="20" y="10"/>
-            <a:ext cx="12191980" cy="6857990"/>
-          </a:xfrm>
-          <a:prstGeom prst="rect">
-            <a:avLst/>
-          </a:prstGeom>
-        </p:spPr>
-      </p:pic>
       <p:sp>
         <p:nvSpPr>
           <p:cNvPr id="39" name="Freeform: Shape 22">
@@ -10376,6 +10347,35 @@
           </a:p>
         </p:txBody>
       </p:sp>
+      <p:pic>
+        <p:nvPicPr>
+          <p:cNvPr id="6" name="Kép 5">
+            <a:extLst>
+              <a:ext uri="{FF2B5EF4-FFF2-40B4-BE49-F238E27FC236}">
+                <a16:creationId xmlns:a16="http://schemas.microsoft.com/office/drawing/2014/main" id="{CF2C9AD9-B253-AC2F-C141-54A4AE29EC2E}"/>
+              </a:ext>
+            </a:extLst>
+          </p:cNvPr>
+          <p:cNvPicPr>
+            <a:picLocks noChangeAspect="1"/>
+          </p:cNvPicPr>
+          <p:nvPr/>
+        </p:nvPicPr>
+        <p:blipFill rotWithShape="1">
+          <a:blip r:embed="rId3"/>
+          <a:srcRect t="-1812" r="-1239"/>
+          <a:stretch/>
+        </p:blipFill>
+        <p:spPr>
+          <a:xfrm>
+            <a:off x="953586" y="-80343"/>
+            <a:ext cx="11073796" cy="6798551"/>
+          </a:xfrm>
+          <a:prstGeom prst="rect">
+            <a:avLst/>
+          </a:prstGeom>
+        </p:spPr>
+      </p:pic>
     </p:spTree>
     <p:extLst>
       <p:ext uri="{BB962C8B-B14F-4D97-AF65-F5344CB8AC3E}">
